--- a/files/03Branching.pptx
+++ b/files/03Branching.pptx
@@ -6,7 +6,7 @@
     <p:sldMasterId id="2147483660" r:id="rId2"/>
   </p:sldMasterIdLst>
   <p:notesMasterIdLst>
-    <p:notesMasterId r:id="rId53"/>
+    <p:notesMasterId r:id="rId54"/>
   </p:notesMasterIdLst>
   <p:sldIdLst>
     <p:sldId id="256" r:id="rId3"/>
@@ -58,7 +58,8 @@
     <p:sldId id="274" r:id="rId49"/>
     <p:sldId id="275" r:id="rId50"/>
     <p:sldId id="276" r:id="rId51"/>
-    <p:sldId id="309" r:id="rId52"/>
+    <p:sldId id="310" r:id="rId52"/>
+    <p:sldId id="309" r:id="rId53"/>
   </p:sldIdLst>
   <p:sldSz cx="9144000" cy="6858000" type="screen4x3"/>
   <p:notesSz cx="6858000" cy="9144000"/>
@@ -258,7 +259,7 @@
           <a:p>
             <a:fld id="{2F5C06D8-21C8-47C3-8DB7-56AB2BC045F9}" type="datetimeFigureOut">
               <a:rPr lang="en-US" smtClean="0"/>
-              <a:t>2/1/16</a:t>
+              <a:t>9/7/16</a:t>
             </a:fld>
             <a:endParaRPr lang="en-US"/>
           </a:p>
@@ -9490,7 +9491,7 @@
           <a:p>
             <a:fld id="{6052D47F-9DF6-4E30-99C3-6428E11DB2AC}" type="datetimeFigureOut">
               <a:rPr lang="en-US" smtClean="0"/>
-              <a:t>2/1/16</a:t>
+              <a:t>9/7/16</a:t>
             </a:fld>
             <a:endParaRPr lang="en-US"/>
           </a:p>
@@ -9660,7 +9661,7 @@
           <a:p>
             <a:fld id="{6052D47F-9DF6-4E30-99C3-6428E11DB2AC}" type="datetimeFigureOut">
               <a:rPr lang="en-US" smtClean="0"/>
-              <a:t>2/1/16</a:t>
+              <a:t>9/7/16</a:t>
             </a:fld>
             <a:endParaRPr lang="en-US"/>
           </a:p>
@@ -9840,7 +9841,7 @@
           <a:p>
             <a:fld id="{6052D47F-9DF6-4E30-99C3-6428E11DB2AC}" type="datetimeFigureOut">
               <a:rPr lang="en-US" smtClean="0"/>
-              <a:t>2/1/16</a:t>
+              <a:t>9/7/16</a:t>
             </a:fld>
             <a:endParaRPr lang="en-US"/>
           </a:p>
@@ -12198,7 +12199,7 @@
           <a:p>
             <a:fld id="{6052D47F-9DF6-4E30-99C3-6428E11DB2AC}" type="datetimeFigureOut">
               <a:rPr lang="en-US" smtClean="0"/>
-              <a:t>2/1/16</a:t>
+              <a:t>9/7/16</a:t>
             </a:fld>
             <a:endParaRPr lang="en-US"/>
           </a:p>
@@ -13651,7 +13652,7 @@
           <a:p>
             <a:fld id="{6052D47F-9DF6-4E30-99C3-6428E11DB2AC}" type="datetimeFigureOut">
               <a:rPr lang="en-US" smtClean="0"/>
-              <a:t>2/1/16</a:t>
+              <a:t>9/7/16</a:t>
             </a:fld>
             <a:endParaRPr lang="en-US"/>
           </a:p>
@@ -13939,7 +13940,7 @@
           <a:p>
             <a:fld id="{6052D47F-9DF6-4E30-99C3-6428E11DB2AC}" type="datetimeFigureOut">
               <a:rPr lang="en-US" smtClean="0"/>
-              <a:t>2/1/16</a:t>
+              <a:t>9/7/16</a:t>
             </a:fld>
             <a:endParaRPr lang="en-US"/>
           </a:p>
@@ -14361,7 +14362,7 @@
           <a:p>
             <a:fld id="{6052D47F-9DF6-4E30-99C3-6428E11DB2AC}" type="datetimeFigureOut">
               <a:rPr lang="en-US" smtClean="0"/>
-              <a:t>2/1/16</a:t>
+              <a:t>9/7/16</a:t>
             </a:fld>
             <a:endParaRPr lang="en-US"/>
           </a:p>
@@ -14479,7 +14480,7 @@
           <a:p>
             <a:fld id="{6052D47F-9DF6-4E30-99C3-6428E11DB2AC}" type="datetimeFigureOut">
               <a:rPr lang="en-US" smtClean="0"/>
-              <a:t>2/1/16</a:t>
+              <a:t>9/7/16</a:t>
             </a:fld>
             <a:endParaRPr lang="en-US"/>
           </a:p>
@@ -14574,7 +14575,7 @@
           <a:p>
             <a:fld id="{6052D47F-9DF6-4E30-99C3-6428E11DB2AC}" type="datetimeFigureOut">
               <a:rPr lang="en-US" smtClean="0"/>
-              <a:t>2/1/16</a:t>
+              <a:t>9/7/16</a:t>
             </a:fld>
             <a:endParaRPr lang="en-US"/>
           </a:p>
@@ -14851,7 +14852,7 @@
           <a:p>
             <a:fld id="{6052D47F-9DF6-4E30-99C3-6428E11DB2AC}" type="datetimeFigureOut">
               <a:rPr lang="en-US" smtClean="0"/>
-              <a:t>2/1/16</a:t>
+              <a:t>9/7/16</a:t>
             </a:fld>
             <a:endParaRPr lang="en-US"/>
           </a:p>
@@ -15104,7 +15105,7 @@
           <a:p>
             <a:fld id="{6052D47F-9DF6-4E30-99C3-6428E11DB2AC}" type="datetimeFigureOut">
               <a:rPr lang="en-US" smtClean="0"/>
-              <a:t>2/1/16</a:t>
+              <a:t>9/7/16</a:t>
             </a:fld>
             <a:endParaRPr lang="en-US"/>
           </a:p>
@@ -15317,7 +15318,7 @@
           <a:p>
             <a:fld id="{6052D47F-9DF6-4E30-99C3-6428E11DB2AC}" type="datetimeFigureOut">
               <a:rPr lang="en-US" smtClean="0"/>
-              <a:t>2/1/16</a:t>
+              <a:t>9/7/16</a:t>
             </a:fld>
             <a:endParaRPr lang="en-US"/>
           </a:p>
@@ -17129,67 +17130,135 @@
           <a:p>
             <a:pPr eaLnBrk="1" hangingPunct="1"/>
             <a:r>
+              <a:rPr lang="en-US" dirty="0" smtClean="0"/>
+              <a:t>Given three integer variable, </a:t>
+            </a:r>
+            <a:r>
+              <a:rPr lang="en-US" i="1" dirty="0" err="1" smtClean="0"/>
+              <a:t>i</a:t>
+            </a:r>
+            <a:r>
+              <a:rPr lang="en-US" dirty="0" smtClean="0"/>
+              <a:t>, </a:t>
+            </a:r>
+            <a:r>
+              <a:rPr lang="en-US" i="1" dirty="0" smtClean="0"/>
+              <a:t>j</a:t>
+            </a:r>
+            <a:r>
+              <a:rPr lang="en-US" dirty="0" smtClean="0"/>
+              <a:t>, and </a:t>
+            </a:r>
+            <a:r>
+              <a:rPr lang="en-US" i="1" dirty="0" smtClean="0"/>
+              <a:t>k</a:t>
+            </a:r>
+            <a:r>
+              <a:rPr lang="en-US" dirty="0" smtClean="0"/>
+              <a:t>, write a </a:t>
+            </a:r>
+            <a:r>
+              <a:rPr lang="en-US" dirty="0" err="1" smtClean="0"/>
+              <a:t>boolean</a:t>
+            </a:r>
+            <a:r>
+              <a:rPr lang="en-US" dirty="0" smtClean="0"/>
+              <a:t> expression for each of the following problems:</a:t>
+            </a:r>
+          </a:p>
+          <a:p>
+            <a:pPr lvl="1" eaLnBrk="1" hangingPunct="1"/>
+            <a:r>
+              <a:rPr lang="en-US" dirty="0" err="1" smtClean="0"/>
+              <a:t>i</a:t>
+            </a:r>
+            <a:r>
+              <a:rPr lang="en-US" dirty="0" smtClean="0"/>
+              <a:t> is equal to 3 or 5 =&gt; (</a:t>
+            </a:r>
+            <a:r>
+              <a:rPr lang="en-US" dirty="0" err="1" smtClean="0"/>
+              <a:t>i</a:t>
+            </a:r>
+            <a:r>
+              <a:rPr lang="en-US" dirty="0" smtClean="0"/>
+              <a:t> == 3</a:t>
+            </a:r>
+            <a:r>
               <a:rPr lang="en-US" smtClean="0"/>
-              <a:t>Given three integer variable, </a:t>
-            </a:r>
-            <a:r>
-              <a:rPr lang="en-US" i="1" smtClean="0"/>
+              <a:t>) </a:t>
+            </a:r>
+            <a:r>
+              <a:rPr lang="en-US" smtClean="0"/>
+              <a:t>||</a:t>
+            </a:r>
+            <a:r>
+              <a:rPr lang="en-US" smtClean="0"/>
+              <a:t> </a:t>
+            </a:r>
+            <a:r>
+              <a:rPr lang="en-US" dirty="0" smtClean="0"/>
+              <a:t>(</a:t>
+            </a:r>
+            <a:r>
+              <a:rPr lang="en-US" dirty="0" err="1" smtClean="0"/>
               <a:t>i</a:t>
             </a:r>
             <a:r>
-              <a:rPr lang="en-US" smtClean="0"/>
-              <a:t>, </a:t>
-            </a:r>
-            <a:r>
-              <a:rPr lang="en-US" i="1" smtClean="0"/>
-              <a:t>j</a:t>
-            </a:r>
-            <a:r>
-              <a:rPr lang="en-US" smtClean="0"/>
-              <a:t>, and </a:t>
-            </a:r>
-            <a:r>
-              <a:rPr lang="en-US" i="1" smtClean="0"/>
-              <a:t>k</a:t>
-            </a:r>
-            <a:r>
-              <a:rPr lang="en-US" smtClean="0"/>
-              <a:t>, write a boolean expression for each of the following problems:</a:t>
+              <a:rPr lang="en-US" dirty="0" smtClean="0"/>
+              <a:t>== 5)</a:t>
             </a:r>
           </a:p>
           <a:p>
             <a:pPr lvl="1" eaLnBrk="1" hangingPunct="1"/>
             <a:r>
-              <a:rPr lang="en-US" smtClean="0"/>
-              <a:t>i is equal to 3 or 5</a:t>
+              <a:rPr lang="en-US" dirty="0" err="1" smtClean="0"/>
+              <a:t>i</a:t>
+            </a:r>
+            <a:r>
+              <a:rPr lang="en-US" dirty="0" smtClean="0"/>
+              <a:t> is between 1 and 7 (but not 1 or 7)</a:t>
             </a:r>
           </a:p>
           <a:p>
             <a:pPr lvl="1" eaLnBrk="1" hangingPunct="1"/>
             <a:r>
-              <a:rPr lang="en-US" smtClean="0"/>
-              <a:t>i is between 1 and 7 (but not 1 or 7)</a:t>
+              <a:rPr lang="en-US" dirty="0" err="1" smtClean="0"/>
+              <a:t>i</a:t>
+            </a:r>
+            <a:r>
+              <a:rPr lang="en-US" dirty="0" smtClean="0"/>
+              <a:t> is even</a:t>
             </a:r>
           </a:p>
           <a:p>
             <a:pPr lvl="1" eaLnBrk="1" hangingPunct="1"/>
             <a:r>
-              <a:rPr lang="en-US" smtClean="0"/>
-              <a:t>i is even</a:t>
+              <a:rPr lang="en-US" dirty="0" err="1" smtClean="0"/>
+              <a:t>i</a:t>
+            </a:r>
+            <a:r>
+              <a:rPr lang="en-US" dirty="0" smtClean="0"/>
+              <a:t> is odd</a:t>
             </a:r>
           </a:p>
           <a:p>
             <a:pPr lvl="1" eaLnBrk="1" hangingPunct="1"/>
             <a:r>
-              <a:rPr lang="en-US" smtClean="0"/>
-              <a:t>i is odd</a:t>
-            </a:r>
-          </a:p>
-          <a:p>
-            <a:pPr lvl="1" eaLnBrk="1" hangingPunct="1"/>
-            <a:r>
-              <a:rPr lang="en-US" smtClean="0"/>
-              <a:t>i is the smallest of i, j, and k</a:t>
+              <a:rPr lang="en-US" dirty="0" err="1" smtClean="0"/>
+              <a:t>i</a:t>
+            </a:r>
+            <a:r>
+              <a:rPr lang="en-US" dirty="0" smtClean="0"/>
+              <a:t> is the smallest of </a:t>
+            </a:r>
+            <a:r>
+              <a:rPr lang="en-US" dirty="0" err="1" smtClean="0"/>
+              <a:t>i</a:t>
+            </a:r>
+            <a:r>
+              <a:rPr lang="en-US" dirty="0" smtClean="0"/>
+              <a:t>, j, and k</a:t>
             </a:r>
           </a:p>
         </p:txBody>
@@ -21942,6 +22011,13 @@
   <p:clrMapOvr>
     <a:masterClrMapping/>
   </p:clrMapOvr>
+  <p:timing>
+    <p:tnLst>
+      <p:par>
+        <p:cTn id="1" dur="indefinite" restart="never" nodeType="tmRoot"/>
+      </p:par>
+    </p:tnLst>
+  </p:timing>
 </p:sld>
 </file>
 
@@ -23268,6 +23344,13 @@
   <p:clrMapOvr>
     <a:masterClrMapping/>
   </p:clrMapOvr>
+  <p:timing>
+    <p:tnLst>
+      <p:par>
+        <p:cTn id="1" dur="indefinite" restart="never" nodeType="tmRoot"/>
+      </p:par>
+    </p:tnLst>
+  </p:timing>
 </p:sld>
 </file>
 
@@ -24614,6 +24697,13 @@
   <p:clrMapOvr>
     <a:masterClrMapping/>
   </p:clrMapOvr>
+  <p:timing>
+    <p:tnLst>
+      <p:par>
+        <p:cTn id="1" dur="indefinite" restart="never" nodeType="tmRoot"/>
+      </p:par>
+    </p:tnLst>
+  </p:timing>
 </p:sld>
 </file>
 
@@ -25980,6 +26070,13 @@
   <p:clrMapOvr>
     <a:masterClrMapping/>
   </p:clrMapOvr>
+  <p:timing>
+    <p:tnLst>
+      <p:par>
+        <p:cTn id="1" dur="indefinite" restart="never" nodeType="tmRoot"/>
+      </p:par>
+    </p:tnLst>
+  </p:timing>
 </p:sld>
 </file>
 
@@ -27480,6 +27577,13 @@
   <p:clrMapOvr>
     <a:masterClrMapping/>
   </p:clrMapOvr>
+  <p:timing>
+    <p:tnLst>
+      <p:par>
+        <p:cTn id="1" dur="indefinite" restart="never" nodeType="tmRoot"/>
+      </p:par>
+    </p:tnLst>
+  </p:timing>
 </p:sld>
 </file>
 
@@ -29070,6 +29174,13 @@
   <p:clrMapOvr>
     <a:masterClrMapping/>
   </p:clrMapOvr>
+  <p:timing>
+    <p:tnLst>
+      <p:par>
+        <p:cTn id="1" dur="indefinite" restart="never" nodeType="tmRoot"/>
+      </p:par>
+    </p:tnLst>
+  </p:timing>
 </p:sld>
 </file>
 
@@ -30430,6 +30541,13 @@
   <p:clrMapOvr>
     <a:masterClrMapping/>
   </p:clrMapOvr>
+  <p:timing>
+    <p:tnLst>
+      <p:par>
+        <p:cTn id="1" dur="indefinite" restart="never" nodeType="tmRoot"/>
+      </p:par>
+    </p:tnLst>
+  </p:timing>
 </p:sld>
 </file>
 
@@ -31810,6 +31928,13 @@
   <p:clrMapOvr>
     <a:masterClrMapping/>
   </p:clrMapOvr>
+  <p:timing>
+    <p:tnLst>
+      <p:par>
+        <p:cTn id="1" dur="indefinite" restart="never" nodeType="tmRoot"/>
+      </p:par>
+    </p:tnLst>
+  </p:timing>
 </p:sld>
 </file>
 
@@ -33287,6 +33412,13 @@
   <p:clrMapOvr>
     <a:masterClrMapping/>
   </p:clrMapOvr>
+  <p:timing>
+    <p:tnLst>
+      <p:par>
+        <p:cTn id="1" dur="indefinite" restart="never" nodeType="tmRoot"/>
+      </p:par>
+    </p:tnLst>
+  </p:timing>
 </p:sld>
 </file>
 
@@ -36143,7 +36275,7 @@
               </a:lnSpc>
             </a:pPr>
             <a:r>
-              <a:rPr lang="en-US" sz="2800" smtClean="0"/>
+              <a:rPr lang="en-US" sz="2800" dirty="0" smtClean="0"/>
               <a:t>Consider the following tasks:</a:t>
             </a:r>
           </a:p>
@@ -36154,7 +36286,7 @@
               </a:lnSpc>
             </a:pPr>
             <a:r>
-              <a:rPr lang="en-US" sz="2400" smtClean="0"/>
+              <a:rPr lang="en-US" sz="2400" dirty="0" smtClean="0"/>
               <a:t>You want to compute the quotient of two variables but only if the divisor is not zero</a:t>
             </a:r>
           </a:p>
@@ -36165,8 +36297,24 @@
               </a:lnSpc>
             </a:pPr>
             <a:r>
-              <a:rPr lang="en-US" sz="2400" smtClean="0"/>
-              <a:t>You input some value (e.g., a date) and if it is in the correct format (mm/dd/yyyy) you continue the computation, otherwise you print an error</a:t>
+              <a:rPr lang="en-US" sz="2400" dirty="0" smtClean="0"/>
+              <a:t>You input some value (e.g., a date) and if it is in the correct format (mm/</a:t>
+            </a:r>
+            <a:r>
+              <a:rPr lang="en-US" sz="2400" dirty="0" err="1" smtClean="0"/>
+              <a:t>dd</a:t>
+            </a:r>
+            <a:r>
+              <a:rPr lang="en-US" sz="2400" dirty="0" smtClean="0"/>
+              <a:t>/</a:t>
+            </a:r>
+            <a:r>
+              <a:rPr lang="en-US" sz="2400" dirty="0" err="1" smtClean="0"/>
+              <a:t>yyyy</a:t>
+            </a:r>
+            <a:r>
+              <a:rPr lang="en-US" sz="2400" dirty="0" smtClean="0"/>
+              <a:t>) you continue the computation, otherwise you print an error</a:t>
             </a:r>
           </a:p>
           <a:p>
@@ -36176,7 +36324,7 @@
               </a:lnSpc>
             </a:pPr>
             <a:r>
-              <a:rPr lang="en-US" sz="2400" smtClean="0"/>
+              <a:rPr lang="en-US" sz="2400" dirty="0" smtClean="0"/>
               <a:t>Given a grade between 0 and 100, you want to convert the numeric value to a letter grade (e.g., A for grade greater than 90, B for grade between 80 and 90, etc.)</a:t>
             </a:r>
           </a:p>
@@ -36187,7 +36335,7 @@
               </a:lnSpc>
             </a:pPr>
             <a:r>
-              <a:rPr lang="en-US" sz="2800" smtClean="0"/>
+              <a:rPr lang="en-US" sz="2800" dirty="0" smtClean="0"/>
               <a:t>How can we check these conditions and execute the appropriate piece of code depending on the outcome of the check?</a:t>
             </a:r>
           </a:p>
@@ -40289,6 +40437,13 @@
   <p:clrMapOvr>
     <a:masterClrMapping/>
   </p:clrMapOvr>
+  <p:timing>
+    <p:tnLst>
+      <p:par>
+        <p:cTn id="1" dur="indefinite" restart="never" nodeType="tmRoot"/>
+      </p:par>
+    </p:tnLst>
+  </p:timing>
 </p:sld>
 </file>
 
@@ -40696,6 +40851,13 @@
   <p:clrMapOvr>
     <a:masterClrMapping/>
   </p:clrMapOvr>
+  <p:timing>
+    <p:tnLst>
+      <p:par>
+        <p:cTn id="1" dur="indefinite" restart="never" nodeType="tmRoot"/>
+      </p:par>
+    </p:tnLst>
+  </p:timing>
 </p:sld>
 </file>
 
@@ -41112,6 +41274,13 @@
   <p:clrMapOvr>
     <a:masterClrMapping/>
   </p:clrMapOvr>
+  <p:timing>
+    <p:tnLst>
+      <p:par>
+        <p:cTn id="1" dur="indefinite" restart="never" nodeType="tmRoot"/>
+      </p:par>
+    </p:tnLst>
+  </p:timing>
 </p:sld>
 </file>
 
@@ -42311,6 +42480,13 @@
   <p:clrMapOvr>
     <a:masterClrMapping/>
   </p:clrMapOvr>
+  <p:timing>
+    <p:tnLst>
+      <p:par>
+        <p:cTn id="1" dur="indefinite" restart="never" nodeType="tmRoot"/>
+      </p:par>
+    </p:tnLst>
+  </p:timing>
 </p:sld>
 </file>
 
@@ -42881,6 +43057,13 @@
   <p:clrMapOvr>
     <a:masterClrMapping/>
   </p:clrMapOvr>
+  <p:timing>
+    <p:tnLst>
+      <p:par>
+        <p:cTn id="1" dur="indefinite" restart="never" nodeType="tmRoot"/>
+      </p:par>
+    </p:tnLst>
+  </p:timing>
 </p:sld>
 </file>
 
@@ -43460,6 +43643,13 @@
   <p:clrMapOvr>
     <a:masterClrMapping/>
   </p:clrMapOvr>
+  <p:timing>
+    <p:tnLst>
+      <p:par>
+        <p:cTn id="1" dur="indefinite" restart="never" nodeType="tmRoot"/>
+      </p:par>
+    </p:tnLst>
+  </p:timing>
 </p:sld>
 </file>
 
@@ -44184,6 +44374,13 @@
   <p:clrMapOvr>
     <a:masterClrMapping/>
   </p:clrMapOvr>
+  <p:timing>
+    <p:tnLst>
+      <p:par>
+        <p:cTn id="1" dur="indefinite" restart="never" nodeType="tmRoot"/>
+      </p:par>
+    </p:tnLst>
+  </p:timing>
 </p:sld>
 </file>
 
@@ -49364,6 +49561,96 @@
           <a:p>
             <a:r>
               <a:rPr lang="en-US" dirty="0" smtClean="0"/>
+              <a:t>End</a:t>
+            </a:r>
+            <a:endParaRPr lang="en-US" dirty="0"/>
+          </a:p>
+        </p:txBody>
+      </p:sp>
+      <p:sp>
+        <p:nvSpPr>
+          <p:cNvPr id="3" name="Slide Number Placeholder 2"/>
+          <p:cNvSpPr>
+            <a:spLocks noGrp="1"/>
+          </p:cNvSpPr>
+          <p:nvPr>
+            <p:ph type="sldNum" sz="quarter" idx="12"/>
+          </p:nvPr>
+        </p:nvSpPr>
+        <p:spPr/>
+        <p:txBody>
+          <a:bodyPr/>
+          <a:lstStyle/>
+          <a:p>
+            <a:pPr>
+              <a:defRPr/>
+            </a:pPr>
+            <a:fld id="{22E1104D-8DE7-4466-96F7-1A28F3159368}" type="slidenum">
+              <a:rPr lang="en-US" altLang="en-US" smtClean="0">
+                <a:solidFill>
+                  <a:srgbClr val="000000"/>
+                </a:solidFill>
+              </a:rPr>
+              <a:pPr>
+                <a:defRPr/>
+              </a:pPr>
+              <a:t>50</a:t>
+            </a:fld>
+            <a:endParaRPr lang="en-US" altLang="en-US">
+              <a:solidFill>
+                <a:srgbClr val="000000"/>
+              </a:solidFill>
+            </a:endParaRPr>
+          </a:p>
+        </p:txBody>
+      </p:sp>
+    </p:spTree>
+    <p:extLst>
+      <p:ext uri="{BB962C8B-B14F-4D97-AF65-F5344CB8AC3E}">
+        <p14:creationId xmlns:p14="http://schemas.microsoft.com/office/powerpoint/2010/main" val="159561373"/>
+      </p:ext>
+    </p:extLst>
+  </p:cSld>
+  <p:clrMapOvr>
+    <a:masterClrMapping/>
+  </p:clrMapOvr>
+</p:sld>
+</file>
+
+<file path=ppt/slides/slide51.xml><?xml version="1.0" encoding="utf-8"?>
+<p:sld xmlns:a="http://schemas.openxmlformats.org/drawingml/2006/main" xmlns:r="http://schemas.openxmlformats.org/officeDocument/2006/relationships" xmlns:p="http://schemas.openxmlformats.org/presentationml/2006/main">
+  <p:cSld>
+    <p:spTree>
+      <p:nvGrpSpPr>
+        <p:cNvPr id="1" name=""/>
+        <p:cNvGrpSpPr/>
+        <p:nvPr/>
+      </p:nvGrpSpPr>
+      <p:grpSpPr>
+        <a:xfrm>
+          <a:off x="0" y="0"/>
+          <a:ext cx="0" cy="0"/>
+          <a:chOff x="0" y="0"/>
+          <a:chExt cx="0" cy="0"/>
+        </a:xfrm>
+      </p:grpSpPr>
+      <p:sp>
+        <p:nvSpPr>
+          <p:cNvPr id="2" name="Title 1"/>
+          <p:cNvSpPr>
+            <a:spLocks noGrp="1"/>
+          </p:cNvSpPr>
+          <p:nvPr>
+            <p:ph type="title"/>
+          </p:nvPr>
+        </p:nvSpPr>
+        <p:spPr/>
+        <p:txBody>
+          <a:bodyPr/>
+          <a:lstStyle/>
+          <a:p>
+            <a:r>
+              <a:rPr lang="en-US" dirty="0" smtClean="0"/>
               <a:t>Leadership Retreat</a:t>
             </a:r>
             <a:endParaRPr lang="en-US" dirty="0"/>
@@ -49475,7 +49762,7 @@
               <a:pPr>
                 <a:defRPr/>
               </a:pPr>
-              <a:t>50</a:t>
+              <a:t>51</a:t>
             </a:fld>
             <a:endParaRPr lang="en-US" altLang="en-US">
               <a:solidFill>

--- a/files/03Branching.pptx
+++ b/files/03Branching.pptx
@@ -6,7 +6,7 @@
     <p:sldMasterId id="2147483660" r:id="rId2"/>
   </p:sldMasterIdLst>
   <p:notesMasterIdLst>
-    <p:notesMasterId r:id="rId54"/>
+    <p:notesMasterId r:id="rId55"/>
   </p:notesMasterIdLst>
   <p:sldIdLst>
     <p:sldId id="256" r:id="rId3"/>
@@ -43,23 +43,24 @@
     <p:sldId id="298" r:id="rId34"/>
     <p:sldId id="285" r:id="rId35"/>
     <p:sldId id="299" r:id="rId36"/>
-    <p:sldId id="271" r:id="rId37"/>
-    <p:sldId id="301" r:id="rId38"/>
-    <p:sldId id="300" r:id="rId39"/>
-    <p:sldId id="305" r:id="rId40"/>
-    <p:sldId id="303" r:id="rId41"/>
-    <p:sldId id="304" r:id="rId42"/>
-    <p:sldId id="306" r:id="rId43"/>
-    <p:sldId id="307" r:id="rId44"/>
-    <p:sldId id="308" r:id="rId45"/>
-    <p:sldId id="272" r:id="rId46"/>
-    <p:sldId id="279" r:id="rId47"/>
-    <p:sldId id="273" r:id="rId48"/>
-    <p:sldId id="274" r:id="rId49"/>
-    <p:sldId id="275" r:id="rId50"/>
-    <p:sldId id="276" r:id="rId51"/>
-    <p:sldId id="310" r:id="rId52"/>
-    <p:sldId id="309" r:id="rId53"/>
+    <p:sldId id="311" r:id="rId37"/>
+    <p:sldId id="312" r:id="rId38"/>
+    <p:sldId id="271" r:id="rId39"/>
+    <p:sldId id="301" r:id="rId40"/>
+    <p:sldId id="300" r:id="rId41"/>
+    <p:sldId id="305" r:id="rId42"/>
+    <p:sldId id="303" r:id="rId43"/>
+    <p:sldId id="304" r:id="rId44"/>
+    <p:sldId id="306" r:id="rId45"/>
+    <p:sldId id="307" r:id="rId46"/>
+    <p:sldId id="308" r:id="rId47"/>
+    <p:sldId id="272" r:id="rId48"/>
+    <p:sldId id="279" r:id="rId49"/>
+    <p:sldId id="273" r:id="rId50"/>
+    <p:sldId id="274" r:id="rId51"/>
+    <p:sldId id="275" r:id="rId52"/>
+    <p:sldId id="276" r:id="rId53"/>
+    <p:sldId id="310" r:id="rId54"/>
   </p:sldIdLst>
   <p:sldSz cx="9144000" cy="6858000" type="screen4x3"/>
   <p:notesSz cx="6858000" cy="9144000"/>
@@ -259,7 +260,7 @@
           <a:p>
             <a:fld id="{2F5C06D8-21C8-47C3-8DB7-56AB2BC045F9}" type="datetimeFigureOut">
               <a:rPr lang="en-US" smtClean="0"/>
-              <a:t>9/7/16</a:t>
+              <a:t>9/12/16</a:t>
             </a:fld>
             <a:endParaRPr lang="en-US"/>
           </a:p>
@@ -5434,7 +5435,7 @@
                 <a:latin typeface="Arial" charset="0"/>
               </a:rPr>
               <a:pPr eaLnBrk="1" hangingPunct="1"/>
-              <a:t>35</a:t>
+              <a:t>37</a:t>
             </a:fld>
             <a:endParaRPr lang="en-US" sz="1100" b="0">
               <a:latin typeface="Arial" charset="0"/>
@@ -5704,7 +5705,7 @@
                 <a:latin typeface="Arial" charset="0"/>
               </a:rPr>
               <a:pPr eaLnBrk="1" hangingPunct="1"/>
-              <a:t>36</a:t>
+              <a:t>38</a:t>
             </a:fld>
             <a:endParaRPr lang="en-US" sz="1100" b="0">
               <a:latin typeface="Arial" charset="0"/>
@@ -5974,7 +5975,7 @@
                 <a:latin typeface="Arial" charset="0"/>
               </a:rPr>
               <a:pPr eaLnBrk="1" hangingPunct="1"/>
-              <a:t>44</a:t>
+              <a:t>46</a:t>
             </a:fld>
             <a:endParaRPr lang="en-US" sz="1100" b="0">
               <a:latin typeface="Arial" charset="0"/>
@@ -6262,7 +6263,7 @@
                 <a:latin typeface="Arial" charset="0"/>
               </a:rPr>
               <a:pPr eaLnBrk="1" hangingPunct="1"/>
-              <a:t>45</a:t>
+              <a:t>47</a:t>
             </a:fld>
             <a:endParaRPr lang="en-US" sz="1100" b="0">
               <a:latin typeface="Arial" charset="0"/>
@@ -6804,7 +6805,7 @@
                 <a:latin typeface="Arial" charset="0"/>
               </a:rPr>
               <a:pPr eaLnBrk="1" hangingPunct="1"/>
-              <a:t>46</a:t>
+              <a:t>48</a:t>
             </a:fld>
             <a:endParaRPr lang="en-US" sz="1100" b="0">
               <a:latin typeface="Arial" charset="0"/>
@@ -7074,7 +7075,7 @@
                 <a:latin typeface="Arial" charset="0"/>
               </a:rPr>
               <a:pPr eaLnBrk="1" hangingPunct="1"/>
-              <a:t>47</a:t>
+              <a:t>49</a:t>
             </a:fld>
             <a:endParaRPr lang="en-US" sz="1100" b="0">
               <a:latin typeface="Arial" charset="0"/>
@@ -7372,7 +7373,7 @@
                 <a:latin typeface="Arial" charset="0"/>
               </a:rPr>
               <a:pPr eaLnBrk="1" hangingPunct="1"/>
-              <a:t>48</a:t>
+              <a:t>50</a:t>
             </a:fld>
             <a:endParaRPr lang="en-US" sz="1100" b="0">
               <a:latin typeface="Arial" charset="0"/>
@@ -7632,7 +7633,7 @@
                 <a:latin typeface="Arial" charset="0"/>
               </a:rPr>
               <a:pPr eaLnBrk="1" hangingPunct="1"/>
-              <a:t>49</a:t>
+              <a:t>51</a:t>
             </a:fld>
             <a:endParaRPr lang="en-US" sz="1100" b="0">
               <a:latin typeface="Arial" charset="0"/>
@@ -9491,7 +9492,7 @@
           <a:p>
             <a:fld id="{6052D47F-9DF6-4E30-99C3-6428E11DB2AC}" type="datetimeFigureOut">
               <a:rPr lang="en-US" smtClean="0"/>
-              <a:t>9/7/16</a:t>
+              <a:t>9/12/16</a:t>
             </a:fld>
             <a:endParaRPr lang="en-US"/>
           </a:p>
@@ -9661,7 +9662,7 @@
           <a:p>
             <a:fld id="{6052D47F-9DF6-4E30-99C3-6428E11DB2AC}" type="datetimeFigureOut">
               <a:rPr lang="en-US" smtClean="0"/>
-              <a:t>9/7/16</a:t>
+              <a:t>9/12/16</a:t>
             </a:fld>
             <a:endParaRPr lang="en-US"/>
           </a:p>
@@ -9841,7 +9842,7 @@
           <a:p>
             <a:fld id="{6052D47F-9DF6-4E30-99C3-6428E11DB2AC}" type="datetimeFigureOut">
               <a:rPr lang="en-US" smtClean="0"/>
-              <a:t>9/7/16</a:t>
+              <a:t>9/12/16</a:t>
             </a:fld>
             <a:endParaRPr lang="en-US"/>
           </a:p>
@@ -12199,7 +12200,7 @@
           <a:p>
             <a:fld id="{6052D47F-9DF6-4E30-99C3-6428E11DB2AC}" type="datetimeFigureOut">
               <a:rPr lang="en-US" smtClean="0"/>
-              <a:t>9/7/16</a:t>
+              <a:t>9/12/16</a:t>
             </a:fld>
             <a:endParaRPr lang="en-US"/>
           </a:p>
@@ -13652,7 +13653,7 @@
           <a:p>
             <a:fld id="{6052D47F-9DF6-4E30-99C3-6428E11DB2AC}" type="datetimeFigureOut">
               <a:rPr lang="en-US" smtClean="0"/>
-              <a:t>9/7/16</a:t>
+              <a:t>9/12/16</a:t>
             </a:fld>
             <a:endParaRPr lang="en-US"/>
           </a:p>
@@ -13940,7 +13941,7 @@
           <a:p>
             <a:fld id="{6052D47F-9DF6-4E30-99C3-6428E11DB2AC}" type="datetimeFigureOut">
               <a:rPr lang="en-US" smtClean="0"/>
-              <a:t>9/7/16</a:t>
+              <a:t>9/12/16</a:t>
             </a:fld>
             <a:endParaRPr lang="en-US"/>
           </a:p>
@@ -14362,7 +14363,7 @@
           <a:p>
             <a:fld id="{6052D47F-9DF6-4E30-99C3-6428E11DB2AC}" type="datetimeFigureOut">
               <a:rPr lang="en-US" smtClean="0"/>
-              <a:t>9/7/16</a:t>
+              <a:t>9/12/16</a:t>
             </a:fld>
             <a:endParaRPr lang="en-US"/>
           </a:p>
@@ -14480,7 +14481,7 @@
           <a:p>
             <a:fld id="{6052D47F-9DF6-4E30-99C3-6428E11DB2AC}" type="datetimeFigureOut">
               <a:rPr lang="en-US" smtClean="0"/>
-              <a:t>9/7/16</a:t>
+              <a:t>9/12/16</a:t>
             </a:fld>
             <a:endParaRPr lang="en-US"/>
           </a:p>
@@ -14575,7 +14576,7 @@
           <a:p>
             <a:fld id="{6052D47F-9DF6-4E30-99C3-6428E11DB2AC}" type="datetimeFigureOut">
               <a:rPr lang="en-US" smtClean="0"/>
-              <a:t>9/7/16</a:t>
+              <a:t>9/12/16</a:t>
             </a:fld>
             <a:endParaRPr lang="en-US"/>
           </a:p>
@@ -14852,7 +14853,7 @@
           <a:p>
             <a:fld id="{6052D47F-9DF6-4E30-99C3-6428E11DB2AC}" type="datetimeFigureOut">
               <a:rPr lang="en-US" smtClean="0"/>
-              <a:t>9/7/16</a:t>
+              <a:t>9/12/16</a:t>
             </a:fld>
             <a:endParaRPr lang="en-US"/>
           </a:p>
@@ -15105,7 +15106,7 @@
           <a:p>
             <a:fld id="{6052D47F-9DF6-4E30-99C3-6428E11DB2AC}" type="datetimeFigureOut">
               <a:rPr lang="en-US" smtClean="0"/>
-              <a:t>9/7/16</a:t>
+              <a:t>9/12/16</a:t>
             </a:fld>
             <a:endParaRPr lang="en-US"/>
           </a:p>
@@ -15318,7 +15319,7 @@
           <a:p>
             <a:fld id="{6052D47F-9DF6-4E30-99C3-6428E11DB2AC}" type="datetimeFigureOut">
               <a:rPr lang="en-US" smtClean="0"/>
-              <a:t>9/7/16</a:t>
+              <a:t>9/12/16</a:t>
             </a:fld>
             <a:endParaRPr lang="en-US"/>
           </a:p>
@@ -17174,7 +17175,11 @@
             </a:r>
             <a:r>
               <a:rPr lang="en-US" dirty="0" smtClean="0"/>
-              <a:t> is equal to 3 or 5 =&gt; (</a:t>
+              <a:t> is equal to 3 or 5 </a:t>
+            </a:r>
+            <a:r>
+              <a:rPr lang="en-US" smtClean="0"/>
+              <a:t>=&gt; ( (</a:t>
             </a:r>
             <a:r>
               <a:rPr lang="en-US" dirty="0" err="1" smtClean="0"/>
@@ -17182,23 +17187,7 @@
             </a:r>
             <a:r>
               <a:rPr lang="en-US" dirty="0" smtClean="0"/>
-              <a:t> == 3</a:t>
-            </a:r>
-            <a:r>
-              <a:rPr lang="en-US" smtClean="0"/>
-              <a:t>) </a:t>
-            </a:r>
-            <a:r>
-              <a:rPr lang="en-US" smtClean="0"/>
-              <a:t>||</a:t>
-            </a:r>
-            <a:r>
-              <a:rPr lang="en-US" smtClean="0"/>
-              <a:t> </a:t>
-            </a:r>
-            <a:r>
-              <a:rPr lang="en-US" dirty="0" smtClean="0"/>
-              <a:t>(</a:t>
+              <a:t> == 3) || (</a:t>
             </a:r>
             <a:r>
               <a:rPr lang="en-US" dirty="0" err="1" smtClean="0"/>
@@ -17206,7 +17195,7 @@
             </a:r>
             <a:r>
               <a:rPr lang="en-US" dirty="0" smtClean="0"/>
-              <a:t>== 5)</a:t>
+              <a:t>== 5) )</a:t>
             </a:r>
           </a:p>
           <a:p>
@@ -39588,9 +39577,9 @@
       </p:grpSpPr>
       <p:sp>
         <p:nvSpPr>
-          <p:cNvPr id="71682" name="Rectangle 2"/>
+          <p:cNvPr id="2" name="Title 1"/>
           <p:cNvSpPr>
-            <a:spLocks noGrp="1" noChangeArrowheads="1"/>
+            <a:spLocks noGrp="1"/>
           </p:cNvSpPr>
           <p:nvPr>
             <p:ph type="title"/>
@@ -39601,19 +39590,15 @@
           <a:bodyPr/>
           <a:lstStyle/>
           <a:p>
-            <a:pPr eaLnBrk="1" hangingPunct="1"/>
-            <a:r>
-              <a:rPr lang="en-US" dirty="0" smtClean="0"/>
-              <a:t>Nested ifs</a:t>
-            </a:r>
+            <a:endParaRPr lang="en-US" dirty="0"/>
           </a:p>
         </p:txBody>
       </p:sp>
       <p:sp>
         <p:nvSpPr>
-          <p:cNvPr id="71683" name="Rectangle 3"/>
+          <p:cNvPr id="3" name="Content Placeholder 2"/>
           <p:cNvSpPr>
-            <a:spLocks noGrp="1" noChangeArrowheads="1"/>
+            <a:spLocks noGrp="1"/>
           </p:cNvSpPr>
           <p:nvPr>
             <p:ph idx="1"/>
@@ -39624,56 +39609,98 @@
           <a:bodyPr/>
           <a:lstStyle/>
           <a:p>
-            <a:pPr eaLnBrk="1" hangingPunct="1"/>
+            <a:r>
+              <a:rPr lang="en-US" dirty="0"/>
+              <a:t>c</a:t>
+            </a:r>
             <a:r>
               <a:rPr lang="en-US" dirty="0" smtClean="0"/>
-              <a:t>Given three integers </a:t>
-            </a:r>
-            <a:r>
-              <a:rPr lang="en-US" i="1" dirty="0" err="1" smtClean="0"/>
+              <a:t>har </a:t>
+            </a:r>
+            <a:r>
+              <a:rPr lang="en-US" dirty="0" err="1" smtClean="0"/>
+              <a:t>firstChar</a:t>
+            </a:r>
+            <a:r>
+              <a:rPr lang="en-US" dirty="0" smtClean="0"/>
+              <a:t> = </a:t>
+            </a:r>
+            <a:r>
+              <a:rPr lang="en-US" dirty="0" err="1" smtClean="0"/>
+              <a:t>str.charAt</a:t>
+            </a:r>
+            <a:r>
+              <a:rPr lang="en-US" dirty="0" smtClean="0"/>
+              <a:t>(0);</a:t>
+            </a:r>
+          </a:p>
+          <a:p>
+            <a:r>
+              <a:rPr lang="en-US" dirty="0"/>
               <a:t>i</a:t>
             </a:r>
             <a:r>
               <a:rPr lang="en-US" dirty="0" smtClean="0"/>
-              <a:t>, </a:t>
-            </a:r>
-            <a:r>
-              <a:rPr lang="en-US" i="1" dirty="0" smtClean="0"/>
-              <a:t>j</a:t>
+              <a:t>f(</a:t>
+            </a:r>
+            <a:r>
+              <a:rPr lang="en-US" dirty="0" err="1" smtClean="0"/>
+              <a:t>firstChar</a:t>
             </a:r>
             <a:r>
               <a:rPr lang="en-US" dirty="0" smtClean="0"/>
-              <a:t>, and </a:t>
-            </a:r>
-            <a:r>
-              <a:rPr lang="en-US" i="1" dirty="0" smtClean="0"/>
-              <a:t>k</a:t>
+              <a:t> == ‘A’)</a:t>
+            </a:r>
+          </a:p>
+          <a:p>
+            <a:pPr lvl="1"/>
+            <a:r>
+              <a:rPr lang="en-US" dirty="0" err="1"/>
+              <a:t>startsWithA</a:t>
+            </a:r>
+            <a:r>
+              <a:rPr lang="en-US" dirty="0"/>
+              <a:t> = </a:t>
             </a:r>
             <a:r>
               <a:rPr lang="en-US" dirty="0" smtClean="0"/>
-              <a:t>, write a piece of code that sets integer variable </a:t>
-            </a:r>
-            <a:r>
-              <a:rPr lang="en-US" i="1" dirty="0" smtClean="0"/>
-              <a:t>max</a:t>
+              <a:t>true;</a:t>
+            </a:r>
+          </a:p>
+          <a:p>
+            <a:r>
+              <a:rPr lang="en-US" dirty="0"/>
+              <a:t>e</a:t>
             </a:r>
             <a:r>
               <a:rPr lang="en-US" dirty="0" smtClean="0"/>
-              <a:t> to the value of the largest of the three.</a:t>
+              <a:t>lse</a:t>
             </a:r>
           </a:p>
           <a:p>
             <a:pPr lvl="1"/>
             <a:r>
+              <a:rPr lang="en-US" dirty="0" err="1" smtClean="0"/>
+              <a:t>startsWithA</a:t>
+            </a:r>
+            <a:r>
               <a:rPr lang="en-US" dirty="0" smtClean="0"/>
-              <a:t>What does this logic look like?</a:t>
-            </a:r>
+              <a:t> = false;</a:t>
+            </a:r>
+          </a:p>
+          <a:p>
+            <a:pPr lvl="1"/>
+            <a:endParaRPr lang="en-US" dirty="0" smtClean="0"/>
+          </a:p>
+          <a:p>
+            <a:pPr lvl="1"/>
+            <a:endParaRPr lang="en-US" dirty="0"/>
           </a:p>
         </p:txBody>
       </p:sp>
       <p:sp>
         <p:nvSpPr>
-          <p:cNvPr id="6" name="Slide Number Placeholder 5"/>
+          <p:cNvPr id="4" name="Slide Number Placeholder 3"/>
           <p:cNvSpPr>
             <a:spLocks noGrp="1"/>
           </p:cNvSpPr>
@@ -39684,138 +39711,25 @@
         <p:spPr/>
         <p:txBody>
           <a:bodyPr/>
-          <a:lstStyle>
-            <a:lvl1pPr eaLnBrk="0" hangingPunct="0">
-              <a:defRPr sz="2000" b="1">
-                <a:solidFill>
-                  <a:schemeClr val="tx1"/>
-                </a:solidFill>
-                <a:latin typeface="Courier New" charset="0"/>
-              </a:defRPr>
-            </a:lvl1pPr>
-            <a:lvl2pPr marL="742950" indent="-285750" eaLnBrk="0" hangingPunct="0">
-              <a:defRPr sz="2000" b="1">
-                <a:solidFill>
-                  <a:schemeClr val="tx1"/>
-                </a:solidFill>
-                <a:latin typeface="Courier New" charset="0"/>
-              </a:defRPr>
-            </a:lvl2pPr>
-            <a:lvl3pPr marL="1143000" indent="-228600" eaLnBrk="0" hangingPunct="0">
-              <a:defRPr sz="2000" b="1">
-                <a:solidFill>
-                  <a:schemeClr val="tx1"/>
-                </a:solidFill>
-                <a:latin typeface="Courier New" charset="0"/>
-              </a:defRPr>
-            </a:lvl3pPr>
-            <a:lvl4pPr marL="1600200" indent="-228600" eaLnBrk="0" hangingPunct="0">
-              <a:defRPr sz="2000" b="1">
-                <a:solidFill>
-                  <a:schemeClr val="tx1"/>
-                </a:solidFill>
-                <a:latin typeface="Courier New" charset="0"/>
-              </a:defRPr>
-            </a:lvl4pPr>
-            <a:lvl5pPr marL="2057400" indent="-228600" eaLnBrk="0" hangingPunct="0">
-              <a:defRPr sz="2000" b="1">
-                <a:solidFill>
-                  <a:schemeClr val="tx1"/>
-                </a:solidFill>
-                <a:latin typeface="Courier New" charset="0"/>
-              </a:defRPr>
-            </a:lvl5pPr>
-            <a:lvl6pPr marL="2514600" indent="-228600" eaLnBrk="0" fontAlgn="base" hangingPunct="0">
-              <a:spcBef>
-                <a:spcPct val="0"/>
-              </a:spcBef>
-              <a:spcAft>
-                <a:spcPct val="0"/>
-              </a:spcAft>
-              <a:buClr>
-                <a:schemeClr val="tx2"/>
-              </a:buClr>
-              <a:buSzPct val="115000"/>
-              <a:buFont typeface="Wingdings" pitchFamily="2" charset="2"/>
-              <a:defRPr sz="2000" b="1">
-                <a:solidFill>
-                  <a:schemeClr val="tx1"/>
-                </a:solidFill>
-                <a:latin typeface="Courier New" charset="0"/>
-              </a:defRPr>
-            </a:lvl6pPr>
-            <a:lvl7pPr marL="2971800" indent="-228600" eaLnBrk="0" fontAlgn="base" hangingPunct="0">
-              <a:spcBef>
-                <a:spcPct val="0"/>
-              </a:spcBef>
-              <a:spcAft>
-                <a:spcPct val="0"/>
-              </a:spcAft>
-              <a:buClr>
-                <a:schemeClr val="tx2"/>
-              </a:buClr>
-              <a:buSzPct val="115000"/>
-              <a:buFont typeface="Wingdings" pitchFamily="2" charset="2"/>
-              <a:defRPr sz="2000" b="1">
-                <a:solidFill>
-                  <a:schemeClr val="tx1"/>
-                </a:solidFill>
-                <a:latin typeface="Courier New" charset="0"/>
-              </a:defRPr>
-            </a:lvl7pPr>
-            <a:lvl8pPr marL="3429000" indent="-228600" eaLnBrk="0" fontAlgn="base" hangingPunct="0">
-              <a:spcBef>
-                <a:spcPct val="0"/>
-              </a:spcBef>
-              <a:spcAft>
-                <a:spcPct val="0"/>
-              </a:spcAft>
-              <a:buClr>
-                <a:schemeClr val="tx2"/>
-              </a:buClr>
-              <a:buSzPct val="115000"/>
-              <a:buFont typeface="Wingdings" pitchFamily="2" charset="2"/>
-              <a:defRPr sz="2000" b="1">
-                <a:solidFill>
-                  <a:schemeClr val="tx1"/>
-                </a:solidFill>
-                <a:latin typeface="Courier New" charset="0"/>
-              </a:defRPr>
-            </a:lvl8pPr>
-            <a:lvl9pPr marL="3886200" indent="-228600" eaLnBrk="0" fontAlgn="base" hangingPunct="0">
-              <a:spcBef>
-                <a:spcPct val="0"/>
-              </a:spcBef>
-              <a:spcAft>
-                <a:spcPct val="0"/>
-              </a:spcAft>
-              <a:buClr>
-                <a:schemeClr val="tx2"/>
-              </a:buClr>
-              <a:buSzPct val="115000"/>
-              <a:buFont typeface="Wingdings" pitchFamily="2" charset="2"/>
-              <a:defRPr sz="2000" b="1">
-                <a:solidFill>
-                  <a:schemeClr val="tx1"/>
-                </a:solidFill>
-                <a:latin typeface="Courier New" charset="0"/>
-              </a:defRPr>
-            </a:lvl9pPr>
-          </a:lstStyle>
-          <a:p>
-            <a:pPr eaLnBrk="1" hangingPunct="1"/>
-            <a:fld id="{9009DA29-A052-4808-967F-1DAA11385DBB}" type="slidenum">
-              <a:rPr lang="en-US" sz="1200">
-                <a:solidFill>
-                  <a:srgbClr val="898989"/>
-                </a:solidFill>
-              </a:rPr>
-              <a:pPr eaLnBrk="1" hangingPunct="1"/>
+          <a:lstStyle/>
+          <a:p>
+            <a:pPr>
+              <a:defRPr/>
+            </a:pPr>
+            <a:fld id="{FA53CC0E-EF58-405B-98C5-DD40AE2CBF19}" type="slidenum">
+              <a:rPr lang="en-US" altLang="en-US" smtClean="0">
+                <a:solidFill>
+                  <a:srgbClr val="000000"/>
+                </a:solidFill>
+              </a:rPr>
+              <a:pPr>
+                <a:defRPr/>
+              </a:pPr>
               <a:t>35</a:t>
             </a:fld>
-            <a:endParaRPr lang="en-US" sz="1200">
+            <a:endParaRPr lang="en-US" altLang="en-US">
               <a:solidFill>
-                <a:srgbClr val="898989"/>
+                <a:srgbClr val="000000"/>
               </a:solidFill>
             </a:endParaRPr>
           </a:p>
@@ -39824,24 +39738,141 @@
     </p:spTree>
     <p:extLst>
       <p:ext uri="{BB962C8B-B14F-4D97-AF65-F5344CB8AC3E}">
-        <p14:creationId xmlns:p14="http://schemas.microsoft.com/office/powerpoint/2010/main" val="3946085916"/>
+        <p14:creationId xmlns:p14="http://schemas.microsoft.com/office/powerpoint/2010/main" val="1700314575"/>
       </p:ext>
     </p:extLst>
   </p:cSld>
   <p:clrMapOvr>
     <a:masterClrMapping/>
   </p:clrMapOvr>
-  <p:timing>
-    <p:tnLst>
-      <p:par>
-        <p:cTn id="1" dur="indefinite" restart="never" nodeType="tmRoot"/>
-      </p:par>
-    </p:tnLst>
-  </p:timing>
 </p:sld>
 </file>
 
 <file path=ppt/slides/slide36.xml><?xml version="1.0" encoding="utf-8"?>
+<p:sld xmlns:a="http://schemas.openxmlformats.org/drawingml/2006/main" xmlns:r="http://schemas.openxmlformats.org/officeDocument/2006/relationships" xmlns:p="http://schemas.openxmlformats.org/presentationml/2006/main">
+  <p:cSld>
+    <p:spTree>
+      <p:nvGrpSpPr>
+        <p:cNvPr id="1" name=""/>
+        <p:cNvGrpSpPr/>
+        <p:nvPr/>
+      </p:nvGrpSpPr>
+      <p:grpSpPr>
+        <a:xfrm>
+          <a:off x="0" y="0"/>
+          <a:ext cx="0" cy="0"/>
+          <a:chOff x="0" y="0"/>
+          <a:chExt cx="0" cy="0"/>
+        </a:xfrm>
+      </p:grpSpPr>
+      <p:sp>
+        <p:nvSpPr>
+          <p:cNvPr id="2" name="Title 1"/>
+          <p:cNvSpPr>
+            <a:spLocks noGrp="1"/>
+          </p:cNvSpPr>
+          <p:nvPr>
+            <p:ph type="title"/>
+          </p:nvPr>
+        </p:nvSpPr>
+        <p:spPr/>
+        <p:txBody>
+          <a:bodyPr/>
+          <a:lstStyle/>
+          <a:p>
+            <a:endParaRPr lang="en-US" dirty="0"/>
+          </a:p>
+        </p:txBody>
+      </p:sp>
+      <p:sp>
+        <p:nvSpPr>
+          <p:cNvPr id="3" name="Content Placeholder 2"/>
+          <p:cNvSpPr>
+            <a:spLocks noGrp="1"/>
+          </p:cNvSpPr>
+          <p:nvPr>
+            <p:ph idx="1"/>
+          </p:nvPr>
+        </p:nvSpPr>
+        <p:spPr/>
+        <p:txBody>
+          <a:bodyPr/>
+          <a:lstStyle/>
+          <a:p>
+            <a:endParaRPr lang="en-US" dirty="0" smtClean="0"/>
+          </a:p>
+          <a:p>
+            <a:r>
+              <a:rPr lang="en-US" dirty="0" err="1" smtClean="0"/>
+              <a:t>startsWithA</a:t>
+            </a:r>
+            <a:r>
+              <a:rPr lang="en-US" dirty="0" smtClean="0"/>
+              <a:t> = (</a:t>
+            </a:r>
+            <a:r>
+              <a:rPr lang="en-US" dirty="0" err="1" smtClean="0"/>
+              <a:t>str.charAt</a:t>
+            </a:r>
+            <a:r>
+              <a:rPr lang="en-US" dirty="0" smtClean="0"/>
+              <a:t>(0) == ‘A’);</a:t>
+            </a:r>
+            <a:endParaRPr lang="en-US" dirty="0"/>
+          </a:p>
+        </p:txBody>
+      </p:sp>
+      <p:sp>
+        <p:nvSpPr>
+          <p:cNvPr id="4" name="Slide Number Placeholder 3"/>
+          <p:cNvSpPr>
+            <a:spLocks noGrp="1"/>
+          </p:cNvSpPr>
+          <p:nvPr>
+            <p:ph type="sldNum" sz="quarter" idx="12"/>
+          </p:nvPr>
+        </p:nvSpPr>
+        <p:spPr/>
+        <p:txBody>
+          <a:bodyPr/>
+          <a:lstStyle/>
+          <a:p>
+            <a:pPr>
+              <a:defRPr/>
+            </a:pPr>
+            <a:fld id="{FA53CC0E-EF58-405B-98C5-DD40AE2CBF19}" type="slidenum">
+              <a:rPr lang="en-US" altLang="en-US" smtClean="0">
+                <a:solidFill>
+                  <a:srgbClr val="000000"/>
+                </a:solidFill>
+              </a:rPr>
+              <a:pPr>
+                <a:defRPr/>
+              </a:pPr>
+              <a:t>36</a:t>
+            </a:fld>
+            <a:endParaRPr lang="en-US" altLang="en-US">
+              <a:solidFill>
+                <a:srgbClr val="000000"/>
+              </a:solidFill>
+            </a:endParaRPr>
+          </a:p>
+        </p:txBody>
+      </p:sp>
+    </p:spTree>
+    <p:extLst>
+      <p:ext uri="{BB962C8B-B14F-4D97-AF65-F5344CB8AC3E}">
+        <p14:creationId xmlns:p14="http://schemas.microsoft.com/office/powerpoint/2010/main" val="1140442723"/>
+      </p:ext>
+    </p:extLst>
+  </p:cSld>
+  <p:clrMapOvr>
+    <a:masterClrMapping/>
+  </p:clrMapOvr>
+</p:sld>
+</file>
+
+<file path=ppt/slides/slide37.xml><?xml version="1.0" encoding="utf-8"?>
 <p:sld xmlns:a="http://schemas.openxmlformats.org/drawingml/2006/main" xmlns:r="http://schemas.openxmlformats.org/officeDocument/2006/relationships" xmlns:p="http://schemas.openxmlformats.org/presentationml/2006/main">
   <p:cSld>
     <p:spTree>
@@ -39941,36 +39972,6 @@
               <a:t>What does this logic look like?</a:t>
             </a:r>
           </a:p>
-          <a:p>
-            <a:pPr lvl="2"/>
-            <a:r>
-              <a:rPr lang="en-US" dirty="0" smtClean="0"/>
-              <a:t>If </a:t>
-            </a:r>
-            <a:r>
-              <a:rPr lang="en-US" dirty="0" err="1" smtClean="0"/>
-              <a:t>i</a:t>
-            </a:r>
-            <a:r>
-              <a:rPr lang="en-US" dirty="0" smtClean="0"/>
-              <a:t> is bigger than j, then set max to the larger of </a:t>
-            </a:r>
-            <a:r>
-              <a:rPr lang="en-US" dirty="0" err="1" smtClean="0"/>
-              <a:t>i</a:t>
-            </a:r>
-            <a:r>
-              <a:rPr lang="en-US" dirty="0" smtClean="0"/>
-              <a:t> and k</a:t>
-            </a:r>
-          </a:p>
-          <a:p>
-            <a:pPr lvl="2"/>
-            <a:r>
-              <a:rPr lang="en-US" dirty="0" smtClean="0"/>
-              <a:t>Otherwise set max to the larger of j and k</a:t>
-            </a:r>
-          </a:p>
         </p:txBody>
       </p:sp>
       <p:sp>
@@ -40113,7 +40114,7 @@
                 </a:solidFill>
               </a:rPr>
               <a:pPr eaLnBrk="1" hangingPunct="1"/>
-              <a:t>36</a:t>
+              <a:t>37</a:t>
             </a:fld>
             <a:endParaRPr lang="en-US" sz="1200">
               <a:solidFill>
@@ -40126,311 +40127,7 @@
     </p:spTree>
     <p:extLst>
       <p:ext uri="{BB962C8B-B14F-4D97-AF65-F5344CB8AC3E}">
-        <p14:creationId xmlns:p14="http://schemas.microsoft.com/office/powerpoint/2010/main" val="2841551471"/>
-      </p:ext>
-    </p:extLst>
-  </p:cSld>
-  <p:clrMapOvr>
-    <a:masterClrMapping/>
-  </p:clrMapOvr>
-  <p:timing>
-    <p:tnLst>
-      <p:par>
-        <p:cTn id="1" dur="indefinite" restart="never" nodeType="tmRoot"/>
-      </p:par>
-    </p:tnLst>
-  </p:timing>
-</p:sld>
-</file>
-
-<file path=ppt/slides/slide37.xml><?xml version="1.0" encoding="utf-8"?>
-<p:sld xmlns:a="http://schemas.openxmlformats.org/drawingml/2006/main" xmlns:r="http://schemas.openxmlformats.org/officeDocument/2006/relationships" xmlns:p="http://schemas.openxmlformats.org/presentationml/2006/main">
-  <p:cSld>
-    <p:spTree>
-      <p:nvGrpSpPr>
-        <p:cNvPr id="1" name=""/>
-        <p:cNvGrpSpPr/>
-        <p:nvPr/>
-      </p:nvGrpSpPr>
-      <p:grpSpPr>
-        <a:xfrm>
-          <a:off x="0" y="0"/>
-          <a:ext cx="0" cy="0"/>
-          <a:chOff x="0" y="0"/>
-          <a:chExt cx="0" cy="0"/>
-        </a:xfrm>
-      </p:grpSpPr>
-      <p:sp>
-        <p:nvSpPr>
-          <p:cNvPr id="2" name="Title 1"/>
-          <p:cNvSpPr>
-            <a:spLocks noGrp="1"/>
-          </p:cNvSpPr>
-          <p:nvPr>
-            <p:ph type="title"/>
-          </p:nvPr>
-        </p:nvSpPr>
-        <p:spPr/>
-        <p:txBody>
-          <a:bodyPr/>
-          <a:lstStyle/>
-          <a:p>
-            <a:r>
-              <a:rPr lang="en-US" dirty="0" smtClean="0"/>
-              <a:t>Nested ifs</a:t>
-            </a:r>
-            <a:endParaRPr lang="en-US" dirty="0"/>
-          </a:p>
-        </p:txBody>
-      </p:sp>
-      <p:sp>
-        <p:nvSpPr>
-          <p:cNvPr id="4" name="Slide Number Placeholder 3"/>
-          <p:cNvSpPr>
-            <a:spLocks noGrp="1"/>
-          </p:cNvSpPr>
-          <p:nvPr>
-            <p:ph type="sldNum" sz="quarter" idx="12"/>
-          </p:nvPr>
-        </p:nvSpPr>
-        <p:spPr/>
-        <p:txBody>
-          <a:bodyPr/>
-          <a:lstStyle/>
-          <a:p>
-            <a:pPr>
-              <a:defRPr/>
-            </a:pPr>
-            <a:fld id="{FA53CC0E-EF58-405B-98C5-DD40AE2CBF19}" type="slidenum">
-              <a:rPr lang="en-US" altLang="en-US" smtClean="0">
-                <a:solidFill>
-                  <a:srgbClr val="000000"/>
-                </a:solidFill>
-              </a:rPr>
-              <a:pPr>
-                <a:defRPr/>
-              </a:pPr>
-              <a:t>37</a:t>
-            </a:fld>
-            <a:endParaRPr lang="en-US" altLang="en-US">
-              <a:solidFill>
-                <a:srgbClr val="000000"/>
-              </a:solidFill>
-            </a:endParaRPr>
-          </a:p>
-        </p:txBody>
-      </p:sp>
-      <p:sp>
-        <p:nvSpPr>
-          <p:cNvPr id="6" name="Rectangle 3"/>
-          <p:cNvSpPr>
-            <a:spLocks noGrp="1" noChangeArrowheads="1"/>
-          </p:cNvSpPr>
-          <p:nvPr>
-            <p:ph idx="1"/>
-          </p:nvPr>
-        </p:nvSpPr>
-        <p:spPr>
-          <a:xfrm>
-            <a:off x="685800" y="1143000"/>
-            <a:ext cx="6477000" cy="5181600"/>
-          </a:xfrm>
-        </p:spPr>
-        <p:txBody>
-          <a:bodyPr/>
-          <a:lstStyle/>
-          <a:p>
-            <a:pPr eaLnBrk="1" hangingPunct="1">
-              <a:lnSpc>
-                <a:spcPct val="75000"/>
-              </a:lnSpc>
-              <a:spcBef>
-                <a:spcPct val="0"/>
-              </a:spcBef>
-              <a:buFont typeface="Wingdings" pitchFamily="2" charset="2"/>
-              <a:buNone/>
-            </a:pPr>
-            <a:r>
-              <a:rPr lang="en-US" sz="2000" b="1" dirty="0" smtClean="0">
-                <a:latin typeface="Courier New" charset="0"/>
-              </a:rPr>
-              <a:t>if</a:t>
-            </a:r>
-            <a:r>
-              <a:rPr lang="en-US" sz="2000" dirty="0" smtClean="0">
-                <a:latin typeface="Courier New" charset="0"/>
-              </a:rPr>
-              <a:t> (</a:t>
-            </a:r>
-            <a:r>
-              <a:rPr lang="en-US" sz="2000" dirty="0" err="1" smtClean="0">
-                <a:latin typeface="Courier New" charset="0"/>
-              </a:rPr>
-              <a:t>i</a:t>
-            </a:r>
-            <a:r>
-              <a:rPr lang="en-US" sz="2000" dirty="0" smtClean="0">
-                <a:latin typeface="Courier New" charset="0"/>
-              </a:rPr>
-              <a:t> &gt; j){</a:t>
-            </a:r>
-          </a:p>
-          <a:p>
-            <a:pPr eaLnBrk="1" hangingPunct="1">
-              <a:lnSpc>
-                <a:spcPct val="75000"/>
-              </a:lnSpc>
-              <a:spcBef>
-                <a:spcPct val="0"/>
-              </a:spcBef>
-              <a:buFont typeface="Wingdings" pitchFamily="2" charset="2"/>
-              <a:buNone/>
-            </a:pPr>
-            <a:r>
-              <a:rPr lang="en-US" sz="2000" dirty="0" smtClean="0">
-                <a:latin typeface="Courier New" charset="0"/>
-              </a:rPr>
-              <a:t>  // set max to the larger of </a:t>
-            </a:r>
-            <a:r>
-              <a:rPr lang="en-US" sz="2000" dirty="0" err="1" smtClean="0">
-                <a:latin typeface="Courier New" charset="0"/>
-              </a:rPr>
-              <a:t>i</a:t>
-            </a:r>
-            <a:r>
-              <a:rPr lang="en-US" sz="2000" dirty="0" smtClean="0">
-                <a:latin typeface="Courier New" charset="0"/>
-              </a:rPr>
-              <a:t> and k</a:t>
-            </a:r>
-          </a:p>
-          <a:p>
-            <a:pPr eaLnBrk="1" hangingPunct="1">
-              <a:lnSpc>
-                <a:spcPct val="75000"/>
-              </a:lnSpc>
-              <a:spcBef>
-                <a:spcPct val="0"/>
-              </a:spcBef>
-              <a:buFont typeface="Wingdings" pitchFamily="2" charset="2"/>
-              <a:buNone/>
-            </a:pPr>
-            <a:r>
-              <a:rPr lang="en-US" sz="2000" dirty="0" smtClean="0">
-                <a:latin typeface="Courier New" charset="0"/>
-              </a:rPr>
-              <a:t>}</a:t>
-            </a:r>
-          </a:p>
-          <a:p>
-            <a:pPr eaLnBrk="1" hangingPunct="1">
-              <a:lnSpc>
-                <a:spcPct val="75000"/>
-              </a:lnSpc>
-              <a:spcBef>
-                <a:spcPct val="0"/>
-              </a:spcBef>
-              <a:buFont typeface="Wingdings" pitchFamily="2" charset="2"/>
-              <a:buNone/>
-            </a:pPr>
-            <a:r>
-              <a:rPr lang="en-US" sz="2000" b="1" dirty="0" smtClean="0">
-                <a:latin typeface="Courier New" charset="0"/>
-              </a:rPr>
-              <a:t>else</a:t>
-            </a:r>
-            <a:r>
-              <a:rPr lang="en-US" sz="2000" dirty="0" smtClean="0">
-                <a:latin typeface="Courier New" charset="0"/>
-              </a:rPr>
-              <a:t> {</a:t>
-            </a:r>
-          </a:p>
-          <a:p>
-            <a:pPr eaLnBrk="1" hangingPunct="1">
-              <a:lnSpc>
-                <a:spcPct val="75000"/>
-              </a:lnSpc>
-              <a:spcBef>
-                <a:spcPct val="0"/>
-              </a:spcBef>
-              <a:buFont typeface="Wingdings" pitchFamily="2" charset="2"/>
-              <a:buNone/>
-            </a:pPr>
-            <a:r>
-              <a:rPr lang="en-US" sz="2000" dirty="0">
-                <a:latin typeface="Courier New" charset="0"/>
-              </a:rPr>
-              <a:t>	</a:t>
-            </a:r>
-            <a:r>
-              <a:rPr lang="en-US" sz="2000" dirty="0" smtClean="0">
-                <a:latin typeface="Courier New" charset="0"/>
-              </a:rPr>
-              <a:t>// </a:t>
-            </a:r>
-            <a:r>
-              <a:rPr lang="en-US" sz="2000" dirty="0" err="1" smtClean="0">
-                <a:latin typeface="Courier New" charset="0"/>
-              </a:rPr>
-              <a:t>i</a:t>
-            </a:r>
-            <a:r>
-              <a:rPr lang="en-US" sz="2000" dirty="0" smtClean="0">
-                <a:latin typeface="Courier New" charset="0"/>
-              </a:rPr>
-              <a:t> &lt;= j</a:t>
-            </a:r>
-          </a:p>
-          <a:p>
-            <a:pPr eaLnBrk="1" hangingPunct="1">
-              <a:lnSpc>
-                <a:spcPct val="75000"/>
-              </a:lnSpc>
-              <a:spcBef>
-                <a:spcPct val="0"/>
-              </a:spcBef>
-              <a:buFont typeface="Wingdings" pitchFamily="2" charset="2"/>
-              <a:buNone/>
-            </a:pPr>
-            <a:r>
-              <a:rPr lang="en-US" sz="2000" dirty="0">
-                <a:latin typeface="Courier New" charset="0"/>
-              </a:rPr>
-              <a:t>	</a:t>
-            </a:r>
-            <a:r>
-              <a:rPr lang="en-US" sz="2000" dirty="0" smtClean="0">
-                <a:latin typeface="Courier New" charset="0"/>
-              </a:rPr>
-              <a:t>// set max to the larger of j and k</a:t>
-            </a:r>
-          </a:p>
-          <a:p>
-            <a:pPr eaLnBrk="1" hangingPunct="1">
-              <a:lnSpc>
-                <a:spcPct val="75000"/>
-              </a:lnSpc>
-              <a:spcBef>
-                <a:spcPct val="0"/>
-              </a:spcBef>
-              <a:buFont typeface="Wingdings" pitchFamily="2" charset="2"/>
-              <a:buNone/>
-            </a:pPr>
-            <a:r>
-              <a:rPr lang="en-US" sz="2000" dirty="0" smtClean="0">
-                <a:latin typeface="Courier New" charset="0"/>
-              </a:rPr>
-              <a:t>}</a:t>
-            </a:r>
-          </a:p>
-        </p:txBody>
-      </p:sp>
-    </p:spTree>
-    <p:extLst>
-      <p:ext uri="{BB962C8B-B14F-4D97-AF65-F5344CB8AC3E}">
-        <p14:creationId xmlns:p14="http://schemas.microsoft.com/office/powerpoint/2010/main" val="2210317708"/>
+        <p14:creationId xmlns:p14="http://schemas.microsoft.com/office/powerpoint/2010/main" val="3946085916"/>
       </p:ext>
     </p:extLst>
   </p:cSld>
@@ -40466,9 +40163,9 @@
       </p:grpSpPr>
       <p:sp>
         <p:nvSpPr>
-          <p:cNvPr id="2" name="Title 1"/>
+          <p:cNvPr id="71682" name="Rectangle 2"/>
           <p:cNvSpPr>
-            <a:spLocks noGrp="1"/>
+            <a:spLocks noGrp="1" noChangeArrowheads="1"/>
           </p:cNvSpPr>
           <p:nvPr>
             <p:ph type="title"/>
@@ -40479,17 +40176,109 @@
           <a:bodyPr/>
           <a:lstStyle/>
           <a:p>
+            <a:pPr eaLnBrk="1" hangingPunct="1"/>
             <a:r>
               <a:rPr lang="en-US" dirty="0" smtClean="0"/>
               <a:t>Nested ifs</a:t>
             </a:r>
-            <a:endParaRPr lang="en-US" dirty="0"/>
           </a:p>
         </p:txBody>
       </p:sp>
       <p:sp>
         <p:nvSpPr>
-          <p:cNvPr id="4" name="Slide Number Placeholder 3"/>
+          <p:cNvPr id="71683" name="Rectangle 3"/>
+          <p:cNvSpPr>
+            <a:spLocks noGrp="1" noChangeArrowheads="1"/>
+          </p:cNvSpPr>
+          <p:nvPr>
+            <p:ph idx="1"/>
+          </p:nvPr>
+        </p:nvSpPr>
+        <p:spPr/>
+        <p:txBody>
+          <a:bodyPr/>
+          <a:lstStyle/>
+          <a:p>
+            <a:pPr eaLnBrk="1" hangingPunct="1"/>
+            <a:r>
+              <a:rPr lang="en-US" dirty="0" smtClean="0"/>
+              <a:t>Given three integers </a:t>
+            </a:r>
+            <a:r>
+              <a:rPr lang="en-US" i="1" dirty="0" err="1" smtClean="0"/>
+              <a:t>i</a:t>
+            </a:r>
+            <a:r>
+              <a:rPr lang="en-US" dirty="0" smtClean="0"/>
+              <a:t>, </a:t>
+            </a:r>
+            <a:r>
+              <a:rPr lang="en-US" i="1" dirty="0" smtClean="0"/>
+              <a:t>j</a:t>
+            </a:r>
+            <a:r>
+              <a:rPr lang="en-US" dirty="0" smtClean="0"/>
+              <a:t>, and </a:t>
+            </a:r>
+            <a:r>
+              <a:rPr lang="en-US" i="1" dirty="0" smtClean="0"/>
+              <a:t>k</a:t>
+            </a:r>
+            <a:r>
+              <a:rPr lang="en-US" dirty="0" smtClean="0"/>
+              <a:t>, write a piece of code that sets integer variable </a:t>
+            </a:r>
+            <a:r>
+              <a:rPr lang="en-US" i="1" dirty="0" smtClean="0"/>
+              <a:t>max</a:t>
+            </a:r>
+            <a:r>
+              <a:rPr lang="en-US" dirty="0" smtClean="0"/>
+              <a:t> to the value of the largest of the three.</a:t>
+            </a:r>
+          </a:p>
+          <a:p>
+            <a:pPr lvl="1"/>
+            <a:r>
+              <a:rPr lang="en-US" dirty="0" smtClean="0"/>
+              <a:t>What does this logic look like?</a:t>
+            </a:r>
+          </a:p>
+          <a:p>
+            <a:pPr lvl="2"/>
+            <a:r>
+              <a:rPr lang="en-US" dirty="0" smtClean="0"/>
+              <a:t>If </a:t>
+            </a:r>
+            <a:r>
+              <a:rPr lang="en-US" dirty="0" err="1" smtClean="0"/>
+              <a:t>i</a:t>
+            </a:r>
+            <a:r>
+              <a:rPr lang="en-US" dirty="0" smtClean="0"/>
+              <a:t> is bigger than j, then set max to the larger of </a:t>
+            </a:r>
+            <a:r>
+              <a:rPr lang="en-US" dirty="0" err="1" smtClean="0"/>
+              <a:t>i</a:t>
+            </a:r>
+            <a:r>
+              <a:rPr lang="en-US" dirty="0" smtClean="0"/>
+              <a:t> and k</a:t>
+            </a:r>
+          </a:p>
+          <a:p>
+            <a:pPr lvl="2"/>
+            <a:r>
+              <a:rPr lang="en-US" dirty="0" smtClean="0"/>
+              <a:t>Otherwise set max to the larger of j and k</a:t>
+            </a:r>
+          </a:p>
+        </p:txBody>
+      </p:sp>
+      <p:sp>
+        <p:nvSpPr>
+          <p:cNvPr id="6" name="Slide Number Placeholder 5"/>
           <p:cNvSpPr>
             <a:spLocks noGrp="1"/>
           </p:cNvSpPr>
@@ -40500,351 +40289,147 @@
         <p:spPr/>
         <p:txBody>
           <a:bodyPr/>
-          <a:lstStyle/>
-          <a:p>
-            <a:pPr>
-              <a:defRPr/>
-            </a:pPr>
-            <a:fld id="{FA53CC0E-EF58-405B-98C5-DD40AE2CBF19}" type="slidenum">
-              <a:rPr lang="en-US" altLang="en-US" smtClean="0">
-                <a:solidFill>
-                  <a:srgbClr val="000000"/>
-                </a:solidFill>
-              </a:rPr>
-              <a:pPr>
-                <a:defRPr/>
-              </a:pPr>
+          <a:lstStyle>
+            <a:lvl1pPr eaLnBrk="0" hangingPunct="0">
+              <a:defRPr sz="2000" b="1">
+                <a:solidFill>
+                  <a:schemeClr val="tx1"/>
+                </a:solidFill>
+                <a:latin typeface="Courier New" charset="0"/>
+              </a:defRPr>
+            </a:lvl1pPr>
+            <a:lvl2pPr marL="742950" indent="-285750" eaLnBrk="0" hangingPunct="0">
+              <a:defRPr sz="2000" b="1">
+                <a:solidFill>
+                  <a:schemeClr val="tx1"/>
+                </a:solidFill>
+                <a:latin typeface="Courier New" charset="0"/>
+              </a:defRPr>
+            </a:lvl2pPr>
+            <a:lvl3pPr marL="1143000" indent="-228600" eaLnBrk="0" hangingPunct="0">
+              <a:defRPr sz="2000" b="1">
+                <a:solidFill>
+                  <a:schemeClr val="tx1"/>
+                </a:solidFill>
+                <a:latin typeface="Courier New" charset="0"/>
+              </a:defRPr>
+            </a:lvl3pPr>
+            <a:lvl4pPr marL="1600200" indent="-228600" eaLnBrk="0" hangingPunct="0">
+              <a:defRPr sz="2000" b="1">
+                <a:solidFill>
+                  <a:schemeClr val="tx1"/>
+                </a:solidFill>
+                <a:latin typeface="Courier New" charset="0"/>
+              </a:defRPr>
+            </a:lvl4pPr>
+            <a:lvl5pPr marL="2057400" indent="-228600" eaLnBrk="0" hangingPunct="0">
+              <a:defRPr sz="2000" b="1">
+                <a:solidFill>
+                  <a:schemeClr val="tx1"/>
+                </a:solidFill>
+                <a:latin typeface="Courier New" charset="0"/>
+              </a:defRPr>
+            </a:lvl5pPr>
+            <a:lvl6pPr marL="2514600" indent="-228600" eaLnBrk="0" fontAlgn="base" hangingPunct="0">
+              <a:spcBef>
+                <a:spcPct val="0"/>
+              </a:spcBef>
+              <a:spcAft>
+                <a:spcPct val="0"/>
+              </a:spcAft>
+              <a:buClr>
+                <a:schemeClr val="tx2"/>
+              </a:buClr>
+              <a:buSzPct val="115000"/>
+              <a:buFont typeface="Wingdings" pitchFamily="2" charset="2"/>
+              <a:defRPr sz="2000" b="1">
+                <a:solidFill>
+                  <a:schemeClr val="tx1"/>
+                </a:solidFill>
+                <a:latin typeface="Courier New" charset="0"/>
+              </a:defRPr>
+            </a:lvl6pPr>
+            <a:lvl7pPr marL="2971800" indent="-228600" eaLnBrk="0" fontAlgn="base" hangingPunct="0">
+              <a:spcBef>
+                <a:spcPct val="0"/>
+              </a:spcBef>
+              <a:spcAft>
+                <a:spcPct val="0"/>
+              </a:spcAft>
+              <a:buClr>
+                <a:schemeClr val="tx2"/>
+              </a:buClr>
+              <a:buSzPct val="115000"/>
+              <a:buFont typeface="Wingdings" pitchFamily="2" charset="2"/>
+              <a:defRPr sz="2000" b="1">
+                <a:solidFill>
+                  <a:schemeClr val="tx1"/>
+                </a:solidFill>
+                <a:latin typeface="Courier New" charset="0"/>
+              </a:defRPr>
+            </a:lvl7pPr>
+            <a:lvl8pPr marL="3429000" indent="-228600" eaLnBrk="0" fontAlgn="base" hangingPunct="0">
+              <a:spcBef>
+                <a:spcPct val="0"/>
+              </a:spcBef>
+              <a:spcAft>
+                <a:spcPct val="0"/>
+              </a:spcAft>
+              <a:buClr>
+                <a:schemeClr val="tx2"/>
+              </a:buClr>
+              <a:buSzPct val="115000"/>
+              <a:buFont typeface="Wingdings" pitchFamily="2" charset="2"/>
+              <a:defRPr sz="2000" b="1">
+                <a:solidFill>
+                  <a:schemeClr val="tx1"/>
+                </a:solidFill>
+                <a:latin typeface="Courier New" charset="0"/>
+              </a:defRPr>
+            </a:lvl8pPr>
+            <a:lvl9pPr marL="3886200" indent="-228600" eaLnBrk="0" fontAlgn="base" hangingPunct="0">
+              <a:spcBef>
+                <a:spcPct val="0"/>
+              </a:spcBef>
+              <a:spcAft>
+                <a:spcPct val="0"/>
+              </a:spcAft>
+              <a:buClr>
+                <a:schemeClr val="tx2"/>
+              </a:buClr>
+              <a:buSzPct val="115000"/>
+              <a:buFont typeface="Wingdings" pitchFamily="2" charset="2"/>
+              <a:defRPr sz="2000" b="1">
+                <a:solidFill>
+                  <a:schemeClr val="tx1"/>
+                </a:solidFill>
+                <a:latin typeface="Courier New" charset="0"/>
+              </a:defRPr>
+            </a:lvl9pPr>
+          </a:lstStyle>
+          <a:p>
+            <a:pPr eaLnBrk="1" hangingPunct="1"/>
+            <a:fld id="{9009DA29-A052-4808-967F-1DAA11385DBB}" type="slidenum">
+              <a:rPr lang="en-US" sz="1200">
+                <a:solidFill>
+                  <a:srgbClr val="898989"/>
+                </a:solidFill>
+              </a:rPr>
+              <a:pPr eaLnBrk="1" hangingPunct="1"/>
               <a:t>38</a:t>
             </a:fld>
-            <a:endParaRPr lang="en-US" altLang="en-US">
+            <a:endParaRPr lang="en-US" sz="1200">
               <a:solidFill>
-                <a:srgbClr val="000000"/>
+                <a:srgbClr val="898989"/>
               </a:solidFill>
             </a:endParaRPr>
-          </a:p>
-        </p:txBody>
-      </p:sp>
-      <p:sp>
-        <p:nvSpPr>
-          <p:cNvPr id="6" name="Rectangle 3"/>
-          <p:cNvSpPr>
-            <a:spLocks noGrp="1" noChangeArrowheads="1"/>
-          </p:cNvSpPr>
-          <p:nvPr>
-            <p:ph idx="1"/>
-          </p:nvPr>
-        </p:nvSpPr>
-        <p:spPr>
-          <a:xfrm>
-            <a:off x="685800" y="1143000"/>
-            <a:ext cx="6477000" cy="5181600"/>
-          </a:xfrm>
-        </p:spPr>
-        <p:txBody>
-          <a:bodyPr/>
-          <a:lstStyle/>
-          <a:p>
-            <a:pPr eaLnBrk="1" hangingPunct="1">
-              <a:lnSpc>
-                <a:spcPct val="75000"/>
-              </a:lnSpc>
-              <a:spcBef>
-                <a:spcPct val="0"/>
-              </a:spcBef>
-              <a:buFont typeface="Wingdings" pitchFamily="2" charset="2"/>
-              <a:buNone/>
-            </a:pPr>
-            <a:r>
-              <a:rPr lang="en-US" sz="2000" b="1" dirty="0" smtClean="0">
-                <a:latin typeface="Courier New" charset="0"/>
-              </a:rPr>
-              <a:t>if</a:t>
-            </a:r>
-            <a:r>
-              <a:rPr lang="en-US" sz="2000" dirty="0" smtClean="0">
-                <a:latin typeface="Courier New" charset="0"/>
-              </a:rPr>
-              <a:t> (</a:t>
-            </a:r>
-            <a:r>
-              <a:rPr lang="en-US" sz="2000" dirty="0" err="1" smtClean="0">
-                <a:latin typeface="Courier New" charset="0"/>
-              </a:rPr>
-              <a:t>i</a:t>
-            </a:r>
-            <a:r>
-              <a:rPr lang="en-US" sz="2000" dirty="0" smtClean="0">
-                <a:latin typeface="Courier New" charset="0"/>
-              </a:rPr>
-              <a:t> &gt; j){</a:t>
-            </a:r>
-          </a:p>
-          <a:p>
-            <a:pPr eaLnBrk="1" hangingPunct="1">
-              <a:lnSpc>
-                <a:spcPct val="75000"/>
-              </a:lnSpc>
-              <a:spcBef>
-                <a:spcPct val="0"/>
-              </a:spcBef>
-              <a:buFont typeface="Wingdings" pitchFamily="2" charset="2"/>
-              <a:buNone/>
-            </a:pPr>
-            <a:r>
-              <a:rPr lang="en-US" sz="2000" dirty="0" smtClean="0">
-                <a:latin typeface="Courier New" charset="0"/>
-              </a:rPr>
-              <a:t>  // set max to the larger of </a:t>
-            </a:r>
-            <a:r>
-              <a:rPr lang="en-US" sz="2000" dirty="0" err="1" smtClean="0">
-                <a:latin typeface="Courier New" charset="0"/>
-              </a:rPr>
-              <a:t>i</a:t>
-            </a:r>
-            <a:r>
-              <a:rPr lang="en-US" sz="2000" dirty="0" smtClean="0">
-                <a:latin typeface="Courier New" charset="0"/>
-              </a:rPr>
-              <a:t> and k</a:t>
-            </a:r>
-          </a:p>
-          <a:p>
-            <a:pPr eaLnBrk="1" hangingPunct="1">
-              <a:lnSpc>
-                <a:spcPct val="75000"/>
-              </a:lnSpc>
-              <a:spcBef>
-                <a:spcPct val="0"/>
-              </a:spcBef>
-              <a:buFont typeface="Wingdings" pitchFamily="2" charset="2"/>
-              <a:buNone/>
-            </a:pPr>
-            <a:r>
-              <a:rPr lang="en-US" sz="2000" dirty="0" smtClean="0">
-                <a:latin typeface="Courier New" charset="0"/>
-              </a:rPr>
-              <a:t>}</a:t>
-            </a:r>
-          </a:p>
-          <a:p>
-            <a:pPr eaLnBrk="1" hangingPunct="1">
-              <a:lnSpc>
-                <a:spcPct val="75000"/>
-              </a:lnSpc>
-              <a:spcBef>
-                <a:spcPct val="0"/>
-              </a:spcBef>
-              <a:buFont typeface="Wingdings" pitchFamily="2" charset="2"/>
-              <a:buNone/>
-            </a:pPr>
-            <a:r>
-              <a:rPr lang="en-US" sz="2000" b="1" dirty="0" smtClean="0">
-                <a:latin typeface="Courier New" charset="0"/>
-              </a:rPr>
-              <a:t>else</a:t>
-            </a:r>
-            <a:r>
-              <a:rPr lang="en-US" sz="2000" dirty="0" smtClean="0">
-                <a:latin typeface="Courier New" charset="0"/>
-              </a:rPr>
-              <a:t> {</a:t>
-            </a:r>
-          </a:p>
-          <a:p>
-            <a:pPr eaLnBrk="1" hangingPunct="1">
-              <a:lnSpc>
-                <a:spcPct val="75000"/>
-              </a:lnSpc>
-              <a:spcBef>
-                <a:spcPct val="0"/>
-              </a:spcBef>
-              <a:buFont typeface="Wingdings" pitchFamily="2" charset="2"/>
-              <a:buNone/>
-            </a:pPr>
-            <a:r>
-              <a:rPr lang="en-US" sz="2000" dirty="0">
-                <a:latin typeface="Courier New" charset="0"/>
-              </a:rPr>
-              <a:t>	</a:t>
-            </a:r>
-            <a:r>
-              <a:rPr lang="en-US" sz="2000" dirty="0" smtClean="0">
-                <a:latin typeface="Courier New" charset="0"/>
-              </a:rPr>
-              <a:t>// </a:t>
-            </a:r>
-            <a:r>
-              <a:rPr lang="en-US" sz="2000" dirty="0" err="1" smtClean="0">
-                <a:latin typeface="Courier New" charset="0"/>
-              </a:rPr>
-              <a:t>i</a:t>
-            </a:r>
-            <a:r>
-              <a:rPr lang="en-US" sz="2000" dirty="0" smtClean="0">
-                <a:latin typeface="Courier New" charset="0"/>
-              </a:rPr>
-              <a:t> &lt;= j</a:t>
-            </a:r>
-          </a:p>
-          <a:p>
-            <a:pPr eaLnBrk="1" hangingPunct="1">
-              <a:lnSpc>
-                <a:spcPct val="75000"/>
-              </a:lnSpc>
-              <a:spcBef>
-                <a:spcPct val="0"/>
-              </a:spcBef>
-              <a:buFont typeface="Wingdings" pitchFamily="2" charset="2"/>
-              <a:buNone/>
-            </a:pPr>
-            <a:r>
-              <a:rPr lang="en-US" sz="2000" dirty="0">
-                <a:latin typeface="Courier New" charset="0"/>
-              </a:rPr>
-              <a:t>	</a:t>
-            </a:r>
-            <a:r>
-              <a:rPr lang="en-US" sz="2000" dirty="0" smtClean="0">
-                <a:latin typeface="Courier New" charset="0"/>
-              </a:rPr>
-              <a:t>// set max to the larger of j and k</a:t>
-            </a:r>
-          </a:p>
-          <a:p>
-            <a:pPr eaLnBrk="1" hangingPunct="1">
-              <a:lnSpc>
-                <a:spcPct val="75000"/>
-              </a:lnSpc>
-              <a:spcBef>
-                <a:spcPct val="0"/>
-              </a:spcBef>
-              <a:buFont typeface="Wingdings" pitchFamily="2" charset="2"/>
-              <a:buNone/>
-            </a:pPr>
-            <a:r>
-              <a:rPr lang="en-US" sz="2000" dirty="0" smtClean="0">
-                <a:latin typeface="Courier New" charset="0"/>
-              </a:rPr>
-              <a:t>}</a:t>
-            </a:r>
-          </a:p>
-        </p:txBody>
-      </p:sp>
-      <p:sp>
-        <p:nvSpPr>
-          <p:cNvPr id="5" name="TextBox 4"/>
-          <p:cNvSpPr txBox="1"/>
-          <p:nvPr/>
-        </p:nvSpPr>
-        <p:spPr>
-          <a:xfrm>
-            <a:off x="6934201" y="3124200"/>
-            <a:ext cx="2209800" cy="369332"/>
-          </a:xfrm>
-          <a:prstGeom prst="rect">
-            <a:avLst/>
-          </a:prstGeom>
-          <a:noFill/>
-        </p:spPr>
-        <p:txBody>
-          <a:bodyPr wrap="square" rtlCol="0">
-            <a:spAutoFit/>
-          </a:bodyPr>
-          <a:lstStyle/>
-          <a:p>
-            <a:r>
-              <a:rPr lang="en-US" dirty="0" smtClean="0"/>
-              <a:t>How do we do this?</a:t>
-            </a:r>
-          </a:p>
-        </p:txBody>
-      </p:sp>
-      <p:cxnSp>
-        <p:nvCxnSpPr>
-          <p:cNvPr id="8" name="Straight Arrow Connector 7"/>
-          <p:cNvCxnSpPr>
-            <a:stCxn id="5" idx="0"/>
-          </p:cNvCxnSpPr>
-          <p:nvPr/>
-        </p:nvCxnSpPr>
-        <p:spPr>
-          <a:xfrm flipH="1" flipV="1">
-            <a:off x="7162803" y="1524000"/>
-            <a:ext cx="876298" cy="1600200"/>
-          </a:xfrm>
-          <a:prstGeom prst="straightConnector1">
-            <a:avLst/>
-          </a:prstGeom>
-          <a:ln>
-            <a:tailEnd type="arrow"/>
-          </a:ln>
-        </p:spPr>
-        <p:style>
-          <a:lnRef idx="1">
-            <a:schemeClr val="accent1"/>
-          </a:lnRef>
-          <a:fillRef idx="0">
-            <a:schemeClr val="accent1"/>
-          </a:fillRef>
-          <a:effectRef idx="0">
-            <a:schemeClr val="accent1"/>
-          </a:effectRef>
-          <a:fontRef idx="minor">
-            <a:schemeClr val="tx1"/>
-          </a:fontRef>
-        </p:style>
-      </p:cxnSp>
-      <p:sp>
-        <p:nvSpPr>
-          <p:cNvPr id="9" name="Rounded Rectangle 8"/>
-          <p:cNvSpPr/>
-          <p:nvPr/>
-        </p:nvSpPr>
-        <p:spPr>
-          <a:xfrm>
-            <a:off x="761999" y="1371600"/>
-            <a:ext cx="6400803" cy="304800"/>
-          </a:xfrm>
-          <a:prstGeom prst="roundRect">
-            <a:avLst/>
-          </a:prstGeom>
-          <a:noFill/>
-          <a:ln>
-            <a:solidFill>
-              <a:schemeClr val="tx2"/>
-            </a:solidFill>
-          </a:ln>
-        </p:spPr>
-        <p:style>
-          <a:lnRef idx="2">
-            <a:schemeClr val="accent1">
-              <a:shade val="50000"/>
-            </a:schemeClr>
-          </a:lnRef>
-          <a:fillRef idx="1">
-            <a:schemeClr val="accent1"/>
-          </a:fillRef>
-          <a:effectRef idx="0">
-            <a:schemeClr val="accent1"/>
-          </a:effectRef>
-          <a:fontRef idx="minor">
-            <a:schemeClr val="lt1"/>
-          </a:fontRef>
-        </p:style>
-        <p:txBody>
-          <a:bodyPr rtlCol="0" anchor="ctr"/>
-          <a:lstStyle/>
-          <a:p>
-            <a:pPr algn="ctr"/>
-            <a:endParaRPr lang="en-US"/>
           </a:p>
         </p:txBody>
       </p:sp>
     </p:spTree>
     <p:extLst>
       <p:ext uri="{BB962C8B-B14F-4D97-AF65-F5344CB8AC3E}">
-        <p14:creationId xmlns:p14="http://schemas.microsoft.com/office/powerpoint/2010/main" val="3641576942"/>
+        <p14:creationId xmlns:p14="http://schemas.microsoft.com/office/powerpoint/2010/main" val="2841551471"/>
       </p:ext>
     </p:extLst>
   </p:cSld>
@@ -41145,129 +40730,10 @@
           </a:p>
         </p:txBody>
       </p:sp>
-      <p:sp>
-        <p:nvSpPr>
-          <p:cNvPr id="5" name="TextBox 4"/>
-          <p:cNvSpPr txBox="1"/>
-          <p:nvPr/>
-        </p:nvSpPr>
-        <p:spPr>
-          <a:xfrm>
-            <a:off x="6934201" y="3124200"/>
-            <a:ext cx="2209800" cy="1200329"/>
-          </a:xfrm>
-          <a:prstGeom prst="rect">
-            <a:avLst/>
-          </a:prstGeom>
-          <a:noFill/>
-        </p:spPr>
-        <p:txBody>
-          <a:bodyPr wrap="square" rtlCol="0">
-            <a:spAutoFit/>
-          </a:bodyPr>
-          <a:lstStyle/>
-          <a:p>
-            <a:r>
-              <a:rPr lang="en-US" dirty="0" smtClean="0"/>
-              <a:t>How do we do this?</a:t>
-            </a:r>
-          </a:p>
-          <a:p>
-            <a:endParaRPr lang="en-US" dirty="0"/>
-          </a:p>
-          <a:p>
-            <a:r>
-              <a:rPr lang="en-US" dirty="0" smtClean="0"/>
-              <a:t>We’ve already done it!</a:t>
-            </a:r>
-          </a:p>
-        </p:txBody>
-      </p:sp>
-      <p:cxnSp>
-        <p:nvCxnSpPr>
-          <p:cNvPr id="8" name="Straight Arrow Connector 7"/>
-          <p:cNvCxnSpPr>
-            <a:stCxn id="5" idx="0"/>
-          </p:cNvCxnSpPr>
-          <p:nvPr/>
-        </p:nvCxnSpPr>
-        <p:spPr>
-          <a:xfrm flipH="1" flipV="1">
-            <a:off x="7162803" y="1524000"/>
-            <a:ext cx="876298" cy="1600200"/>
-          </a:xfrm>
-          <a:prstGeom prst="straightConnector1">
-            <a:avLst/>
-          </a:prstGeom>
-          <a:ln>
-            <a:tailEnd type="arrow"/>
-          </a:ln>
-        </p:spPr>
-        <p:style>
-          <a:lnRef idx="1">
-            <a:schemeClr val="accent1"/>
-          </a:lnRef>
-          <a:fillRef idx="0">
-            <a:schemeClr val="accent1"/>
-          </a:fillRef>
-          <a:effectRef idx="0">
-            <a:schemeClr val="accent1"/>
-          </a:effectRef>
-          <a:fontRef idx="minor">
-            <a:schemeClr val="tx1"/>
-          </a:fontRef>
-        </p:style>
-      </p:cxnSp>
-      <p:sp>
-        <p:nvSpPr>
-          <p:cNvPr id="9" name="Rounded Rectangle 8"/>
-          <p:cNvSpPr/>
-          <p:nvPr/>
-        </p:nvSpPr>
-        <p:spPr>
-          <a:xfrm>
-            <a:off x="761999" y="1371600"/>
-            <a:ext cx="6400803" cy="304800"/>
-          </a:xfrm>
-          <a:prstGeom prst="roundRect">
-            <a:avLst/>
-          </a:prstGeom>
-          <a:noFill/>
-          <a:ln>
-            <a:solidFill>
-              <a:schemeClr val="tx2"/>
-            </a:solidFill>
-          </a:ln>
-        </p:spPr>
-        <p:style>
-          <a:lnRef idx="2">
-            <a:schemeClr val="accent1">
-              <a:shade val="50000"/>
-            </a:schemeClr>
-          </a:lnRef>
-          <a:fillRef idx="1">
-            <a:schemeClr val="accent1"/>
-          </a:fillRef>
-          <a:effectRef idx="0">
-            <a:schemeClr val="accent1"/>
-          </a:effectRef>
-          <a:fontRef idx="minor">
-            <a:schemeClr val="lt1"/>
-          </a:fontRef>
-        </p:style>
-        <p:txBody>
-          <a:bodyPr rtlCol="0" anchor="ctr"/>
-          <a:lstStyle/>
-          <a:p>
-            <a:pPr algn="ctr"/>
-            <a:endParaRPr lang="en-US"/>
-          </a:p>
-        </p:txBody>
-      </p:sp>
     </p:spTree>
     <p:extLst>
       <p:ext uri="{BB962C8B-B14F-4D97-AF65-F5344CB8AC3E}">
-        <p14:creationId xmlns:p14="http://schemas.microsoft.com/office/powerpoint/2010/main" val="3547232447"/>
+        <p14:creationId xmlns:p14="http://schemas.microsoft.com/office/powerpoint/2010/main" val="2210317708"/>
       </p:ext>
     </p:extLst>
   </p:cSld>
@@ -42029,6 +41495,843 @@
             </a:r>
           </a:p>
           <a:p>
+            <a:pPr eaLnBrk="1" hangingPunct="1">
+              <a:lnSpc>
+                <a:spcPct val="75000"/>
+              </a:lnSpc>
+              <a:spcBef>
+                <a:spcPct val="0"/>
+              </a:spcBef>
+              <a:buFont typeface="Wingdings" pitchFamily="2" charset="2"/>
+              <a:buNone/>
+            </a:pPr>
+            <a:r>
+              <a:rPr lang="en-US" sz="2000" dirty="0" smtClean="0">
+                <a:latin typeface="Courier New" charset="0"/>
+              </a:rPr>
+              <a:t>  // set max to the larger of </a:t>
+            </a:r>
+            <a:r>
+              <a:rPr lang="en-US" sz="2000" dirty="0" err="1" smtClean="0">
+                <a:latin typeface="Courier New" charset="0"/>
+              </a:rPr>
+              <a:t>i</a:t>
+            </a:r>
+            <a:r>
+              <a:rPr lang="en-US" sz="2000" dirty="0" smtClean="0">
+                <a:latin typeface="Courier New" charset="0"/>
+              </a:rPr>
+              <a:t> and k</a:t>
+            </a:r>
+          </a:p>
+          <a:p>
+            <a:pPr eaLnBrk="1" hangingPunct="1">
+              <a:lnSpc>
+                <a:spcPct val="75000"/>
+              </a:lnSpc>
+              <a:spcBef>
+                <a:spcPct val="0"/>
+              </a:spcBef>
+              <a:buFont typeface="Wingdings" pitchFamily="2" charset="2"/>
+              <a:buNone/>
+            </a:pPr>
+            <a:r>
+              <a:rPr lang="en-US" sz="2000" dirty="0" smtClean="0">
+                <a:latin typeface="Courier New" charset="0"/>
+              </a:rPr>
+              <a:t>}</a:t>
+            </a:r>
+          </a:p>
+          <a:p>
+            <a:pPr eaLnBrk="1" hangingPunct="1">
+              <a:lnSpc>
+                <a:spcPct val="75000"/>
+              </a:lnSpc>
+              <a:spcBef>
+                <a:spcPct val="0"/>
+              </a:spcBef>
+              <a:buFont typeface="Wingdings" pitchFamily="2" charset="2"/>
+              <a:buNone/>
+            </a:pPr>
+            <a:r>
+              <a:rPr lang="en-US" sz="2000" b="1" dirty="0" smtClean="0">
+                <a:latin typeface="Courier New" charset="0"/>
+              </a:rPr>
+              <a:t>else</a:t>
+            </a:r>
+            <a:r>
+              <a:rPr lang="en-US" sz="2000" dirty="0" smtClean="0">
+                <a:latin typeface="Courier New" charset="0"/>
+              </a:rPr>
+              <a:t> {</a:t>
+            </a:r>
+          </a:p>
+          <a:p>
+            <a:pPr eaLnBrk="1" hangingPunct="1">
+              <a:lnSpc>
+                <a:spcPct val="75000"/>
+              </a:lnSpc>
+              <a:spcBef>
+                <a:spcPct val="0"/>
+              </a:spcBef>
+              <a:buFont typeface="Wingdings" pitchFamily="2" charset="2"/>
+              <a:buNone/>
+            </a:pPr>
+            <a:r>
+              <a:rPr lang="en-US" sz="2000" dirty="0">
+                <a:latin typeface="Courier New" charset="0"/>
+              </a:rPr>
+              <a:t>	</a:t>
+            </a:r>
+            <a:r>
+              <a:rPr lang="en-US" sz="2000" dirty="0" smtClean="0">
+                <a:latin typeface="Courier New" charset="0"/>
+              </a:rPr>
+              <a:t>// </a:t>
+            </a:r>
+            <a:r>
+              <a:rPr lang="en-US" sz="2000" dirty="0" err="1" smtClean="0">
+                <a:latin typeface="Courier New" charset="0"/>
+              </a:rPr>
+              <a:t>i</a:t>
+            </a:r>
+            <a:r>
+              <a:rPr lang="en-US" sz="2000" dirty="0" smtClean="0">
+                <a:latin typeface="Courier New" charset="0"/>
+              </a:rPr>
+              <a:t> &lt;= j</a:t>
+            </a:r>
+          </a:p>
+          <a:p>
+            <a:pPr eaLnBrk="1" hangingPunct="1">
+              <a:lnSpc>
+                <a:spcPct val="75000"/>
+              </a:lnSpc>
+              <a:spcBef>
+                <a:spcPct val="0"/>
+              </a:spcBef>
+              <a:buFont typeface="Wingdings" pitchFamily="2" charset="2"/>
+              <a:buNone/>
+            </a:pPr>
+            <a:r>
+              <a:rPr lang="en-US" sz="2000" dirty="0">
+                <a:latin typeface="Courier New" charset="0"/>
+              </a:rPr>
+              <a:t>	</a:t>
+            </a:r>
+            <a:r>
+              <a:rPr lang="en-US" sz="2000" dirty="0" smtClean="0">
+                <a:latin typeface="Courier New" charset="0"/>
+              </a:rPr>
+              <a:t>// set max to the larger of j and k</a:t>
+            </a:r>
+          </a:p>
+          <a:p>
+            <a:pPr eaLnBrk="1" hangingPunct="1">
+              <a:lnSpc>
+                <a:spcPct val="75000"/>
+              </a:lnSpc>
+              <a:spcBef>
+                <a:spcPct val="0"/>
+              </a:spcBef>
+              <a:buFont typeface="Wingdings" pitchFamily="2" charset="2"/>
+              <a:buNone/>
+            </a:pPr>
+            <a:r>
+              <a:rPr lang="en-US" sz="2000" dirty="0" smtClean="0">
+                <a:latin typeface="Courier New" charset="0"/>
+              </a:rPr>
+              <a:t>}</a:t>
+            </a:r>
+          </a:p>
+        </p:txBody>
+      </p:sp>
+      <p:sp>
+        <p:nvSpPr>
+          <p:cNvPr id="5" name="TextBox 4"/>
+          <p:cNvSpPr txBox="1"/>
+          <p:nvPr/>
+        </p:nvSpPr>
+        <p:spPr>
+          <a:xfrm>
+            <a:off x="6934201" y="3124200"/>
+            <a:ext cx="2209800" cy="369332"/>
+          </a:xfrm>
+          <a:prstGeom prst="rect">
+            <a:avLst/>
+          </a:prstGeom>
+          <a:noFill/>
+        </p:spPr>
+        <p:txBody>
+          <a:bodyPr wrap="square" rtlCol="0">
+            <a:spAutoFit/>
+          </a:bodyPr>
+          <a:lstStyle/>
+          <a:p>
+            <a:r>
+              <a:rPr lang="en-US" dirty="0" smtClean="0"/>
+              <a:t>How do we do this?</a:t>
+            </a:r>
+          </a:p>
+        </p:txBody>
+      </p:sp>
+      <p:cxnSp>
+        <p:nvCxnSpPr>
+          <p:cNvPr id="8" name="Straight Arrow Connector 7"/>
+          <p:cNvCxnSpPr>
+            <a:stCxn id="5" idx="0"/>
+          </p:cNvCxnSpPr>
+          <p:nvPr/>
+        </p:nvCxnSpPr>
+        <p:spPr>
+          <a:xfrm flipH="1" flipV="1">
+            <a:off x="7162803" y="1524000"/>
+            <a:ext cx="876298" cy="1600200"/>
+          </a:xfrm>
+          <a:prstGeom prst="straightConnector1">
+            <a:avLst/>
+          </a:prstGeom>
+          <a:ln>
+            <a:tailEnd type="arrow"/>
+          </a:ln>
+        </p:spPr>
+        <p:style>
+          <a:lnRef idx="1">
+            <a:schemeClr val="accent1"/>
+          </a:lnRef>
+          <a:fillRef idx="0">
+            <a:schemeClr val="accent1"/>
+          </a:fillRef>
+          <a:effectRef idx="0">
+            <a:schemeClr val="accent1"/>
+          </a:effectRef>
+          <a:fontRef idx="minor">
+            <a:schemeClr val="tx1"/>
+          </a:fontRef>
+        </p:style>
+      </p:cxnSp>
+      <p:sp>
+        <p:nvSpPr>
+          <p:cNvPr id="9" name="Rounded Rectangle 8"/>
+          <p:cNvSpPr/>
+          <p:nvPr/>
+        </p:nvSpPr>
+        <p:spPr>
+          <a:xfrm>
+            <a:off x="761999" y="1371600"/>
+            <a:ext cx="6400803" cy="304800"/>
+          </a:xfrm>
+          <a:prstGeom prst="roundRect">
+            <a:avLst/>
+          </a:prstGeom>
+          <a:noFill/>
+          <a:ln>
+            <a:solidFill>
+              <a:schemeClr val="tx2"/>
+            </a:solidFill>
+          </a:ln>
+        </p:spPr>
+        <p:style>
+          <a:lnRef idx="2">
+            <a:schemeClr val="accent1">
+              <a:shade val="50000"/>
+            </a:schemeClr>
+          </a:lnRef>
+          <a:fillRef idx="1">
+            <a:schemeClr val="accent1"/>
+          </a:fillRef>
+          <a:effectRef idx="0">
+            <a:schemeClr val="accent1"/>
+          </a:effectRef>
+          <a:fontRef idx="minor">
+            <a:schemeClr val="lt1"/>
+          </a:fontRef>
+        </p:style>
+        <p:txBody>
+          <a:bodyPr rtlCol="0" anchor="ctr"/>
+          <a:lstStyle/>
+          <a:p>
+            <a:pPr algn="ctr"/>
+            <a:endParaRPr lang="en-US"/>
+          </a:p>
+        </p:txBody>
+      </p:sp>
+    </p:spTree>
+    <p:extLst>
+      <p:ext uri="{BB962C8B-B14F-4D97-AF65-F5344CB8AC3E}">
+        <p14:creationId xmlns:p14="http://schemas.microsoft.com/office/powerpoint/2010/main" val="3641576942"/>
+      </p:ext>
+    </p:extLst>
+  </p:cSld>
+  <p:clrMapOvr>
+    <a:masterClrMapping/>
+  </p:clrMapOvr>
+  <p:timing>
+    <p:tnLst>
+      <p:par>
+        <p:cTn id="1" dur="indefinite" restart="never" nodeType="tmRoot"/>
+      </p:par>
+    </p:tnLst>
+  </p:timing>
+</p:sld>
+</file>
+
+<file path=ppt/slides/slide41.xml><?xml version="1.0" encoding="utf-8"?>
+<p:sld xmlns:a="http://schemas.openxmlformats.org/drawingml/2006/main" xmlns:r="http://schemas.openxmlformats.org/officeDocument/2006/relationships" xmlns:p="http://schemas.openxmlformats.org/presentationml/2006/main">
+  <p:cSld>
+    <p:spTree>
+      <p:nvGrpSpPr>
+        <p:cNvPr id="1" name=""/>
+        <p:cNvGrpSpPr/>
+        <p:nvPr/>
+      </p:nvGrpSpPr>
+      <p:grpSpPr>
+        <a:xfrm>
+          <a:off x="0" y="0"/>
+          <a:ext cx="0" cy="0"/>
+          <a:chOff x="0" y="0"/>
+          <a:chExt cx="0" cy="0"/>
+        </a:xfrm>
+      </p:grpSpPr>
+      <p:sp>
+        <p:nvSpPr>
+          <p:cNvPr id="2" name="Title 1"/>
+          <p:cNvSpPr>
+            <a:spLocks noGrp="1"/>
+          </p:cNvSpPr>
+          <p:nvPr>
+            <p:ph type="title"/>
+          </p:nvPr>
+        </p:nvSpPr>
+        <p:spPr/>
+        <p:txBody>
+          <a:bodyPr/>
+          <a:lstStyle/>
+          <a:p>
+            <a:r>
+              <a:rPr lang="en-US" dirty="0" smtClean="0"/>
+              <a:t>Nested ifs</a:t>
+            </a:r>
+            <a:endParaRPr lang="en-US" dirty="0"/>
+          </a:p>
+        </p:txBody>
+      </p:sp>
+      <p:sp>
+        <p:nvSpPr>
+          <p:cNvPr id="4" name="Slide Number Placeholder 3"/>
+          <p:cNvSpPr>
+            <a:spLocks noGrp="1"/>
+          </p:cNvSpPr>
+          <p:nvPr>
+            <p:ph type="sldNum" sz="quarter" idx="12"/>
+          </p:nvPr>
+        </p:nvSpPr>
+        <p:spPr/>
+        <p:txBody>
+          <a:bodyPr/>
+          <a:lstStyle/>
+          <a:p>
+            <a:pPr>
+              <a:defRPr/>
+            </a:pPr>
+            <a:fld id="{FA53CC0E-EF58-405B-98C5-DD40AE2CBF19}" type="slidenum">
+              <a:rPr lang="en-US" altLang="en-US" smtClean="0">
+                <a:solidFill>
+                  <a:srgbClr val="000000"/>
+                </a:solidFill>
+              </a:rPr>
+              <a:pPr>
+                <a:defRPr/>
+              </a:pPr>
+              <a:t>41</a:t>
+            </a:fld>
+            <a:endParaRPr lang="en-US" altLang="en-US">
+              <a:solidFill>
+                <a:srgbClr val="000000"/>
+              </a:solidFill>
+            </a:endParaRPr>
+          </a:p>
+        </p:txBody>
+      </p:sp>
+      <p:sp>
+        <p:nvSpPr>
+          <p:cNvPr id="6" name="Rectangle 3"/>
+          <p:cNvSpPr>
+            <a:spLocks noGrp="1" noChangeArrowheads="1"/>
+          </p:cNvSpPr>
+          <p:nvPr>
+            <p:ph idx="1"/>
+          </p:nvPr>
+        </p:nvSpPr>
+        <p:spPr>
+          <a:xfrm>
+            <a:off x="685800" y="1143000"/>
+            <a:ext cx="6477000" cy="5181600"/>
+          </a:xfrm>
+        </p:spPr>
+        <p:txBody>
+          <a:bodyPr/>
+          <a:lstStyle/>
+          <a:p>
+            <a:pPr eaLnBrk="1" hangingPunct="1">
+              <a:lnSpc>
+                <a:spcPct val="75000"/>
+              </a:lnSpc>
+              <a:spcBef>
+                <a:spcPct val="0"/>
+              </a:spcBef>
+              <a:buFont typeface="Wingdings" pitchFamily="2" charset="2"/>
+              <a:buNone/>
+            </a:pPr>
+            <a:r>
+              <a:rPr lang="en-US" sz="2000" b="1" dirty="0" smtClean="0">
+                <a:latin typeface="Courier New" charset="0"/>
+              </a:rPr>
+              <a:t>if</a:t>
+            </a:r>
+            <a:r>
+              <a:rPr lang="en-US" sz="2000" dirty="0" smtClean="0">
+                <a:latin typeface="Courier New" charset="0"/>
+              </a:rPr>
+              <a:t> (</a:t>
+            </a:r>
+            <a:r>
+              <a:rPr lang="en-US" sz="2000" dirty="0" err="1" smtClean="0">
+                <a:latin typeface="Courier New" charset="0"/>
+              </a:rPr>
+              <a:t>i</a:t>
+            </a:r>
+            <a:r>
+              <a:rPr lang="en-US" sz="2000" dirty="0" smtClean="0">
+                <a:latin typeface="Courier New" charset="0"/>
+              </a:rPr>
+              <a:t> &gt; j){</a:t>
+            </a:r>
+          </a:p>
+          <a:p>
+            <a:pPr eaLnBrk="1" hangingPunct="1">
+              <a:lnSpc>
+                <a:spcPct val="75000"/>
+              </a:lnSpc>
+              <a:spcBef>
+                <a:spcPct val="0"/>
+              </a:spcBef>
+              <a:buFont typeface="Wingdings" pitchFamily="2" charset="2"/>
+              <a:buNone/>
+            </a:pPr>
+            <a:r>
+              <a:rPr lang="en-US" sz="2000" dirty="0" smtClean="0">
+                <a:latin typeface="Courier New" charset="0"/>
+              </a:rPr>
+              <a:t>  // set max to the larger of </a:t>
+            </a:r>
+            <a:r>
+              <a:rPr lang="en-US" sz="2000" dirty="0" err="1" smtClean="0">
+                <a:latin typeface="Courier New" charset="0"/>
+              </a:rPr>
+              <a:t>i</a:t>
+            </a:r>
+            <a:r>
+              <a:rPr lang="en-US" sz="2000" dirty="0" smtClean="0">
+                <a:latin typeface="Courier New" charset="0"/>
+              </a:rPr>
+              <a:t> and k</a:t>
+            </a:r>
+          </a:p>
+          <a:p>
+            <a:pPr eaLnBrk="1" hangingPunct="1">
+              <a:lnSpc>
+                <a:spcPct val="75000"/>
+              </a:lnSpc>
+              <a:spcBef>
+                <a:spcPct val="0"/>
+              </a:spcBef>
+              <a:buFont typeface="Wingdings" pitchFamily="2" charset="2"/>
+              <a:buNone/>
+            </a:pPr>
+            <a:r>
+              <a:rPr lang="en-US" sz="2000" dirty="0" smtClean="0">
+                <a:latin typeface="Courier New" charset="0"/>
+              </a:rPr>
+              <a:t>}</a:t>
+            </a:r>
+          </a:p>
+          <a:p>
+            <a:pPr eaLnBrk="1" hangingPunct="1">
+              <a:lnSpc>
+                <a:spcPct val="75000"/>
+              </a:lnSpc>
+              <a:spcBef>
+                <a:spcPct val="0"/>
+              </a:spcBef>
+              <a:buFont typeface="Wingdings" pitchFamily="2" charset="2"/>
+              <a:buNone/>
+            </a:pPr>
+            <a:r>
+              <a:rPr lang="en-US" sz="2000" b="1" dirty="0" smtClean="0">
+                <a:latin typeface="Courier New" charset="0"/>
+              </a:rPr>
+              <a:t>else</a:t>
+            </a:r>
+            <a:r>
+              <a:rPr lang="en-US" sz="2000" dirty="0" smtClean="0">
+                <a:latin typeface="Courier New" charset="0"/>
+              </a:rPr>
+              <a:t> {</a:t>
+            </a:r>
+          </a:p>
+          <a:p>
+            <a:pPr eaLnBrk="1" hangingPunct="1">
+              <a:lnSpc>
+                <a:spcPct val="75000"/>
+              </a:lnSpc>
+              <a:spcBef>
+                <a:spcPct val="0"/>
+              </a:spcBef>
+              <a:buFont typeface="Wingdings" pitchFamily="2" charset="2"/>
+              <a:buNone/>
+            </a:pPr>
+            <a:r>
+              <a:rPr lang="en-US" sz="2000" dirty="0">
+                <a:latin typeface="Courier New" charset="0"/>
+              </a:rPr>
+              <a:t>	</a:t>
+            </a:r>
+            <a:r>
+              <a:rPr lang="en-US" sz="2000" dirty="0" smtClean="0">
+                <a:latin typeface="Courier New" charset="0"/>
+              </a:rPr>
+              <a:t>// </a:t>
+            </a:r>
+            <a:r>
+              <a:rPr lang="en-US" sz="2000" dirty="0" err="1" smtClean="0">
+                <a:latin typeface="Courier New" charset="0"/>
+              </a:rPr>
+              <a:t>i</a:t>
+            </a:r>
+            <a:r>
+              <a:rPr lang="en-US" sz="2000" dirty="0" smtClean="0">
+                <a:latin typeface="Courier New" charset="0"/>
+              </a:rPr>
+              <a:t> &lt;= j</a:t>
+            </a:r>
+          </a:p>
+          <a:p>
+            <a:pPr eaLnBrk="1" hangingPunct="1">
+              <a:lnSpc>
+                <a:spcPct val="75000"/>
+              </a:lnSpc>
+              <a:spcBef>
+                <a:spcPct val="0"/>
+              </a:spcBef>
+              <a:buFont typeface="Wingdings" pitchFamily="2" charset="2"/>
+              <a:buNone/>
+            </a:pPr>
+            <a:r>
+              <a:rPr lang="en-US" sz="2000" dirty="0">
+                <a:latin typeface="Courier New" charset="0"/>
+              </a:rPr>
+              <a:t>	</a:t>
+            </a:r>
+            <a:r>
+              <a:rPr lang="en-US" sz="2000" dirty="0" smtClean="0">
+                <a:latin typeface="Courier New" charset="0"/>
+              </a:rPr>
+              <a:t>// set max to the larger of j and k</a:t>
+            </a:r>
+          </a:p>
+          <a:p>
+            <a:pPr eaLnBrk="1" hangingPunct="1">
+              <a:lnSpc>
+                <a:spcPct val="75000"/>
+              </a:lnSpc>
+              <a:spcBef>
+                <a:spcPct val="0"/>
+              </a:spcBef>
+              <a:buFont typeface="Wingdings" pitchFamily="2" charset="2"/>
+              <a:buNone/>
+            </a:pPr>
+            <a:r>
+              <a:rPr lang="en-US" sz="2000" dirty="0" smtClean="0">
+                <a:latin typeface="Courier New" charset="0"/>
+              </a:rPr>
+              <a:t>}</a:t>
+            </a:r>
+          </a:p>
+        </p:txBody>
+      </p:sp>
+      <p:sp>
+        <p:nvSpPr>
+          <p:cNvPr id="5" name="TextBox 4"/>
+          <p:cNvSpPr txBox="1"/>
+          <p:nvPr/>
+        </p:nvSpPr>
+        <p:spPr>
+          <a:xfrm>
+            <a:off x="6934201" y="3124200"/>
+            <a:ext cx="2209800" cy="1200329"/>
+          </a:xfrm>
+          <a:prstGeom prst="rect">
+            <a:avLst/>
+          </a:prstGeom>
+          <a:noFill/>
+        </p:spPr>
+        <p:txBody>
+          <a:bodyPr wrap="square" rtlCol="0">
+            <a:spAutoFit/>
+          </a:bodyPr>
+          <a:lstStyle/>
+          <a:p>
+            <a:r>
+              <a:rPr lang="en-US" dirty="0" smtClean="0"/>
+              <a:t>How do we do this?</a:t>
+            </a:r>
+          </a:p>
+          <a:p>
+            <a:endParaRPr lang="en-US" dirty="0"/>
+          </a:p>
+          <a:p>
+            <a:r>
+              <a:rPr lang="en-US" dirty="0" smtClean="0"/>
+              <a:t>We’ve already done it!</a:t>
+            </a:r>
+          </a:p>
+        </p:txBody>
+      </p:sp>
+      <p:cxnSp>
+        <p:nvCxnSpPr>
+          <p:cNvPr id="8" name="Straight Arrow Connector 7"/>
+          <p:cNvCxnSpPr>
+            <a:stCxn id="5" idx="0"/>
+          </p:cNvCxnSpPr>
+          <p:nvPr/>
+        </p:nvCxnSpPr>
+        <p:spPr>
+          <a:xfrm flipH="1" flipV="1">
+            <a:off x="7162803" y="1524000"/>
+            <a:ext cx="876298" cy="1600200"/>
+          </a:xfrm>
+          <a:prstGeom prst="straightConnector1">
+            <a:avLst/>
+          </a:prstGeom>
+          <a:ln>
+            <a:tailEnd type="arrow"/>
+          </a:ln>
+        </p:spPr>
+        <p:style>
+          <a:lnRef idx="1">
+            <a:schemeClr val="accent1"/>
+          </a:lnRef>
+          <a:fillRef idx="0">
+            <a:schemeClr val="accent1"/>
+          </a:fillRef>
+          <a:effectRef idx="0">
+            <a:schemeClr val="accent1"/>
+          </a:effectRef>
+          <a:fontRef idx="minor">
+            <a:schemeClr val="tx1"/>
+          </a:fontRef>
+        </p:style>
+      </p:cxnSp>
+      <p:sp>
+        <p:nvSpPr>
+          <p:cNvPr id="9" name="Rounded Rectangle 8"/>
+          <p:cNvSpPr/>
+          <p:nvPr/>
+        </p:nvSpPr>
+        <p:spPr>
+          <a:xfrm>
+            <a:off x="761999" y="1371600"/>
+            <a:ext cx="6400803" cy="304800"/>
+          </a:xfrm>
+          <a:prstGeom prst="roundRect">
+            <a:avLst/>
+          </a:prstGeom>
+          <a:noFill/>
+          <a:ln>
+            <a:solidFill>
+              <a:schemeClr val="tx2"/>
+            </a:solidFill>
+          </a:ln>
+        </p:spPr>
+        <p:style>
+          <a:lnRef idx="2">
+            <a:schemeClr val="accent1">
+              <a:shade val="50000"/>
+            </a:schemeClr>
+          </a:lnRef>
+          <a:fillRef idx="1">
+            <a:schemeClr val="accent1"/>
+          </a:fillRef>
+          <a:effectRef idx="0">
+            <a:schemeClr val="accent1"/>
+          </a:effectRef>
+          <a:fontRef idx="minor">
+            <a:schemeClr val="lt1"/>
+          </a:fontRef>
+        </p:style>
+        <p:txBody>
+          <a:bodyPr rtlCol="0" anchor="ctr"/>
+          <a:lstStyle/>
+          <a:p>
+            <a:pPr algn="ctr"/>
+            <a:endParaRPr lang="en-US"/>
+          </a:p>
+        </p:txBody>
+      </p:sp>
+    </p:spTree>
+    <p:extLst>
+      <p:ext uri="{BB962C8B-B14F-4D97-AF65-F5344CB8AC3E}">
+        <p14:creationId xmlns:p14="http://schemas.microsoft.com/office/powerpoint/2010/main" val="3547232447"/>
+      </p:ext>
+    </p:extLst>
+  </p:cSld>
+  <p:clrMapOvr>
+    <a:masterClrMapping/>
+  </p:clrMapOvr>
+  <p:timing>
+    <p:tnLst>
+      <p:par>
+        <p:cTn id="1" dur="indefinite" restart="never" nodeType="tmRoot"/>
+      </p:par>
+    </p:tnLst>
+  </p:timing>
+</p:sld>
+</file>
+
+<file path=ppt/slides/slide42.xml><?xml version="1.0" encoding="utf-8"?>
+<p:sld xmlns:a="http://schemas.openxmlformats.org/drawingml/2006/main" xmlns:r="http://schemas.openxmlformats.org/officeDocument/2006/relationships" xmlns:p="http://schemas.openxmlformats.org/presentationml/2006/main">
+  <p:cSld>
+    <p:spTree>
+      <p:nvGrpSpPr>
+        <p:cNvPr id="1" name=""/>
+        <p:cNvGrpSpPr/>
+        <p:nvPr/>
+      </p:nvGrpSpPr>
+      <p:grpSpPr>
+        <a:xfrm>
+          <a:off x="0" y="0"/>
+          <a:ext cx="0" cy="0"/>
+          <a:chOff x="0" y="0"/>
+          <a:chExt cx="0" cy="0"/>
+        </a:xfrm>
+      </p:grpSpPr>
+      <p:sp>
+        <p:nvSpPr>
+          <p:cNvPr id="2" name="Title 1"/>
+          <p:cNvSpPr>
+            <a:spLocks noGrp="1"/>
+          </p:cNvSpPr>
+          <p:nvPr>
+            <p:ph type="title"/>
+          </p:nvPr>
+        </p:nvSpPr>
+        <p:spPr/>
+        <p:txBody>
+          <a:bodyPr/>
+          <a:lstStyle/>
+          <a:p>
+            <a:r>
+              <a:rPr lang="en-US" dirty="0" smtClean="0"/>
+              <a:t>Nested ifs</a:t>
+            </a:r>
+            <a:endParaRPr lang="en-US" dirty="0"/>
+          </a:p>
+        </p:txBody>
+      </p:sp>
+      <p:sp>
+        <p:nvSpPr>
+          <p:cNvPr id="4" name="Slide Number Placeholder 3"/>
+          <p:cNvSpPr>
+            <a:spLocks noGrp="1"/>
+          </p:cNvSpPr>
+          <p:nvPr>
+            <p:ph type="sldNum" sz="quarter" idx="12"/>
+          </p:nvPr>
+        </p:nvSpPr>
+        <p:spPr/>
+        <p:txBody>
+          <a:bodyPr/>
+          <a:lstStyle/>
+          <a:p>
+            <a:pPr>
+              <a:defRPr/>
+            </a:pPr>
+            <a:fld id="{FA53CC0E-EF58-405B-98C5-DD40AE2CBF19}" type="slidenum">
+              <a:rPr lang="en-US" altLang="en-US" smtClean="0">
+                <a:solidFill>
+                  <a:srgbClr val="000000"/>
+                </a:solidFill>
+              </a:rPr>
+              <a:pPr>
+                <a:defRPr/>
+              </a:pPr>
+              <a:t>42</a:t>
+            </a:fld>
+            <a:endParaRPr lang="en-US" altLang="en-US">
+              <a:solidFill>
+                <a:srgbClr val="000000"/>
+              </a:solidFill>
+            </a:endParaRPr>
+          </a:p>
+        </p:txBody>
+      </p:sp>
+      <p:sp>
+        <p:nvSpPr>
+          <p:cNvPr id="6" name="Rectangle 3"/>
+          <p:cNvSpPr>
+            <a:spLocks noGrp="1" noChangeArrowheads="1"/>
+          </p:cNvSpPr>
+          <p:nvPr>
+            <p:ph idx="1"/>
+          </p:nvPr>
+        </p:nvSpPr>
+        <p:spPr>
+          <a:xfrm>
+            <a:off x="685800" y="1143000"/>
+            <a:ext cx="6477000" cy="5181600"/>
+          </a:xfrm>
+        </p:spPr>
+        <p:txBody>
+          <a:bodyPr/>
+          <a:lstStyle/>
+          <a:p>
+            <a:pPr eaLnBrk="1" hangingPunct="1">
+              <a:lnSpc>
+                <a:spcPct val="75000"/>
+              </a:lnSpc>
+              <a:spcBef>
+                <a:spcPct val="0"/>
+              </a:spcBef>
+              <a:buFont typeface="Wingdings" pitchFamily="2" charset="2"/>
+              <a:buNone/>
+            </a:pPr>
+            <a:r>
+              <a:rPr lang="en-US" sz="2000" b="1" dirty="0" smtClean="0">
+                <a:latin typeface="Courier New" charset="0"/>
+              </a:rPr>
+              <a:t>if</a:t>
+            </a:r>
+            <a:r>
+              <a:rPr lang="en-US" sz="2000" dirty="0" smtClean="0">
+                <a:latin typeface="Courier New" charset="0"/>
+              </a:rPr>
+              <a:t> (</a:t>
+            </a:r>
+            <a:r>
+              <a:rPr lang="en-US" sz="2000" dirty="0" err="1" smtClean="0">
+                <a:latin typeface="Courier New" charset="0"/>
+              </a:rPr>
+              <a:t>i</a:t>
+            </a:r>
+            <a:r>
+              <a:rPr lang="en-US" sz="2000" dirty="0" smtClean="0">
+                <a:latin typeface="Courier New" charset="0"/>
+              </a:rPr>
+              <a:t> &gt; j){</a:t>
+            </a:r>
+          </a:p>
+          <a:p>
             <a:pPr>
               <a:lnSpc>
                 <a:spcPct val="75000"/>
@@ -42490,7 +42793,7 @@
 </p:sld>
 </file>
 
-<file path=ppt/slides/slide41.xml><?xml version="1.0" encoding="utf-8"?>
+<file path=ppt/slides/slide43.xml><?xml version="1.0" encoding="utf-8"?>
 <p:sld xmlns:a="http://schemas.openxmlformats.org/drawingml/2006/main" xmlns:r="http://schemas.openxmlformats.org/officeDocument/2006/relationships" xmlns:p="http://schemas.openxmlformats.org/presentationml/2006/main">
   <p:cSld>
     <p:spTree>
@@ -42557,7 +42860,7 @@
               <a:pPr>
                 <a:defRPr/>
               </a:pPr>
-              <a:t>41</a:t>
+              <a:t>43</a:t>
             </a:fld>
             <a:endParaRPr lang="en-US" altLang="en-US">
               <a:solidFill>
@@ -43067,7 +43370,7 @@
 </p:sld>
 </file>
 
-<file path=ppt/slides/slide42.xml><?xml version="1.0" encoding="utf-8"?>
+<file path=ppt/slides/slide44.xml><?xml version="1.0" encoding="utf-8"?>
 <p:sld xmlns:a="http://schemas.openxmlformats.org/drawingml/2006/main" xmlns:r="http://schemas.openxmlformats.org/officeDocument/2006/relationships" xmlns:p="http://schemas.openxmlformats.org/presentationml/2006/main">
   <p:cSld>
     <p:spTree>
@@ -43134,7 +43437,7 @@
               <a:pPr>
                 <a:defRPr/>
               </a:pPr>
-              <a:t>42</a:t>
+              <a:t>44</a:t>
             </a:fld>
             <a:endParaRPr lang="en-US" altLang="en-US">
               <a:solidFill>
@@ -43653,7 +43956,7 @@
 </p:sld>
 </file>
 
-<file path=ppt/slides/slide43.xml><?xml version="1.0" encoding="utf-8"?>
+<file path=ppt/slides/slide45.xml><?xml version="1.0" encoding="utf-8"?>
 <p:sld xmlns:a="http://schemas.openxmlformats.org/drawingml/2006/main" xmlns:r="http://schemas.openxmlformats.org/officeDocument/2006/relationships" xmlns:p="http://schemas.openxmlformats.org/presentationml/2006/main">
   <p:cSld>
     <p:spTree>
@@ -43720,7 +44023,7 @@
               <a:pPr>
                 <a:defRPr/>
               </a:pPr>
-              <a:t>43</a:t>
+              <a:t>45</a:t>
             </a:fld>
             <a:endParaRPr lang="en-US" altLang="en-US">
               <a:solidFill>
@@ -44384,7 +44687,7 @@
 </p:sld>
 </file>
 
-<file path=ppt/slides/slide44.xml><?xml version="1.0" encoding="utf-8"?>
+<file path=ppt/slides/slide46.xml><?xml version="1.0" encoding="utf-8"?>
 <p:sld xmlns:a="http://schemas.openxmlformats.org/drawingml/2006/main" xmlns:r="http://schemas.openxmlformats.org/officeDocument/2006/relationships" xmlns:p="http://schemas.openxmlformats.org/presentationml/2006/main">
   <p:cSld>
     <p:spTree>
@@ -45104,7 +45407,7 @@
                 </a:solidFill>
               </a:rPr>
               <a:pPr eaLnBrk="1" hangingPunct="1"/>
-              <a:t>44</a:t>
+              <a:t>46</a:t>
             </a:fld>
             <a:endParaRPr lang="en-US" sz="1200">
               <a:solidFill>
@@ -45134,7 +45437,7 @@
 </p:sld>
 </file>
 
-<file path=ppt/slides/slide45.xml><?xml version="1.0" encoding="utf-8"?>
+<file path=ppt/slides/slide47.xml><?xml version="1.0" encoding="utf-8"?>
 <p:sld xmlns:a="http://schemas.openxmlformats.org/drawingml/2006/main" xmlns:r="http://schemas.openxmlformats.org/officeDocument/2006/relationships" xmlns:p="http://schemas.openxmlformats.org/presentationml/2006/main">
   <p:cSld>
     <p:spTree>
@@ -45794,7 +46097,7 @@
                 </a:solidFill>
               </a:rPr>
               <a:pPr eaLnBrk="1" hangingPunct="1"/>
-              <a:t>45</a:t>
+              <a:t>47</a:t>
             </a:fld>
             <a:endParaRPr lang="en-US" sz="1200">
               <a:solidFill>
@@ -46019,7 +46322,7 @@
 </p:sld>
 </file>
 
-<file path=ppt/slides/slide46.xml><?xml version="1.0" encoding="utf-8"?>
+<file path=ppt/slides/slide48.xml><?xml version="1.0" encoding="utf-8"?>
 <p:sld xmlns:a="http://schemas.openxmlformats.org/drawingml/2006/main" xmlns:r="http://schemas.openxmlformats.org/officeDocument/2006/relationships" xmlns:p="http://schemas.openxmlformats.org/presentationml/2006/main">
   <p:cSld>
     <p:spTree>
@@ -47261,1093 +47564,6 @@
                 </a:solidFill>
               </a:rPr>
               <a:pPr eaLnBrk="1" hangingPunct="1"/>
-              <a:t>46</a:t>
-            </a:fld>
-            <a:endParaRPr lang="en-US" sz="1200">
-              <a:solidFill>
-                <a:srgbClr val="898989"/>
-              </a:solidFill>
-            </a:endParaRPr>
-          </a:p>
-        </p:txBody>
-      </p:sp>
-    </p:spTree>
-    <p:extLst>
-      <p:ext uri="{BB962C8B-B14F-4D97-AF65-F5344CB8AC3E}">
-        <p14:creationId xmlns:p14="http://schemas.microsoft.com/office/powerpoint/2010/main" val="3174679635"/>
-      </p:ext>
-    </p:extLst>
-  </p:cSld>
-  <p:clrMapOvr>
-    <a:masterClrMapping/>
-  </p:clrMapOvr>
-  <p:timing>
-    <p:tnLst>
-      <p:par>
-        <p:cTn id="1" dur="indefinite" restart="never" nodeType="tmRoot"/>
-      </p:par>
-    </p:tnLst>
-  </p:timing>
-</p:sld>
-</file>
-
-<file path=ppt/slides/slide47.xml><?xml version="1.0" encoding="utf-8"?>
-<p:sld xmlns:a="http://schemas.openxmlformats.org/drawingml/2006/main" xmlns:r="http://schemas.openxmlformats.org/officeDocument/2006/relationships" xmlns:p="http://schemas.openxmlformats.org/presentationml/2006/main">
-  <p:cSld>
-    <p:spTree>
-      <p:nvGrpSpPr>
-        <p:cNvPr id="1" name=""/>
-        <p:cNvGrpSpPr/>
-        <p:nvPr/>
-      </p:nvGrpSpPr>
-      <p:grpSpPr>
-        <a:xfrm>
-          <a:off x="0" y="0"/>
-          <a:ext cx="0" cy="0"/>
-          <a:chOff x="0" y="0"/>
-          <a:chExt cx="0" cy="0"/>
-        </a:xfrm>
-      </p:grpSpPr>
-      <p:sp>
-        <p:nvSpPr>
-          <p:cNvPr id="74754" name="Rectangle 2"/>
-          <p:cNvSpPr>
-            <a:spLocks noGrp="1" noChangeArrowheads="1"/>
-          </p:cNvSpPr>
-          <p:nvPr>
-            <p:ph type="title"/>
-          </p:nvPr>
-        </p:nvSpPr>
-        <p:spPr/>
-        <p:txBody>
-          <a:bodyPr/>
-          <a:lstStyle/>
-          <a:p>
-            <a:pPr eaLnBrk="1" hangingPunct="1"/>
-            <a:r>
-              <a:rPr lang="en-US" smtClean="0"/>
-              <a:t>Grade Conversion</a:t>
-            </a:r>
-          </a:p>
-        </p:txBody>
-      </p:sp>
-      <p:sp>
-        <p:nvSpPr>
-          <p:cNvPr id="314372" name="Rectangle 4"/>
-          <p:cNvSpPr>
-            <a:spLocks noGrp="1" noChangeArrowheads="1"/>
-          </p:cNvSpPr>
-          <p:nvPr>
-            <p:ph idx="1"/>
-          </p:nvPr>
-        </p:nvSpPr>
-        <p:spPr>
-          <a:xfrm>
-            <a:off x="685800" y="990600"/>
-            <a:ext cx="7924800" cy="5181600"/>
-          </a:xfrm>
-        </p:spPr>
-        <p:txBody>
-          <a:bodyPr/>
-          <a:lstStyle/>
-          <a:p>
-            <a:pPr eaLnBrk="1" hangingPunct="1">
-              <a:lnSpc>
-                <a:spcPct val="75000"/>
-              </a:lnSpc>
-              <a:spcBef>
-                <a:spcPct val="0"/>
-              </a:spcBef>
-              <a:buFont typeface="Wingdings" pitchFamily="2" charset="2"/>
-              <a:buNone/>
-            </a:pPr>
-            <a:r>
-              <a:rPr lang="en-US" sz="2000" b="1" dirty="0" smtClean="0">
-                <a:latin typeface="Courier New" charset="0"/>
-              </a:rPr>
-              <a:t>char</a:t>
-            </a:r>
-            <a:r>
-              <a:rPr lang="en-US" sz="2000" dirty="0" smtClean="0">
-                <a:latin typeface="Courier New" charset="0"/>
-              </a:rPr>
-              <a:t> </a:t>
-            </a:r>
-            <a:r>
-              <a:rPr lang="en-US" sz="2000" dirty="0" err="1" smtClean="0">
-                <a:latin typeface="Courier New" charset="0"/>
-              </a:rPr>
-              <a:t>letterGrade</a:t>
-            </a:r>
-            <a:r>
-              <a:rPr lang="en-US" sz="2000" dirty="0" smtClean="0">
-                <a:latin typeface="Courier New" charset="0"/>
-              </a:rPr>
-              <a:t>;</a:t>
-            </a:r>
-            <a:endParaRPr lang="en-US" sz="2000" b="1" dirty="0" smtClean="0">
-              <a:latin typeface="Courier New" charset="0"/>
-            </a:endParaRPr>
-          </a:p>
-          <a:p>
-            <a:pPr eaLnBrk="1" hangingPunct="1">
-              <a:lnSpc>
-                <a:spcPct val="75000"/>
-              </a:lnSpc>
-              <a:spcBef>
-                <a:spcPct val="0"/>
-              </a:spcBef>
-              <a:buFont typeface="Wingdings" pitchFamily="2" charset="2"/>
-              <a:buNone/>
-            </a:pPr>
-            <a:r>
-              <a:rPr lang="en-US" sz="2000" b="1" dirty="0" smtClean="0">
-                <a:latin typeface="Courier New" charset="0"/>
-              </a:rPr>
-              <a:t>if</a:t>
-            </a:r>
-            <a:r>
-              <a:rPr lang="en-US" sz="2000" dirty="0" smtClean="0">
-                <a:latin typeface="Courier New" charset="0"/>
-              </a:rPr>
-              <a:t> (grade &gt;= 90)      // 90 &lt;= grade</a:t>
-            </a:r>
-          </a:p>
-          <a:p>
-            <a:pPr eaLnBrk="1" hangingPunct="1">
-              <a:lnSpc>
-                <a:spcPct val="75000"/>
-              </a:lnSpc>
-              <a:spcBef>
-                <a:spcPct val="0"/>
-              </a:spcBef>
-              <a:buFont typeface="Wingdings" pitchFamily="2" charset="2"/>
-              <a:buNone/>
-            </a:pPr>
-            <a:r>
-              <a:rPr lang="en-US" sz="2000" dirty="0" smtClean="0">
-                <a:latin typeface="Courier New" charset="0"/>
-              </a:rPr>
-              <a:t>{</a:t>
-            </a:r>
-          </a:p>
-          <a:p>
-            <a:pPr eaLnBrk="1" hangingPunct="1">
-              <a:lnSpc>
-                <a:spcPct val="75000"/>
-              </a:lnSpc>
-              <a:spcBef>
-                <a:spcPct val="0"/>
-              </a:spcBef>
-              <a:buFont typeface="Wingdings" pitchFamily="2" charset="2"/>
-              <a:buNone/>
-            </a:pPr>
-            <a:r>
-              <a:rPr lang="en-US" sz="2000" dirty="0" smtClean="0">
-                <a:latin typeface="Courier New" charset="0"/>
-              </a:rPr>
-              <a:t>  </a:t>
-            </a:r>
-            <a:r>
-              <a:rPr lang="en-US" sz="2000" dirty="0" err="1" smtClean="0">
-                <a:latin typeface="Courier New" charset="0"/>
-              </a:rPr>
-              <a:t>letterGrade</a:t>
-            </a:r>
-            <a:r>
-              <a:rPr lang="en-US" sz="2000" dirty="0" smtClean="0">
-                <a:latin typeface="Courier New" charset="0"/>
-              </a:rPr>
-              <a:t> = ‘A’;</a:t>
-            </a:r>
-          </a:p>
-          <a:p>
-            <a:pPr eaLnBrk="1" hangingPunct="1">
-              <a:lnSpc>
-                <a:spcPct val="75000"/>
-              </a:lnSpc>
-              <a:spcBef>
-                <a:spcPct val="0"/>
-              </a:spcBef>
-              <a:buFont typeface="Wingdings" pitchFamily="2" charset="2"/>
-              <a:buNone/>
-            </a:pPr>
-            <a:r>
-              <a:rPr lang="en-US" sz="2000" dirty="0" smtClean="0">
-                <a:latin typeface="Courier New" charset="0"/>
-              </a:rPr>
-              <a:t>}</a:t>
-            </a:r>
-          </a:p>
-          <a:p>
-            <a:pPr eaLnBrk="1" hangingPunct="1">
-              <a:lnSpc>
-                <a:spcPct val="75000"/>
-              </a:lnSpc>
-              <a:spcBef>
-                <a:spcPct val="0"/>
-              </a:spcBef>
-              <a:buFont typeface="Wingdings" pitchFamily="2" charset="2"/>
-              <a:buNone/>
-            </a:pPr>
-            <a:r>
-              <a:rPr lang="en-US" sz="2000" b="1" dirty="0" smtClean="0">
-                <a:latin typeface="Courier New" charset="0"/>
-              </a:rPr>
-              <a:t>else if</a:t>
-            </a:r>
-            <a:r>
-              <a:rPr lang="en-US" sz="2000" dirty="0" smtClean="0">
-                <a:latin typeface="Courier New" charset="0"/>
-              </a:rPr>
-              <a:t> (grade &gt;= 80) // 80 &lt;= grade &lt; 90</a:t>
-            </a:r>
-            <a:endParaRPr lang="en-US" sz="2000" b="1" dirty="0" smtClean="0">
-              <a:latin typeface="Courier New" charset="0"/>
-            </a:endParaRPr>
-          </a:p>
-          <a:p>
-            <a:pPr eaLnBrk="1" hangingPunct="1">
-              <a:lnSpc>
-                <a:spcPct val="75000"/>
-              </a:lnSpc>
-              <a:spcBef>
-                <a:spcPct val="0"/>
-              </a:spcBef>
-              <a:buFont typeface="Wingdings" pitchFamily="2" charset="2"/>
-              <a:buNone/>
-            </a:pPr>
-            <a:r>
-              <a:rPr lang="en-US" sz="2000" dirty="0" smtClean="0">
-                <a:latin typeface="Courier New" charset="0"/>
-              </a:rPr>
-              <a:t>{</a:t>
-            </a:r>
-          </a:p>
-          <a:p>
-            <a:pPr eaLnBrk="1" hangingPunct="1">
-              <a:lnSpc>
-                <a:spcPct val="75000"/>
-              </a:lnSpc>
-              <a:spcBef>
-                <a:spcPct val="0"/>
-              </a:spcBef>
-              <a:buFont typeface="Wingdings" pitchFamily="2" charset="2"/>
-              <a:buNone/>
-            </a:pPr>
-            <a:r>
-              <a:rPr lang="en-US" sz="2000" dirty="0" smtClean="0">
-                <a:latin typeface="Courier New" charset="0"/>
-              </a:rPr>
-              <a:t>  </a:t>
-            </a:r>
-            <a:r>
-              <a:rPr lang="en-US" sz="2000" dirty="0" err="1" smtClean="0">
-                <a:latin typeface="Courier New" charset="0"/>
-              </a:rPr>
-              <a:t>letterGrade</a:t>
-            </a:r>
-            <a:r>
-              <a:rPr lang="en-US" sz="2000" dirty="0" smtClean="0">
-                <a:latin typeface="Courier New" charset="0"/>
-              </a:rPr>
-              <a:t> = ‘B’;</a:t>
-            </a:r>
-          </a:p>
-          <a:p>
-            <a:pPr eaLnBrk="1" hangingPunct="1">
-              <a:lnSpc>
-                <a:spcPct val="75000"/>
-              </a:lnSpc>
-              <a:spcBef>
-                <a:spcPct val="0"/>
-              </a:spcBef>
-              <a:buFont typeface="Wingdings" pitchFamily="2" charset="2"/>
-              <a:buNone/>
-            </a:pPr>
-            <a:r>
-              <a:rPr lang="en-US" sz="2000" dirty="0" smtClean="0">
-                <a:latin typeface="Courier New" charset="0"/>
-              </a:rPr>
-              <a:t>}</a:t>
-            </a:r>
-          </a:p>
-          <a:p>
-            <a:pPr eaLnBrk="1" hangingPunct="1">
-              <a:lnSpc>
-                <a:spcPct val="75000"/>
-              </a:lnSpc>
-              <a:spcBef>
-                <a:spcPct val="0"/>
-              </a:spcBef>
-              <a:buFont typeface="Wingdings" pitchFamily="2" charset="2"/>
-              <a:buNone/>
-            </a:pPr>
-            <a:r>
-              <a:rPr lang="en-US" sz="2000" b="1" dirty="0" smtClean="0">
-                <a:latin typeface="Courier New" charset="0"/>
-              </a:rPr>
-              <a:t>else if</a:t>
-            </a:r>
-            <a:r>
-              <a:rPr lang="en-US" sz="2000" dirty="0" smtClean="0">
-                <a:latin typeface="Courier New" charset="0"/>
-              </a:rPr>
-              <a:t> (grade &gt;= 70) // 70 &lt;= grade &lt; 80</a:t>
-            </a:r>
-            <a:endParaRPr lang="en-US" sz="2000" b="1" dirty="0" smtClean="0">
-              <a:latin typeface="Courier New" charset="0"/>
-            </a:endParaRPr>
-          </a:p>
-          <a:p>
-            <a:pPr eaLnBrk="1" hangingPunct="1">
-              <a:lnSpc>
-                <a:spcPct val="75000"/>
-              </a:lnSpc>
-              <a:spcBef>
-                <a:spcPct val="0"/>
-              </a:spcBef>
-              <a:buFont typeface="Wingdings" pitchFamily="2" charset="2"/>
-              <a:buNone/>
-            </a:pPr>
-            <a:r>
-              <a:rPr lang="en-US" sz="2000" dirty="0" smtClean="0">
-                <a:latin typeface="Courier New" charset="0"/>
-              </a:rPr>
-              <a:t>{</a:t>
-            </a:r>
-          </a:p>
-          <a:p>
-            <a:pPr eaLnBrk="1" hangingPunct="1">
-              <a:lnSpc>
-                <a:spcPct val="75000"/>
-              </a:lnSpc>
-              <a:spcBef>
-                <a:spcPct val="0"/>
-              </a:spcBef>
-              <a:buFont typeface="Wingdings" pitchFamily="2" charset="2"/>
-              <a:buNone/>
-            </a:pPr>
-            <a:r>
-              <a:rPr lang="en-US" sz="2000" dirty="0" smtClean="0">
-                <a:latin typeface="Courier New" charset="0"/>
-              </a:rPr>
-              <a:t>  </a:t>
-            </a:r>
-            <a:r>
-              <a:rPr lang="en-US" sz="2000" dirty="0" err="1" smtClean="0">
-                <a:latin typeface="Courier New" charset="0"/>
-              </a:rPr>
-              <a:t>letterGrade</a:t>
-            </a:r>
-            <a:r>
-              <a:rPr lang="en-US" sz="2000" dirty="0" smtClean="0">
-                <a:latin typeface="Courier New" charset="0"/>
-              </a:rPr>
-              <a:t> = ‘C’;</a:t>
-            </a:r>
-          </a:p>
-          <a:p>
-            <a:pPr eaLnBrk="1" hangingPunct="1">
-              <a:lnSpc>
-                <a:spcPct val="75000"/>
-              </a:lnSpc>
-              <a:spcBef>
-                <a:spcPct val="0"/>
-              </a:spcBef>
-              <a:buFont typeface="Wingdings" pitchFamily="2" charset="2"/>
-              <a:buNone/>
-            </a:pPr>
-            <a:r>
-              <a:rPr lang="en-US" sz="2000" dirty="0" smtClean="0">
-                <a:latin typeface="Courier New" charset="0"/>
-              </a:rPr>
-              <a:t>}</a:t>
-            </a:r>
-          </a:p>
-          <a:p>
-            <a:pPr eaLnBrk="1" hangingPunct="1">
-              <a:lnSpc>
-                <a:spcPct val="75000"/>
-              </a:lnSpc>
-              <a:spcBef>
-                <a:spcPct val="0"/>
-              </a:spcBef>
-              <a:buFont typeface="Wingdings" pitchFamily="2" charset="2"/>
-              <a:buNone/>
-            </a:pPr>
-            <a:r>
-              <a:rPr lang="en-US" sz="2000" b="1" dirty="0" smtClean="0">
-                <a:latin typeface="Courier New" charset="0"/>
-              </a:rPr>
-              <a:t>else if</a:t>
-            </a:r>
-            <a:r>
-              <a:rPr lang="en-US" sz="2000" dirty="0" smtClean="0">
-                <a:latin typeface="Courier New" charset="0"/>
-              </a:rPr>
-              <a:t> (grade &gt;= 60) // 60 &lt;= grade &lt; 70</a:t>
-            </a:r>
-            <a:endParaRPr lang="en-US" sz="2000" b="1" dirty="0" smtClean="0">
-              <a:latin typeface="Courier New" charset="0"/>
-            </a:endParaRPr>
-          </a:p>
-          <a:p>
-            <a:pPr eaLnBrk="1" hangingPunct="1">
-              <a:lnSpc>
-                <a:spcPct val="75000"/>
-              </a:lnSpc>
-              <a:spcBef>
-                <a:spcPct val="0"/>
-              </a:spcBef>
-              <a:buFont typeface="Wingdings" pitchFamily="2" charset="2"/>
-              <a:buNone/>
-            </a:pPr>
-            <a:r>
-              <a:rPr lang="en-US" sz="2000" dirty="0" smtClean="0">
-                <a:latin typeface="Courier New" charset="0"/>
-              </a:rPr>
-              <a:t>{</a:t>
-            </a:r>
-          </a:p>
-          <a:p>
-            <a:pPr eaLnBrk="1" hangingPunct="1">
-              <a:lnSpc>
-                <a:spcPct val="75000"/>
-              </a:lnSpc>
-              <a:spcBef>
-                <a:spcPct val="0"/>
-              </a:spcBef>
-              <a:buFont typeface="Wingdings" pitchFamily="2" charset="2"/>
-              <a:buNone/>
-            </a:pPr>
-            <a:r>
-              <a:rPr lang="en-US" sz="2000" dirty="0" smtClean="0">
-                <a:latin typeface="Courier New" charset="0"/>
-              </a:rPr>
-              <a:t>  </a:t>
-            </a:r>
-            <a:r>
-              <a:rPr lang="en-US" sz="2000" dirty="0" err="1" smtClean="0">
-                <a:latin typeface="Courier New" charset="0"/>
-              </a:rPr>
-              <a:t>letterGrade</a:t>
-            </a:r>
-            <a:r>
-              <a:rPr lang="en-US" sz="2000" dirty="0" smtClean="0">
-                <a:latin typeface="Courier New" charset="0"/>
-              </a:rPr>
-              <a:t> = ‘D’;</a:t>
-            </a:r>
-          </a:p>
-          <a:p>
-            <a:pPr eaLnBrk="1" hangingPunct="1">
-              <a:lnSpc>
-                <a:spcPct val="75000"/>
-              </a:lnSpc>
-              <a:spcBef>
-                <a:spcPct val="0"/>
-              </a:spcBef>
-              <a:buFont typeface="Wingdings" pitchFamily="2" charset="2"/>
-              <a:buNone/>
-            </a:pPr>
-            <a:r>
-              <a:rPr lang="en-US" sz="2000" dirty="0" smtClean="0">
-                <a:latin typeface="Courier New" charset="0"/>
-              </a:rPr>
-              <a:t>}</a:t>
-            </a:r>
-          </a:p>
-          <a:p>
-            <a:pPr eaLnBrk="1" hangingPunct="1">
-              <a:lnSpc>
-                <a:spcPct val="75000"/>
-              </a:lnSpc>
-              <a:spcBef>
-                <a:spcPct val="0"/>
-              </a:spcBef>
-              <a:buFont typeface="Wingdings" pitchFamily="2" charset="2"/>
-              <a:buNone/>
-            </a:pPr>
-            <a:r>
-              <a:rPr lang="en-US" sz="2000" b="1" dirty="0" smtClean="0">
-                <a:latin typeface="Courier New" charset="0"/>
-              </a:rPr>
-              <a:t>else</a:t>
-            </a:r>
-            <a:r>
-              <a:rPr lang="en-US" sz="2000" dirty="0" smtClean="0">
-                <a:latin typeface="Courier New" charset="0"/>
-              </a:rPr>
-              <a:t>                  // grade &lt; 60</a:t>
-            </a:r>
-            <a:endParaRPr lang="en-US" sz="2000" b="1" dirty="0" smtClean="0">
-              <a:latin typeface="Courier New" charset="0"/>
-            </a:endParaRPr>
-          </a:p>
-          <a:p>
-            <a:pPr eaLnBrk="1" hangingPunct="1">
-              <a:lnSpc>
-                <a:spcPct val="75000"/>
-              </a:lnSpc>
-              <a:spcBef>
-                <a:spcPct val="0"/>
-              </a:spcBef>
-              <a:buFont typeface="Wingdings" pitchFamily="2" charset="2"/>
-              <a:buNone/>
-            </a:pPr>
-            <a:r>
-              <a:rPr lang="en-US" sz="2000" dirty="0" smtClean="0">
-                <a:latin typeface="Courier New" charset="0"/>
-              </a:rPr>
-              <a:t>{</a:t>
-            </a:r>
-          </a:p>
-          <a:p>
-            <a:pPr eaLnBrk="1" hangingPunct="1">
-              <a:lnSpc>
-                <a:spcPct val="75000"/>
-              </a:lnSpc>
-              <a:spcBef>
-                <a:spcPct val="0"/>
-              </a:spcBef>
-              <a:buFont typeface="Wingdings" pitchFamily="2" charset="2"/>
-              <a:buNone/>
-            </a:pPr>
-            <a:r>
-              <a:rPr lang="en-US" sz="2000" dirty="0" smtClean="0">
-                <a:latin typeface="Courier New" charset="0"/>
-              </a:rPr>
-              <a:t>  </a:t>
-            </a:r>
-            <a:r>
-              <a:rPr lang="en-US" sz="2000" dirty="0" err="1" smtClean="0">
-                <a:latin typeface="Courier New" charset="0"/>
-              </a:rPr>
-              <a:t>letterGrade</a:t>
-            </a:r>
-            <a:r>
-              <a:rPr lang="en-US" sz="2000" dirty="0" smtClean="0">
-                <a:latin typeface="Courier New" charset="0"/>
-              </a:rPr>
-              <a:t> = ‘E’;</a:t>
-            </a:r>
-          </a:p>
-          <a:p>
-            <a:pPr eaLnBrk="1" hangingPunct="1">
-              <a:lnSpc>
-                <a:spcPct val="75000"/>
-              </a:lnSpc>
-              <a:spcBef>
-                <a:spcPct val="0"/>
-              </a:spcBef>
-              <a:buFont typeface="Wingdings" pitchFamily="2" charset="2"/>
-              <a:buNone/>
-            </a:pPr>
-            <a:r>
-              <a:rPr lang="en-US" sz="2000" dirty="0" smtClean="0">
-                <a:latin typeface="Courier New" charset="0"/>
-              </a:rPr>
-              <a:t>}</a:t>
-            </a:r>
-          </a:p>
-          <a:p>
-            <a:pPr eaLnBrk="1" hangingPunct="1">
-              <a:lnSpc>
-                <a:spcPct val="75000"/>
-              </a:lnSpc>
-              <a:spcBef>
-                <a:spcPct val="0"/>
-              </a:spcBef>
-              <a:buFont typeface="Wingdings" pitchFamily="2" charset="2"/>
-              <a:buNone/>
-            </a:pPr>
-            <a:r>
-              <a:rPr lang="en-US" sz="2000" dirty="0" err="1" smtClean="0">
-                <a:latin typeface="Courier New" charset="0"/>
-              </a:rPr>
-              <a:t>System.out.println</a:t>
-            </a:r>
-            <a:r>
-              <a:rPr lang="en-US" sz="2000" dirty="0" smtClean="0">
-                <a:latin typeface="Courier New" charset="0"/>
-              </a:rPr>
-              <a:t>(</a:t>
-            </a:r>
-            <a:r>
-              <a:rPr lang="en-US" sz="2000" dirty="0" err="1" smtClean="0">
-                <a:latin typeface="Courier New" charset="0"/>
-              </a:rPr>
-              <a:t>letterGrade</a:t>
-            </a:r>
-            <a:r>
-              <a:rPr lang="en-US" sz="2000" dirty="0" smtClean="0">
-                <a:latin typeface="Courier New" charset="0"/>
-              </a:rPr>
-              <a:t>);</a:t>
-            </a:r>
-          </a:p>
-        </p:txBody>
-      </p:sp>
-      <p:sp>
-        <p:nvSpPr>
-          <p:cNvPr id="6" name="Slide Number Placeholder 5"/>
-          <p:cNvSpPr>
-            <a:spLocks noGrp="1"/>
-          </p:cNvSpPr>
-          <p:nvPr>
-            <p:ph type="sldNum" sz="quarter" idx="12"/>
-          </p:nvPr>
-        </p:nvSpPr>
-        <p:spPr/>
-        <p:txBody>
-          <a:bodyPr/>
-          <a:lstStyle>
-            <a:lvl1pPr eaLnBrk="0" hangingPunct="0">
-              <a:defRPr sz="2000" b="1">
-                <a:solidFill>
-                  <a:schemeClr val="tx1"/>
-                </a:solidFill>
-                <a:latin typeface="Courier New" charset="0"/>
-              </a:defRPr>
-            </a:lvl1pPr>
-            <a:lvl2pPr marL="742950" indent="-285750" eaLnBrk="0" hangingPunct="0">
-              <a:defRPr sz="2000" b="1">
-                <a:solidFill>
-                  <a:schemeClr val="tx1"/>
-                </a:solidFill>
-                <a:latin typeface="Courier New" charset="0"/>
-              </a:defRPr>
-            </a:lvl2pPr>
-            <a:lvl3pPr marL="1143000" indent="-228600" eaLnBrk="0" hangingPunct="0">
-              <a:defRPr sz="2000" b="1">
-                <a:solidFill>
-                  <a:schemeClr val="tx1"/>
-                </a:solidFill>
-                <a:latin typeface="Courier New" charset="0"/>
-              </a:defRPr>
-            </a:lvl3pPr>
-            <a:lvl4pPr marL="1600200" indent="-228600" eaLnBrk="0" hangingPunct="0">
-              <a:defRPr sz="2000" b="1">
-                <a:solidFill>
-                  <a:schemeClr val="tx1"/>
-                </a:solidFill>
-                <a:latin typeface="Courier New" charset="0"/>
-              </a:defRPr>
-            </a:lvl4pPr>
-            <a:lvl5pPr marL="2057400" indent="-228600" eaLnBrk="0" hangingPunct="0">
-              <a:defRPr sz="2000" b="1">
-                <a:solidFill>
-                  <a:schemeClr val="tx1"/>
-                </a:solidFill>
-                <a:latin typeface="Courier New" charset="0"/>
-              </a:defRPr>
-            </a:lvl5pPr>
-            <a:lvl6pPr marL="2514600" indent="-228600" eaLnBrk="0" fontAlgn="base" hangingPunct="0">
-              <a:spcBef>
-                <a:spcPct val="0"/>
-              </a:spcBef>
-              <a:spcAft>
-                <a:spcPct val="0"/>
-              </a:spcAft>
-              <a:buClr>
-                <a:schemeClr val="tx2"/>
-              </a:buClr>
-              <a:buSzPct val="115000"/>
-              <a:buFont typeface="Wingdings" pitchFamily="2" charset="2"/>
-              <a:defRPr sz="2000" b="1">
-                <a:solidFill>
-                  <a:schemeClr val="tx1"/>
-                </a:solidFill>
-                <a:latin typeface="Courier New" charset="0"/>
-              </a:defRPr>
-            </a:lvl6pPr>
-            <a:lvl7pPr marL="2971800" indent="-228600" eaLnBrk="0" fontAlgn="base" hangingPunct="0">
-              <a:spcBef>
-                <a:spcPct val="0"/>
-              </a:spcBef>
-              <a:spcAft>
-                <a:spcPct val="0"/>
-              </a:spcAft>
-              <a:buClr>
-                <a:schemeClr val="tx2"/>
-              </a:buClr>
-              <a:buSzPct val="115000"/>
-              <a:buFont typeface="Wingdings" pitchFamily="2" charset="2"/>
-              <a:defRPr sz="2000" b="1">
-                <a:solidFill>
-                  <a:schemeClr val="tx1"/>
-                </a:solidFill>
-                <a:latin typeface="Courier New" charset="0"/>
-              </a:defRPr>
-            </a:lvl7pPr>
-            <a:lvl8pPr marL="3429000" indent="-228600" eaLnBrk="0" fontAlgn="base" hangingPunct="0">
-              <a:spcBef>
-                <a:spcPct val="0"/>
-              </a:spcBef>
-              <a:spcAft>
-                <a:spcPct val="0"/>
-              </a:spcAft>
-              <a:buClr>
-                <a:schemeClr val="tx2"/>
-              </a:buClr>
-              <a:buSzPct val="115000"/>
-              <a:buFont typeface="Wingdings" pitchFamily="2" charset="2"/>
-              <a:defRPr sz="2000" b="1">
-                <a:solidFill>
-                  <a:schemeClr val="tx1"/>
-                </a:solidFill>
-                <a:latin typeface="Courier New" charset="0"/>
-              </a:defRPr>
-            </a:lvl8pPr>
-            <a:lvl9pPr marL="3886200" indent="-228600" eaLnBrk="0" fontAlgn="base" hangingPunct="0">
-              <a:spcBef>
-                <a:spcPct val="0"/>
-              </a:spcBef>
-              <a:spcAft>
-                <a:spcPct val="0"/>
-              </a:spcAft>
-              <a:buClr>
-                <a:schemeClr val="tx2"/>
-              </a:buClr>
-              <a:buSzPct val="115000"/>
-              <a:buFont typeface="Wingdings" pitchFamily="2" charset="2"/>
-              <a:defRPr sz="2000" b="1">
-                <a:solidFill>
-                  <a:schemeClr val="tx1"/>
-                </a:solidFill>
-                <a:latin typeface="Courier New" charset="0"/>
-              </a:defRPr>
-            </a:lvl9pPr>
-          </a:lstStyle>
-          <a:p>
-            <a:pPr eaLnBrk="1" hangingPunct="1"/>
-            <a:fld id="{A8F5092F-44EE-4DBF-B845-5950CD60093B}" type="slidenum">
-              <a:rPr lang="en-US" sz="1200">
-                <a:solidFill>
-                  <a:srgbClr val="898989"/>
-                </a:solidFill>
-              </a:rPr>
-              <a:pPr eaLnBrk="1" hangingPunct="1"/>
-              <a:t>47</a:t>
-            </a:fld>
-            <a:endParaRPr lang="en-US" sz="1200">
-              <a:solidFill>
-                <a:srgbClr val="898989"/>
-              </a:solidFill>
-            </a:endParaRPr>
-          </a:p>
-        </p:txBody>
-      </p:sp>
-    </p:spTree>
-    <p:extLst>
-      <p:ext uri="{BB962C8B-B14F-4D97-AF65-F5344CB8AC3E}">
-        <p14:creationId xmlns:p14="http://schemas.microsoft.com/office/powerpoint/2010/main" val="213572577"/>
-      </p:ext>
-    </p:extLst>
-  </p:cSld>
-  <p:clrMapOvr>
-    <a:masterClrMapping/>
-  </p:clrMapOvr>
-  <p:timing>
-    <p:tnLst>
-      <p:par>
-        <p:cTn id="1" dur="indefinite" restart="never" nodeType="tmRoot"/>
-      </p:par>
-    </p:tnLst>
-  </p:timing>
-</p:sld>
-</file>
-
-<file path=ppt/slides/slide48.xml><?xml version="1.0" encoding="utf-8"?>
-<p:sld xmlns:a="http://schemas.openxmlformats.org/drawingml/2006/main" xmlns:r="http://schemas.openxmlformats.org/officeDocument/2006/relationships" xmlns:p="http://schemas.openxmlformats.org/presentationml/2006/main">
-  <p:cSld>
-    <p:spTree>
-      <p:nvGrpSpPr>
-        <p:cNvPr id="1" name=""/>
-        <p:cNvGrpSpPr/>
-        <p:nvPr/>
-      </p:nvGrpSpPr>
-      <p:grpSpPr>
-        <a:xfrm>
-          <a:off x="0" y="0"/>
-          <a:ext cx="0" cy="0"/>
-          <a:chOff x="0" y="0"/>
-          <a:chExt cx="0" cy="0"/>
-        </a:xfrm>
-      </p:grpSpPr>
-      <p:sp>
-        <p:nvSpPr>
-          <p:cNvPr id="75778" name="Rectangle 2"/>
-          <p:cNvSpPr>
-            <a:spLocks noGrp="1" noChangeArrowheads="1"/>
-          </p:cNvSpPr>
-          <p:nvPr>
-            <p:ph type="title"/>
-          </p:nvPr>
-        </p:nvSpPr>
-        <p:spPr/>
-        <p:txBody>
-          <a:bodyPr/>
-          <a:lstStyle/>
-          <a:p>
-            <a:pPr eaLnBrk="1" hangingPunct="1"/>
-            <a:r>
-              <a:rPr lang="en-US" smtClean="0"/>
-              <a:t>Your Turn, One More Time</a:t>
-            </a:r>
-          </a:p>
-        </p:txBody>
-      </p:sp>
-      <p:sp>
-        <p:nvSpPr>
-          <p:cNvPr id="316419" name="Rectangle 3"/>
-          <p:cNvSpPr>
-            <a:spLocks noGrp="1" noChangeArrowheads="1"/>
-          </p:cNvSpPr>
-          <p:nvPr>
-            <p:ph idx="1"/>
-          </p:nvPr>
-        </p:nvSpPr>
-        <p:spPr/>
-        <p:txBody>
-          <a:bodyPr/>
-          <a:lstStyle/>
-          <a:p>
-            <a:pPr eaLnBrk="1" hangingPunct="1"/>
-            <a:r>
-              <a:rPr lang="en-US" dirty="0" smtClean="0"/>
-              <a:t>Given a String, </a:t>
-            </a:r>
-            <a:r>
-              <a:rPr lang="en-US" i="1" dirty="0" smtClean="0"/>
-              <a:t>s</a:t>
-            </a:r>
-            <a:r>
-              <a:rPr lang="en-US" dirty="0" smtClean="0"/>
-              <a:t>, which is meant to hold a date in the </a:t>
-            </a:r>
-            <a:r>
-              <a:rPr lang="en-US" b="1" dirty="0" smtClean="0">
-                <a:latin typeface="Courier New" charset="0"/>
-              </a:rPr>
-              <a:t>mm/</a:t>
-            </a:r>
-            <a:r>
-              <a:rPr lang="en-US" b="1" dirty="0" err="1" smtClean="0">
-                <a:latin typeface="Courier New" charset="0"/>
-              </a:rPr>
-              <a:t>dd</a:t>
-            </a:r>
-            <a:r>
-              <a:rPr lang="en-US" b="1" dirty="0" smtClean="0">
-                <a:latin typeface="Courier New" charset="0"/>
-              </a:rPr>
-              <a:t>/</a:t>
-            </a:r>
-            <a:r>
-              <a:rPr lang="en-US" b="1" dirty="0" err="1" smtClean="0">
-                <a:latin typeface="Courier New" charset="0"/>
-              </a:rPr>
-              <a:t>yyyy</a:t>
-            </a:r>
-            <a:r>
-              <a:rPr lang="en-US" dirty="0" smtClean="0"/>
-              <a:t> format, check that it is in the correct format and print an error message if it is not.</a:t>
-            </a:r>
-          </a:p>
-          <a:p>
-            <a:pPr eaLnBrk="1" hangingPunct="1"/>
-            <a:r>
-              <a:rPr lang="en-US" b="1" dirty="0" err="1" smtClean="0"/>
-              <a:t>boolean</a:t>
-            </a:r>
-            <a:r>
-              <a:rPr lang="en-US" dirty="0" smtClean="0"/>
-              <a:t> </a:t>
-            </a:r>
-            <a:r>
-              <a:rPr lang="en-US" dirty="0" err="1" smtClean="0"/>
-              <a:t>Character.isDigit</a:t>
-            </a:r>
-            <a:r>
-              <a:rPr lang="en-US" dirty="0" smtClean="0"/>
-              <a:t>(</a:t>
-            </a:r>
-            <a:r>
-              <a:rPr lang="en-US" b="1" dirty="0" smtClean="0"/>
-              <a:t>char</a:t>
-            </a:r>
-            <a:r>
-              <a:rPr lang="en-US" dirty="0" smtClean="0"/>
-              <a:t> </a:t>
-            </a:r>
-            <a:r>
-              <a:rPr lang="en-US" dirty="0" err="1" smtClean="0"/>
-              <a:t>ch</a:t>
-            </a:r>
-            <a:r>
-              <a:rPr lang="en-US" dirty="0" smtClean="0"/>
-              <a:t>)</a:t>
-            </a:r>
-            <a:br>
-              <a:rPr lang="en-US" dirty="0" smtClean="0"/>
-            </a:br>
-            <a:r>
-              <a:rPr lang="en-US" dirty="0" smtClean="0"/>
-              <a:t>allows you to check if a given character, </a:t>
-            </a:r>
-            <a:r>
-              <a:rPr lang="en-US" i="1" dirty="0" err="1" smtClean="0"/>
-              <a:t>ch</a:t>
-            </a:r>
-            <a:r>
-              <a:rPr lang="en-US" dirty="0" smtClean="0"/>
-              <a:t>, is a digit (‘0’, ‘1’, ‘2’, ‘3’, ‘4’, ‘5’, ‘6’, ‘7’, ‘8’, ‘9’) or not.</a:t>
-            </a:r>
-          </a:p>
-        </p:txBody>
-      </p:sp>
-      <p:sp>
-        <p:nvSpPr>
-          <p:cNvPr id="6" name="Slide Number Placeholder 5"/>
-          <p:cNvSpPr>
-            <a:spLocks noGrp="1"/>
-          </p:cNvSpPr>
-          <p:nvPr>
-            <p:ph type="sldNum" sz="quarter" idx="12"/>
-          </p:nvPr>
-        </p:nvSpPr>
-        <p:spPr/>
-        <p:txBody>
-          <a:bodyPr/>
-          <a:lstStyle>
-            <a:lvl1pPr eaLnBrk="0" hangingPunct="0">
-              <a:defRPr sz="2000" b="1">
-                <a:solidFill>
-                  <a:schemeClr val="tx1"/>
-                </a:solidFill>
-                <a:latin typeface="Courier New" charset="0"/>
-              </a:defRPr>
-            </a:lvl1pPr>
-            <a:lvl2pPr marL="742950" indent="-285750" eaLnBrk="0" hangingPunct="0">
-              <a:defRPr sz="2000" b="1">
-                <a:solidFill>
-                  <a:schemeClr val="tx1"/>
-                </a:solidFill>
-                <a:latin typeface="Courier New" charset="0"/>
-              </a:defRPr>
-            </a:lvl2pPr>
-            <a:lvl3pPr marL="1143000" indent="-228600" eaLnBrk="0" hangingPunct="0">
-              <a:defRPr sz="2000" b="1">
-                <a:solidFill>
-                  <a:schemeClr val="tx1"/>
-                </a:solidFill>
-                <a:latin typeface="Courier New" charset="0"/>
-              </a:defRPr>
-            </a:lvl3pPr>
-            <a:lvl4pPr marL="1600200" indent="-228600" eaLnBrk="0" hangingPunct="0">
-              <a:defRPr sz="2000" b="1">
-                <a:solidFill>
-                  <a:schemeClr val="tx1"/>
-                </a:solidFill>
-                <a:latin typeface="Courier New" charset="0"/>
-              </a:defRPr>
-            </a:lvl4pPr>
-            <a:lvl5pPr marL="2057400" indent="-228600" eaLnBrk="0" hangingPunct="0">
-              <a:defRPr sz="2000" b="1">
-                <a:solidFill>
-                  <a:schemeClr val="tx1"/>
-                </a:solidFill>
-                <a:latin typeface="Courier New" charset="0"/>
-              </a:defRPr>
-            </a:lvl5pPr>
-            <a:lvl6pPr marL="2514600" indent="-228600" eaLnBrk="0" fontAlgn="base" hangingPunct="0">
-              <a:spcBef>
-                <a:spcPct val="0"/>
-              </a:spcBef>
-              <a:spcAft>
-                <a:spcPct val="0"/>
-              </a:spcAft>
-              <a:buClr>
-                <a:schemeClr val="tx2"/>
-              </a:buClr>
-              <a:buSzPct val="115000"/>
-              <a:buFont typeface="Wingdings" pitchFamily="2" charset="2"/>
-              <a:defRPr sz="2000" b="1">
-                <a:solidFill>
-                  <a:schemeClr val="tx1"/>
-                </a:solidFill>
-                <a:latin typeface="Courier New" charset="0"/>
-              </a:defRPr>
-            </a:lvl6pPr>
-            <a:lvl7pPr marL="2971800" indent="-228600" eaLnBrk="0" fontAlgn="base" hangingPunct="0">
-              <a:spcBef>
-                <a:spcPct val="0"/>
-              </a:spcBef>
-              <a:spcAft>
-                <a:spcPct val="0"/>
-              </a:spcAft>
-              <a:buClr>
-                <a:schemeClr val="tx2"/>
-              </a:buClr>
-              <a:buSzPct val="115000"/>
-              <a:buFont typeface="Wingdings" pitchFamily="2" charset="2"/>
-              <a:defRPr sz="2000" b="1">
-                <a:solidFill>
-                  <a:schemeClr val="tx1"/>
-                </a:solidFill>
-                <a:latin typeface="Courier New" charset="0"/>
-              </a:defRPr>
-            </a:lvl7pPr>
-            <a:lvl8pPr marL="3429000" indent="-228600" eaLnBrk="0" fontAlgn="base" hangingPunct="0">
-              <a:spcBef>
-                <a:spcPct val="0"/>
-              </a:spcBef>
-              <a:spcAft>
-                <a:spcPct val="0"/>
-              </a:spcAft>
-              <a:buClr>
-                <a:schemeClr val="tx2"/>
-              </a:buClr>
-              <a:buSzPct val="115000"/>
-              <a:buFont typeface="Wingdings" pitchFamily="2" charset="2"/>
-              <a:defRPr sz="2000" b="1">
-                <a:solidFill>
-                  <a:schemeClr val="tx1"/>
-                </a:solidFill>
-                <a:latin typeface="Courier New" charset="0"/>
-              </a:defRPr>
-            </a:lvl8pPr>
-            <a:lvl9pPr marL="3886200" indent="-228600" eaLnBrk="0" fontAlgn="base" hangingPunct="0">
-              <a:spcBef>
-                <a:spcPct val="0"/>
-              </a:spcBef>
-              <a:spcAft>
-                <a:spcPct val="0"/>
-              </a:spcAft>
-              <a:buClr>
-                <a:schemeClr val="tx2"/>
-              </a:buClr>
-              <a:buSzPct val="115000"/>
-              <a:buFont typeface="Wingdings" pitchFamily="2" charset="2"/>
-              <a:defRPr sz="2000" b="1">
-                <a:solidFill>
-                  <a:schemeClr val="tx1"/>
-                </a:solidFill>
-                <a:latin typeface="Courier New" charset="0"/>
-              </a:defRPr>
-            </a:lvl9pPr>
-          </a:lstStyle>
-          <a:p>
-            <a:pPr eaLnBrk="1" hangingPunct="1"/>
-            <a:fld id="{95B8FCC5-9B6F-4EEA-9713-8CA6176EEAEF}" type="slidenum">
-              <a:rPr lang="en-US" sz="1200">
-                <a:solidFill>
-                  <a:srgbClr val="898989"/>
-                </a:solidFill>
-              </a:rPr>
-              <a:pPr eaLnBrk="1" hangingPunct="1"/>
               <a:t>48</a:t>
             </a:fld>
             <a:endParaRPr lang="en-US" sz="1200">
@@ -48361,7 +47577,7 @@
     </p:spTree>
     <p:extLst>
       <p:ext uri="{BB962C8B-B14F-4D97-AF65-F5344CB8AC3E}">
-        <p14:creationId xmlns:p14="http://schemas.microsoft.com/office/powerpoint/2010/main" val="168495135"/>
+        <p14:creationId xmlns:p14="http://schemas.microsoft.com/office/powerpoint/2010/main" val="3174679635"/>
       </p:ext>
     </p:extLst>
   </p:cSld>
@@ -48397,7 +47613,7 @@
       </p:grpSpPr>
       <p:sp>
         <p:nvSpPr>
-          <p:cNvPr id="76802" name="Rectangle 4"/>
+          <p:cNvPr id="74754" name="Rectangle 2"/>
           <p:cNvSpPr>
             <a:spLocks noGrp="1" noChangeArrowheads="1"/>
           </p:cNvSpPr>
@@ -48413,14 +47629,572 @@
             <a:pPr eaLnBrk="1" hangingPunct="1"/>
             <a:r>
               <a:rPr lang="en-US" smtClean="0"/>
-              <a:t>Check Date Format</a:t>
+              <a:t>Grade Conversion</a:t>
             </a:r>
           </a:p>
         </p:txBody>
       </p:sp>
       <p:sp>
         <p:nvSpPr>
-          <p:cNvPr id="6" name="Slide Number Placeholder 4"/>
+          <p:cNvPr id="314372" name="Rectangle 4"/>
+          <p:cNvSpPr>
+            <a:spLocks noGrp="1" noChangeArrowheads="1"/>
+          </p:cNvSpPr>
+          <p:nvPr>
+            <p:ph idx="1"/>
+          </p:nvPr>
+        </p:nvSpPr>
+        <p:spPr>
+          <a:xfrm>
+            <a:off x="685800" y="990600"/>
+            <a:ext cx="7924800" cy="5181600"/>
+          </a:xfrm>
+        </p:spPr>
+        <p:txBody>
+          <a:bodyPr/>
+          <a:lstStyle/>
+          <a:p>
+            <a:pPr eaLnBrk="1" hangingPunct="1">
+              <a:lnSpc>
+                <a:spcPct val="75000"/>
+              </a:lnSpc>
+              <a:spcBef>
+                <a:spcPct val="0"/>
+              </a:spcBef>
+              <a:buFont typeface="Wingdings" pitchFamily="2" charset="2"/>
+              <a:buNone/>
+            </a:pPr>
+            <a:r>
+              <a:rPr lang="en-US" sz="2000" b="1" dirty="0" smtClean="0">
+                <a:latin typeface="Courier New" charset="0"/>
+              </a:rPr>
+              <a:t>char</a:t>
+            </a:r>
+            <a:r>
+              <a:rPr lang="en-US" sz="2000" dirty="0" smtClean="0">
+                <a:latin typeface="Courier New" charset="0"/>
+              </a:rPr>
+              <a:t> </a:t>
+            </a:r>
+            <a:r>
+              <a:rPr lang="en-US" sz="2000" dirty="0" err="1" smtClean="0">
+                <a:latin typeface="Courier New" charset="0"/>
+              </a:rPr>
+              <a:t>letterGrade</a:t>
+            </a:r>
+            <a:r>
+              <a:rPr lang="en-US" sz="2000" dirty="0" smtClean="0">
+                <a:latin typeface="Courier New" charset="0"/>
+              </a:rPr>
+              <a:t>;</a:t>
+            </a:r>
+            <a:endParaRPr lang="en-US" sz="2000" b="1" dirty="0" smtClean="0">
+              <a:latin typeface="Courier New" charset="0"/>
+            </a:endParaRPr>
+          </a:p>
+          <a:p>
+            <a:pPr eaLnBrk="1" hangingPunct="1">
+              <a:lnSpc>
+                <a:spcPct val="75000"/>
+              </a:lnSpc>
+              <a:spcBef>
+                <a:spcPct val="0"/>
+              </a:spcBef>
+              <a:buFont typeface="Wingdings" pitchFamily="2" charset="2"/>
+              <a:buNone/>
+            </a:pPr>
+            <a:r>
+              <a:rPr lang="en-US" sz="2000" b="1" dirty="0" smtClean="0">
+                <a:latin typeface="Courier New" charset="0"/>
+              </a:rPr>
+              <a:t>if</a:t>
+            </a:r>
+            <a:r>
+              <a:rPr lang="en-US" sz="2000" dirty="0" smtClean="0">
+                <a:latin typeface="Courier New" charset="0"/>
+              </a:rPr>
+              <a:t> (grade &gt;= 90)      // 90 &lt;= grade</a:t>
+            </a:r>
+          </a:p>
+          <a:p>
+            <a:pPr eaLnBrk="1" hangingPunct="1">
+              <a:lnSpc>
+                <a:spcPct val="75000"/>
+              </a:lnSpc>
+              <a:spcBef>
+                <a:spcPct val="0"/>
+              </a:spcBef>
+              <a:buFont typeface="Wingdings" pitchFamily="2" charset="2"/>
+              <a:buNone/>
+            </a:pPr>
+            <a:r>
+              <a:rPr lang="en-US" sz="2000" dirty="0" smtClean="0">
+                <a:latin typeface="Courier New" charset="0"/>
+              </a:rPr>
+              <a:t>{</a:t>
+            </a:r>
+          </a:p>
+          <a:p>
+            <a:pPr eaLnBrk="1" hangingPunct="1">
+              <a:lnSpc>
+                <a:spcPct val="75000"/>
+              </a:lnSpc>
+              <a:spcBef>
+                <a:spcPct val="0"/>
+              </a:spcBef>
+              <a:buFont typeface="Wingdings" pitchFamily="2" charset="2"/>
+              <a:buNone/>
+            </a:pPr>
+            <a:r>
+              <a:rPr lang="en-US" sz="2000" dirty="0" smtClean="0">
+                <a:latin typeface="Courier New" charset="0"/>
+              </a:rPr>
+              <a:t>  </a:t>
+            </a:r>
+            <a:r>
+              <a:rPr lang="en-US" sz="2000" dirty="0" err="1" smtClean="0">
+                <a:latin typeface="Courier New" charset="0"/>
+              </a:rPr>
+              <a:t>letterGrade</a:t>
+            </a:r>
+            <a:r>
+              <a:rPr lang="en-US" sz="2000" dirty="0" smtClean="0">
+                <a:latin typeface="Courier New" charset="0"/>
+              </a:rPr>
+              <a:t> = ‘A’;</a:t>
+            </a:r>
+          </a:p>
+          <a:p>
+            <a:pPr eaLnBrk="1" hangingPunct="1">
+              <a:lnSpc>
+                <a:spcPct val="75000"/>
+              </a:lnSpc>
+              <a:spcBef>
+                <a:spcPct val="0"/>
+              </a:spcBef>
+              <a:buFont typeface="Wingdings" pitchFamily="2" charset="2"/>
+              <a:buNone/>
+            </a:pPr>
+            <a:r>
+              <a:rPr lang="en-US" sz="2000" dirty="0" smtClean="0">
+                <a:latin typeface="Courier New" charset="0"/>
+              </a:rPr>
+              <a:t>}</a:t>
+            </a:r>
+          </a:p>
+          <a:p>
+            <a:pPr eaLnBrk="1" hangingPunct="1">
+              <a:lnSpc>
+                <a:spcPct val="75000"/>
+              </a:lnSpc>
+              <a:spcBef>
+                <a:spcPct val="0"/>
+              </a:spcBef>
+              <a:buFont typeface="Wingdings" pitchFamily="2" charset="2"/>
+              <a:buNone/>
+            </a:pPr>
+            <a:r>
+              <a:rPr lang="en-US" sz="2000" b="1" dirty="0" smtClean="0">
+                <a:latin typeface="Courier New" charset="0"/>
+              </a:rPr>
+              <a:t>else if</a:t>
+            </a:r>
+            <a:r>
+              <a:rPr lang="en-US" sz="2000" dirty="0" smtClean="0">
+                <a:latin typeface="Courier New" charset="0"/>
+              </a:rPr>
+              <a:t> (grade &gt;= 80) // 80 &lt;= grade &lt; 90</a:t>
+            </a:r>
+            <a:endParaRPr lang="en-US" sz="2000" b="1" dirty="0" smtClean="0">
+              <a:latin typeface="Courier New" charset="0"/>
+            </a:endParaRPr>
+          </a:p>
+          <a:p>
+            <a:pPr eaLnBrk="1" hangingPunct="1">
+              <a:lnSpc>
+                <a:spcPct val="75000"/>
+              </a:lnSpc>
+              <a:spcBef>
+                <a:spcPct val="0"/>
+              </a:spcBef>
+              <a:buFont typeface="Wingdings" pitchFamily="2" charset="2"/>
+              <a:buNone/>
+            </a:pPr>
+            <a:r>
+              <a:rPr lang="en-US" sz="2000" dirty="0" smtClean="0">
+                <a:latin typeface="Courier New" charset="0"/>
+              </a:rPr>
+              <a:t>{</a:t>
+            </a:r>
+          </a:p>
+          <a:p>
+            <a:pPr eaLnBrk="1" hangingPunct="1">
+              <a:lnSpc>
+                <a:spcPct val="75000"/>
+              </a:lnSpc>
+              <a:spcBef>
+                <a:spcPct val="0"/>
+              </a:spcBef>
+              <a:buFont typeface="Wingdings" pitchFamily="2" charset="2"/>
+              <a:buNone/>
+            </a:pPr>
+            <a:r>
+              <a:rPr lang="en-US" sz="2000" dirty="0" smtClean="0">
+                <a:latin typeface="Courier New" charset="0"/>
+              </a:rPr>
+              <a:t>  </a:t>
+            </a:r>
+            <a:r>
+              <a:rPr lang="en-US" sz="2000" dirty="0" err="1" smtClean="0">
+                <a:latin typeface="Courier New" charset="0"/>
+              </a:rPr>
+              <a:t>letterGrade</a:t>
+            </a:r>
+            <a:r>
+              <a:rPr lang="en-US" sz="2000" dirty="0" smtClean="0">
+                <a:latin typeface="Courier New" charset="0"/>
+              </a:rPr>
+              <a:t> = ‘B’;</a:t>
+            </a:r>
+          </a:p>
+          <a:p>
+            <a:pPr eaLnBrk="1" hangingPunct="1">
+              <a:lnSpc>
+                <a:spcPct val="75000"/>
+              </a:lnSpc>
+              <a:spcBef>
+                <a:spcPct val="0"/>
+              </a:spcBef>
+              <a:buFont typeface="Wingdings" pitchFamily="2" charset="2"/>
+              <a:buNone/>
+            </a:pPr>
+            <a:r>
+              <a:rPr lang="en-US" sz="2000" dirty="0" smtClean="0">
+                <a:latin typeface="Courier New" charset="0"/>
+              </a:rPr>
+              <a:t>}</a:t>
+            </a:r>
+          </a:p>
+          <a:p>
+            <a:pPr eaLnBrk="1" hangingPunct="1">
+              <a:lnSpc>
+                <a:spcPct val="75000"/>
+              </a:lnSpc>
+              <a:spcBef>
+                <a:spcPct val="0"/>
+              </a:spcBef>
+              <a:buFont typeface="Wingdings" pitchFamily="2" charset="2"/>
+              <a:buNone/>
+            </a:pPr>
+            <a:r>
+              <a:rPr lang="en-US" sz="2000" b="1" dirty="0" smtClean="0">
+                <a:latin typeface="Courier New" charset="0"/>
+              </a:rPr>
+              <a:t>else if</a:t>
+            </a:r>
+            <a:r>
+              <a:rPr lang="en-US" sz="2000" dirty="0" smtClean="0">
+                <a:latin typeface="Courier New" charset="0"/>
+              </a:rPr>
+              <a:t> (grade &gt;= 70) // 70 &lt;= grade &lt; 80</a:t>
+            </a:r>
+            <a:endParaRPr lang="en-US" sz="2000" b="1" dirty="0" smtClean="0">
+              <a:latin typeface="Courier New" charset="0"/>
+            </a:endParaRPr>
+          </a:p>
+          <a:p>
+            <a:pPr eaLnBrk="1" hangingPunct="1">
+              <a:lnSpc>
+                <a:spcPct val="75000"/>
+              </a:lnSpc>
+              <a:spcBef>
+                <a:spcPct val="0"/>
+              </a:spcBef>
+              <a:buFont typeface="Wingdings" pitchFamily="2" charset="2"/>
+              <a:buNone/>
+            </a:pPr>
+            <a:r>
+              <a:rPr lang="en-US" sz="2000" dirty="0" smtClean="0">
+                <a:latin typeface="Courier New" charset="0"/>
+              </a:rPr>
+              <a:t>{</a:t>
+            </a:r>
+          </a:p>
+          <a:p>
+            <a:pPr eaLnBrk="1" hangingPunct="1">
+              <a:lnSpc>
+                <a:spcPct val="75000"/>
+              </a:lnSpc>
+              <a:spcBef>
+                <a:spcPct val="0"/>
+              </a:spcBef>
+              <a:buFont typeface="Wingdings" pitchFamily="2" charset="2"/>
+              <a:buNone/>
+            </a:pPr>
+            <a:r>
+              <a:rPr lang="en-US" sz="2000" dirty="0" smtClean="0">
+                <a:latin typeface="Courier New" charset="0"/>
+              </a:rPr>
+              <a:t>  </a:t>
+            </a:r>
+            <a:r>
+              <a:rPr lang="en-US" sz="2000" dirty="0" err="1" smtClean="0">
+                <a:latin typeface="Courier New" charset="0"/>
+              </a:rPr>
+              <a:t>letterGrade</a:t>
+            </a:r>
+            <a:r>
+              <a:rPr lang="en-US" sz="2000" dirty="0" smtClean="0">
+                <a:latin typeface="Courier New" charset="0"/>
+              </a:rPr>
+              <a:t> = ‘C’;</a:t>
+            </a:r>
+          </a:p>
+          <a:p>
+            <a:pPr eaLnBrk="1" hangingPunct="1">
+              <a:lnSpc>
+                <a:spcPct val="75000"/>
+              </a:lnSpc>
+              <a:spcBef>
+                <a:spcPct val="0"/>
+              </a:spcBef>
+              <a:buFont typeface="Wingdings" pitchFamily="2" charset="2"/>
+              <a:buNone/>
+            </a:pPr>
+            <a:r>
+              <a:rPr lang="en-US" sz="2000" dirty="0" smtClean="0">
+                <a:latin typeface="Courier New" charset="0"/>
+              </a:rPr>
+              <a:t>}</a:t>
+            </a:r>
+          </a:p>
+          <a:p>
+            <a:pPr eaLnBrk="1" hangingPunct="1">
+              <a:lnSpc>
+                <a:spcPct val="75000"/>
+              </a:lnSpc>
+              <a:spcBef>
+                <a:spcPct val="0"/>
+              </a:spcBef>
+              <a:buFont typeface="Wingdings" pitchFamily="2" charset="2"/>
+              <a:buNone/>
+            </a:pPr>
+            <a:r>
+              <a:rPr lang="en-US" sz="2000" b="1" dirty="0" smtClean="0">
+                <a:latin typeface="Courier New" charset="0"/>
+              </a:rPr>
+              <a:t>else if</a:t>
+            </a:r>
+            <a:r>
+              <a:rPr lang="en-US" sz="2000" dirty="0" smtClean="0">
+                <a:latin typeface="Courier New" charset="0"/>
+              </a:rPr>
+              <a:t> (grade &gt;= 60) // 60 &lt;= grade &lt; 70</a:t>
+            </a:r>
+            <a:endParaRPr lang="en-US" sz="2000" b="1" dirty="0" smtClean="0">
+              <a:latin typeface="Courier New" charset="0"/>
+            </a:endParaRPr>
+          </a:p>
+          <a:p>
+            <a:pPr eaLnBrk="1" hangingPunct="1">
+              <a:lnSpc>
+                <a:spcPct val="75000"/>
+              </a:lnSpc>
+              <a:spcBef>
+                <a:spcPct val="0"/>
+              </a:spcBef>
+              <a:buFont typeface="Wingdings" pitchFamily="2" charset="2"/>
+              <a:buNone/>
+            </a:pPr>
+            <a:r>
+              <a:rPr lang="en-US" sz="2000" dirty="0" smtClean="0">
+                <a:latin typeface="Courier New" charset="0"/>
+              </a:rPr>
+              <a:t>{</a:t>
+            </a:r>
+          </a:p>
+          <a:p>
+            <a:pPr eaLnBrk="1" hangingPunct="1">
+              <a:lnSpc>
+                <a:spcPct val="75000"/>
+              </a:lnSpc>
+              <a:spcBef>
+                <a:spcPct val="0"/>
+              </a:spcBef>
+              <a:buFont typeface="Wingdings" pitchFamily="2" charset="2"/>
+              <a:buNone/>
+            </a:pPr>
+            <a:r>
+              <a:rPr lang="en-US" sz="2000" dirty="0" smtClean="0">
+                <a:latin typeface="Courier New" charset="0"/>
+              </a:rPr>
+              <a:t>  </a:t>
+            </a:r>
+            <a:r>
+              <a:rPr lang="en-US" sz="2000" dirty="0" err="1" smtClean="0">
+                <a:latin typeface="Courier New" charset="0"/>
+              </a:rPr>
+              <a:t>letterGrade</a:t>
+            </a:r>
+            <a:r>
+              <a:rPr lang="en-US" sz="2000" dirty="0" smtClean="0">
+                <a:latin typeface="Courier New" charset="0"/>
+              </a:rPr>
+              <a:t> = ‘D’;</a:t>
+            </a:r>
+          </a:p>
+          <a:p>
+            <a:pPr eaLnBrk="1" hangingPunct="1">
+              <a:lnSpc>
+                <a:spcPct val="75000"/>
+              </a:lnSpc>
+              <a:spcBef>
+                <a:spcPct val="0"/>
+              </a:spcBef>
+              <a:buFont typeface="Wingdings" pitchFamily="2" charset="2"/>
+              <a:buNone/>
+            </a:pPr>
+            <a:r>
+              <a:rPr lang="en-US" sz="2000" dirty="0" smtClean="0">
+                <a:latin typeface="Courier New" charset="0"/>
+              </a:rPr>
+              <a:t>}</a:t>
+            </a:r>
+          </a:p>
+          <a:p>
+            <a:pPr eaLnBrk="1" hangingPunct="1">
+              <a:lnSpc>
+                <a:spcPct val="75000"/>
+              </a:lnSpc>
+              <a:spcBef>
+                <a:spcPct val="0"/>
+              </a:spcBef>
+              <a:buFont typeface="Wingdings" pitchFamily="2" charset="2"/>
+              <a:buNone/>
+            </a:pPr>
+            <a:r>
+              <a:rPr lang="en-US" sz="2000" b="1" dirty="0" smtClean="0">
+                <a:latin typeface="Courier New" charset="0"/>
+              </a:rPr>
+              <a:t>else</a:t>
+            </a:r>
+            <a:r>
+              <a:rPr lang="en-US" sz="2000" dirty="0" smtClean="0">
+                <a:latin typeface="Courier New" charset="0"/>
+              </a:rPr>
+              <a:t>                  // grade &lt; 60</a:t>
+            </a:r>
+            <a:endParaRPr lang="en-US" sz="2000" b="1" dirty="0" smtClean="0">
+              <a:latin typeface="Courier New" charset="0"/>
+            </a:endParaRPr>
+          </a:p>
+          <a:p>
+            <a:pPr eaLnBrk="1" hangingPunct="1">
+              <a:lnSpc>
+                <a:spcPct val="75000"/>
+              </a:lnSpc>
+              <a:spcBef>
+                <a:spcPct val="0"/>
+              </a:spcBef>
+              <a:buFont typeface="Wingdings" pitchFamily="2" charset="2"/>
+              <a:buNone/>
+            </a:pPr>
+            <a:r>
+              <a:rPr lang="en-US" sz="2000" dirty="0" smtClean="0">
+                <a:latin typeface="Courier New" charset="0"/>
+              </a:rPr>
+              <a:t>{</a:t>
+            </a:r>
+          </a:p>
+          <a:p>
+            <a:pPr eaLnBrk="1" hangingPunct="1">
+              <a:lnSpc>
+                <a:spcPct val="75000"/>
+              </a:lnSpc>
+              <a:spcBef>
+                <a:spcPct val="0"/>
+              </a:spcBef>
+              <a:buFont typeface="Wingdings" pitchFamily="2" charset="2"/>
+              <a:buNone/>
+            </a:pPr>
+            <a:r>
+              <a:rPr lang="en-US" sz="2000" dirty="0" smtClean="0">
+                <a:latin typeface="Courier New" charset="0"/>
+              </a:rPr>
+              <a:t>  </a:t>
+            </a:r>
+            <a:r>
+              <a:rPr lang="en-US" sz="2000" dirty="0" err="1" smtClean="0">
+                <a:latin typeface="Courier New" charset="0"/>
+              </a:rPr>
+              <a:t>letterGrade</a:t>
+            </a:r>
+            <a:r>
+              <a:rPr lang="en-US" sz="2000" dirty="0" smtClean="0">
+                <a:latin typeface="Courier New" charset="0"/>
+              </a:rPr>
+              <a:t> = ‘E’;</a:t>
+            </a:r>
+          </a:p>
+          <a:p>
+            <a:pPr eaLnBrk="1" hangingPunct="1">
+              <a:lnSpc>
+                <a:spcPct val="75000"/>
+              </a:lnSpc>
+              <a:spcBef>
+                <a:spcPct val="0"/>
+              </a:spcBef>
+              <a:buFont typeface="Wingdings" pitchFamily="2" charset="2"/>
+              <a:buNone/>
+            </a:pPr>
+            <a:r>
+              <a:rPr lang="en-US" sz="2000" dirty="0" smtClean="0">
+                <a:latin typeface="Courier New" charset="0"/>
+              </a:rPr>
+              <a:t>}</a:t>
+            </a:r>
+          </a:p>
+          <a:p>
+            <a:pPr eaLnBrk="1" hangingPunct="1">
+              <a:lnSpc>
+                <a:spcPct val="75000"/>
+              </a:lnSpc>
+              <a:spcBef>
+                <a:spcPct val="0"/>
+              </a:spcBef>
+              <a:buFont typeface="Wingdings" pitchFamily="2" charset="2"/>
+              <a:buNone/>
+            </a:pPr>
+            <a:r>
+              <a:rPr lang="en-US" sz="2000" dirty="0" err="1" smtClean="0">
+                <a:latin typeface="Courier New" charset="0"/>
+              </a:rPr>
+              <a:t>System.out.println</a:t>
+            </a:r>
+            <a:r>
+              <a:rPr lang="en-US" sz="2000" dirty="0" smtClean="0">
+                <a:latin typeface="Courier New" charset="0"/>
+              </a:rPr>
+              <a:t>(</a:t>
+            </a:r>
+            <a:r>
+              <a:rPr lang="en-US" sz="2000" dirty="0" err="1" smtClean="0">
+                <a:latin typeface="Courier New" charset="0"/>
+              </a:rPr>
+              <a:t>letterGrade</a:t>
+            </a:r>
+            <a:r>
+              <a:rPr lang="en-US" sz="2000" dirty="0" smtClean="0">
+                <a:latin typeface="Courier New" charset="0"/>
+              </a:rPr>
+              <a:t>);</a:t>
+            </a:r>
+          </a:p>
+        </p:txBody>
+      </p:sp>
+      <p:sp>
+        <p:nvSpPr>
+          <p:cNvPr id="6" name="Slide Number Placeholder 5"/>
           <p:cNvSpPr>
             <a:spLocks noGrp="1"/>
           </p:cNvSpPr>
@@ -48551,7 +48325,7 @@
           </a:lstStyle>
           <a:p>
             <a:pPr eaLnBrk="1" hangingPunct="1"/>
-            <a:fld id="{E25A02E3-D948-4EE2-9897-33DF6EB66310}" type="slidenum">
+            <a:fld id="{A8F5092F-44EE-4DBF-B845-5950CD60093B}" type="slidenum">
               <a:rPr lang="en-US" sz="1200">
                 <a:solidFill>
                   <a:srgbClr val="898989"/>
@@ -48568,552 +48342,10 @@
           </a:p>
         </p:txBody>
       </p:sp>
-      <p:sp>
-        <p:nvSpPr>
-          <p:cNvPr id="318469" name="Rectangle 5"/>
-          <p:cNvSpPr>
-            <a:spLocks noChangeArrowheads="1"/>
-          </p:cNvSpPr>
-          <p:nvPr/>
-        </p:nvSpPr>
-        <p:spPr bwMode="auto">
-          <a:xfrm>
-            <a:off x="685800" y="1524000"/>
-            <a:ext cx="7924800" cy="4419600"/>
-          </a:xfrm>
-          <a:prstGeom prst="rect">
-            <a:avLst/>
-          </a:prstGeom>
-          <a:noFill/>
-          <a:ln w="9525">
-            <a:noFill/>
-            <a:miter lim="800000"/>
-            <a:headEnd/>
-            <a:tailEnd/>
-          </a:ln>
-          <a:effectLst/>
-        </p:spPr>
-        <p:txBody>
-          <a:bodyPr/>
-          <a:lstStyle/>
-          <a:p>
-            <a:pPr marL="342900" indent="-342900">
-              <a:lnSpc>
-                <a:spcPct val="80000"/>
-              </a:lnSpc>
-              <a:defRPr/>
-            </a:pPr>
-            <a:r>
-              <a:rPr lang="en-US" sz="2400" dirty="0">
-                <a:latin typeface="Courier New" pitchFamily="49" charset="0"/>
-                <a:cs typeface="Courier New" pitchFamily="49" charset="0"/>
-              </a:rPr>
-              <a:t>if</a:t>
-            </a:r>
-            <a:r>
-              <a:rPr lang="en-US" sz="2400" b="0" dirty="0">
-                <a:latin typeface="Courier New" pitchFamily="49" charset="0"/>
-                <a:cs typeface="Courier New" pitchFamily="49" charset="0"/>
-              </a:rPr>
-              <a:t> ((</a:t>
-            </a:r>
-            <a:r>
-              <a:rPr lang="en-US" sz="2400" b="0" dirty="0" err="1">
-                <a:latin typeface="Courier New" pitchFamily="49" charset="0"/>
-                <a:cs typeface="Courier New" pitchFamily="49" charset="0"/>
-              </a:rPr>
-              <a:t>s.length</a:t>
-            </a:r>
-            <a:r>
-              <a:rPr lang="en-US" sz="2400" b="0" dirty="0">
-                <a:latin typeface="Courier New" pitchFamily="49" charset="0"/>
-                <a:cs typeface="Courier New" pitchFamily="49" charset="0"/>
-              </a:rPr>
-              <a:t>() != 10) ||</a:t>
-            </a:r>
-          </a:p>
-          <a:p>
-            <a:pPr marL="342900" indent="-342900">
-              <a:lnSpc>
-                <a:spcPct val="80000"/>
-              </a:lnSpc>
-              <a:defRPr/>
-            </a:pPr>
-            <a:r>
-              <a:rPr lang="en-US" sz="2400" b="0" dirty="0">
-                <a:latin typeface="Courier New" pitchFamily="49" charset="0"/>
-                <a:cs typeface="Courier New" pitchFamily="49" charset="0"/>
-              </a:rPr>
-              <a:t>    !(</a:t>
-            </a:r>
-            <a:r>
-              <a:rPr lang="en-US" sz="2400" b="0" dirty="0" err="1">
-                <a:latin typeface="Courier New" pitchFamily="49" charset="0"/>
-                <a:cs typeface="Courier New" pitchFamily="49" charset="0"/>
-              </a:rPr>
-              <a:t>Character.isDigit</a:t>
-            </a:r>
-            <a:r>
-              <a:rPr lang="en-US" sz="2400" b="0" dirty="0">
-                <a:latin typeface="Courier New" pitchFamily="49" charset="0"/>
-                <a:cs typeface="Courier New" pitchFamily="49" charset="0"/>
-              </a:rPr>
-              <a:t>(</a:t>
-            </a:r>
-            <a:r>
-              <a:rPr lang="en-US" sz="2400" b="0" dirty="0" err="1">
-                <a:latin typeface="Courier New" pitchFamily="49" charset="0"/>
-                <a:cs typeface="Courier New" pitchFamily="49" charset="0"/>
-              </a:rPr>
-              <a:t>s.charAt</a:t>
-            </a:r>
-            <a:r>
-              <a:rPr lang="en-US" sz="2400" b="0" dirty="0">
-                <a:latin typeface="Courier New" pitchFamily="49" charset="0"/>
-                <a:cs typeface="Courier New" pitchFamily="49" charset="0"/>
-              </a:rPr>
-              <a:t>(0)) &amp;&amp;</a:t>
-            </a:r>
-          </a:p>
-          <a:p>
-            <a:pPr marL="342900" indent="-342900">
-              <a:lnSpc>
-                <a:spcPct val="80000"/>
-              </a:lnSpc>
-              <a:defRPr/>
-            </a:pPr>
-            <a:r>
-              <a:rPr lang="en-US" sz="2400" b="0" dirty="0">
-                <a:latin typeface="Courier New" pitchFamily="49" charset="0"/>
-                <a:cs typeface="Courier New" pitchFamily="49" charset="0"/>
-              </a:rPr>
-              <a:t>      </a:t>
-            </a:r>
-            <a:r>
-              <a:rPr lang="en-US" sz="2400" b="0" dirty="0" err="1">
-                <a:latin typeface="Courier New" pitchFamily="49" charset="0"/>
-                <a:cs typeface="Courier New" pitchFamily="49" charset="0"/>
-              </a:rPr>
-              <a:t>Character.isDigit</a:t>
-            </a:r>
-            <a:r>
-              <a:rPr lang="en-US" sz="2400" b="0" dirty="0">
-                <a:latin typeface="Courier New" pitchFamily="49" charset="0"/>
-                <a:cs typeface="Courier New" pitchFamily="49" charset="0"/>
-              </a:rPr>
-              <a:t>(</a:t>
-            </a:r>
-            <a:r>
-              <a:rPr lang="en-US" sz="2400" b="0" dirty="0" err="1">
-                <a:latin typeface="Courier New" pitchFamily="49" charset="0"/>
-                <a:cs typeface="Courier New" pitchFamily="49" charset="0"/>
-              </a:rPr>
-              <a:t>s.charAt</a:t>
-            </a:r>
-            <a:r>
-              <a:rPr lang="en-US" sz="2400" b="0" dirty="0">
-                <a:latin typeface="Courier New" pitchFamily="49" charset="0"/>
-                <a:cs typeface="Courier New" pitchFamily="49" charset="0"/>
-              </a:rPr>
-              <a:t>(1)) &amp;&amp;</a:t>
-            </a:r>
-          </a:p>
-          <a:p>
-            <a:pPr marL="342900" indent="-342900">
-              <a:lnSpc>
-                <a:spcPct val="80000"/>
-              </a:lnSpc>
-              <a:defRPr/>
-            </a:pPr>
-            <a:r>
-              <a:rPr lang="en-US" sz="2400" b="0" dirty="0">
-                <a:latin typeface="Courier New" pitchFamily="49" charset="0"/>
-                <a:cs typeface="Courier New" pitchFamily="49" charset="0"/>
-              </a:rPr>
-              <a:t>      (</a:t>
-            </a:r>
-            <a:r>
-              <a:rPr lang="en-US" sz="2400" b="0" dirty="0" err="1">
-                <a:latin typeface="Courier New" pitchFamily="49" charset="0"/>
-                <a:cs typeface="Courier New" pitchFamily="49" charset="0"/>
-              </a:rPr>
-              <a:t>s.charAt</a:t>
-            </a:r>
-            <a:r>
-              <a:rPr lang="en-US" sz="2400" b="0" dirty="0">
-                <a:latin typeface="Courier New" pitchFamily="49" charset="0"/>
-                <a:cs typeface="Courier New" pitchFamily="49" charset="0"/>
-              </a:rPr>
-              <a:t>(2) == ‘/’) &amp;&amp;</a:t>
-            </a:r>
-          </a:p>
-          <a:p>
-            <a:pPr marL="342900" indent="-342900">
-              <a:lnSpc>
-                <a:spcPct val="80000"/>
-              </a:lnSpc>
-              <a:defRPr/>
-            </a:pPr>
-            <a:r>
-              <a:rPr lang="en-US" sz="2400" b="0" dirty="0">
-                <a:latin typeface="Courier New" pitchFamily="49" charset="0"/>
-                <a:cs typeface="Courier New" pitchFamily="49" charset="0"/>
-              </a:rPr>
-              <a:t>      </a:t>
-            </a:r>
-            <a:r>
-              <a:rPr lang="en-US" sz="2400" b="0" dirty="0" err="1">
-                <a:latin typeface="Courier New" pitchFamily="49" charset="0"/>
-                <a:cs typeface="Courier New" pitchFamily="49" charset="0"/>
-              </a:rPr>
-              <a:t>Character.isDigit</a:t>
-            </a:r>
-            <a:r>
-              <a:rPr lang="en-US" sz="2400" b="0" dirty="0">
-                <a:latin typeface="Courier New" pitchFamily="49" charset="0"/>
-                <a:cs typeface="Courier New" pitchFamily="49" charset="0"/>
-              </a:rPr>
-              <a:t>(</a:t>
-            </a:r>
-            <a:r>
-              <a:rPr lang="en-US" sz="2400" b="0" dirty="0" err="1">
-                <a:latin typeface="Courier New" pitchFamily="49" charset="0"/>
-                <a:cs typeface="Courier New" pitchFamily="49" charset="0"/>
-              </a:rPr>
-              <a:t>s.charAt</a:t>
-            </a:r>
-            <a:r>
-              <a:rPr lang="en-US" sz="2400" b="0" dirty="0">
-                <a:latin typeface="Courier New" pitchFamily="49" charset="0"/>
-                <a:cs typeface="Courier New" pitchFamily="49" charset="0"/>
-              </a:rPr>
-              <a:t>(3)) &amp;&amp;</a:t>
-            </a:r>
-          </a:p>
-          <a:p>
-            <a:pPr marL="342900" indent="-342900">
-              <a:lnSpc>
-                <a:spcPct val="80000"/>
-              </a:lnSpc>
-              <a:defRPr/>
-            </a:pPr>
-            <a:r>
-              <a:rPr lang="en-US" sz="2400" b="0" dirty="0">
-                <a:latin typeface="Courier New" pitchFamily="49" charset="0"/>
-                <a:cs typeface="Courier New" pitchFamily="49" charset="0"/>
-              </a:rPr>
-              <a:t>      </a:t>
-            </a:r>
-            <a:r>
-              <a:rPr lang="en-US" sz="2400" b="0" dirty="0" err="1">
-                <a:latin typeface="Courier New" pitchFamily="49" charset="0"/>
-                <a:cs typeface="Courier New" pitchFamily="49" charset="0"/>
-              </a:rPr>
-              <a:t>Character.isDigit</a:t>
-            </a:r>
-            <a:r>
-              <a:rPr lang="en-US" sz="2400" b="0" dirty="0">
-                <a:latin typeface="Courier New" pitchFamily="49" charset="0"/>
-                <a:cs typeface="Courier New" pitchFamily="49" charset="0"/>
-              </a:rPr>
-              <a:t>(</a:t>
-            </a:r>
-            <a:r>
-              <a:rPr lang="en-US" sz="2400" b="0" dirty="0" err="1">
-                <a:latin typeface="Courier New" pitchFamily="49" charset="0"/>
-                <a:cs typeface="Courier New" pitchFamily="49" charset="0"/>
-              </a:rPr>
-              <a:t>s.charAt</a:t>
-            </a:r>
-            <a:r>
-              <a:rPr lang="en-US" sz="2400" b="0" dirty="0">
-                <a:latin typeface="Courier New" pitchFamily="49" charset="0"/>
-                <a:cs typeface="Courier New" pitchFamily="49" charset="0"/>
-              </a:rPr>
-              <a:t>(4)) &amp;&amp;</a:t>
-            </a:r>
-          </a:p>
-          <a:p>
-            <a:pPr marL="342900" indent="-342900">
-              <a:lnSpc>
-                <a:spcPct val="80000"/>
-              </a:lnSpc>
-              <a:defRPr/>
-            </a:pPr>
-            <a:r>
-              <a:rPr lang="en-US" sz="2400" b="0" dirty="0">
-                <a:latin typeface="Courier New" pitchFamily="49" charset="0"/>
-                <a:cs typeface="Courier New" pitchFamily="49" charset="0"/>
-              </a:rPr>
-              <a:t>      (</a:t>
-            </a:r>
-            <a:r>
-              <a:rPr lang="en-US" sz="2400" b="0" dirty="0" err="1">
-                <a:latin typeface="Courier New" pitchFamily="49" charset="0"/>
-                <a:cs typeface="Courier New" pitchFamily="49" charset="0"/>
-              </a:rPr>
-              <a:t>s.charAt</a:t>
-            </a:r>
-            <a:r>
-              <a:rPr lang="en-US" sz="2400" b="0" dirty="0">
-                <a:latin typeface="Courier New" pitchFamily="49" charset="0"/>
-                <a:cs typeface="Courier New" pitchFamily="49" charset="0"/>
-              </a:rPr>
-              <a:t>(5) == ‘/’) &amp;&amp;</a:t>
-            </a:r>
-          </a:p>
-          <a:p>
-            <a:pPr marL="342900" indent="-342900">
-              <a:lnSpc>
-                <a:spcPct val="80000"/>
-              </a:lnSpc>
-              <a:defRPr/>
-            </a:pPr>
-            <a:r>
-              <a:rPr lang="en-US" sz="2400" b="0" dirty="0">
-                <a:latin typeface="Courier New" pitchFamily="49" charset="0"/>
-                <a:cs typeface="Courier New" pitchFamily="49" charset="0"/>
-              </a:rPr>
-              <a:t>      </a:t>
-            </a:r>
-            <a:r>
-              <a:rPr lang="en-US" sz="2400" b="0" dirty="0" err="1">
-                <a:latin typeface="Courier New" pitchFamily="49" charset="0"/>
-                <a:cs typeface="Courier New" pitchFamily="49" charset="0"/>
-              </a:rPr>
-              <a:t>Character.isDigit</a:t>
-            </a:r>
-            <a:r>
-              <a:rPr lang="en-US" sz="2400" b="0" dirty="0">
-                <a:latin typeface="Courier New" pitchFamily="49" charset="0"/>
-                <a:cs typeface="Courier New" pitchFamily="49" charset="0"/>
-              </a:rPr>
-              <a:t>(</a:t>
-            </a:r>
-            <a:r>
-              <a:rPr lang="en-US" sz="2400" b="0" dirty="0" err="1">
-                <a:latin typeface="Courier New" pitchFamily="49" charset="0"/>
-                <a:cs typeface="Courier New" pitchFamily="49" charset="0"/>
-              </a:rPr>
-              <a:t>s.charAt</a:t>
-            </a:r>
-            <a:r>
-              <a:rPr lang="en-US" sz="2400" b="0" dirty="0">
-                <a:latin typeface="Courier New" pitchFamily="49" charset="0"/>
-                <a:cs typeface="Courier New" pitchFamily="49" charset="0"/>
-              </a:rPr>
-              <a:t>(6)) &amp;&amp;</a:t>
-            </a:r>
-          </a:p>
-          <a:p>
-            <a:pPr marL="342900" indent="-342900">
-              <a:lnSpc>
-                <a:spcPct val="80000"/>
-              </a:lnSpc>
-              <a:defRPr/>
-            </a:pPr>
-            <a:r>
-              <a:rPr lang="en-US" sz="2400" b="0" dirty="0">
-                <a:latin typeface="Courier New" pitchFamily="49" charset="0"/>
-                <a:cs typeface="Courier New" pitchFamily="49" charset="0"/>
-              </a:rPr>
-              <a:t>      </a:t>
-            </a:r>
-            <a:r>
-              <a:rPr lang="en-US" sz="2400" b="0" dirty="0" err="1">
-                <a:latin typeface="Courier New" pitchFamily="49" charset="0"/>
-                <a:cs typeface="Courier New" pitchFamily="49" charset="0"/>
-              </a:rPr>
-              <a:t>Character.isDigit</a:t>
-            </a:r>
-            <a:r>
-              <a:rPr lang="en-US" sz="2400" b="0" dirty="0">
-                <a:latin typeface="Courier New" pitchFamily="49" charset="0"/>
-                <a:cs typeface="Courier New" pitchFamily="49" charset="0"/>
-              </a:rPr>
-              <a:t>(</a:t>
-            </a:r>
-            <a:r>
-              <a:rPr lang="en-US" sz="2400" b="0" dirty="0" err="1">
-                <a:latin typeface="Courier New" pitchFamily="49" charset="0"/>
-                <a:cs typeface="Courier New" pitchFamily="49" charset="0"/>
-              </a:rPr>
-              <a:t>s.charAt</a:t>
-            </a:r>
-            <a:r>
-              <a:rPr lang="en-US" sz="2400" b="0" dirty="0">
-                <a:latin typeface="Courier New" pitchFamily="49" charset="0"/>
-                <a:cs typeface="Courier New" pitchFamily="49" charset="0"/>
-              </a:rPr>
-              <a:t>(7)) &amp;&amp;</a:t>
-            </a:r>
-          </a:p>
-          <a:p>
-            <a:pPr marL="342900" indent="-342900">
-              <a:lnSpc>
-                <a:spcPct val="80000"/>
-              </a:lnSpc>
-              <a:defRPr/>
-            </a:pPr>
-            <a:r>
-              <a:rPr lang="en-US" sz="2400" b="0" dirty="0">
-                <a:latin typeface="Courier New" pitchFamily="49" charset="0"/>
-                <a:cs typeface="Courier New" pitchFamily="49" charset="0"/>
-              </a:rPr>
-              <a:t>      </a:t>
-            </a:r>
-            <a:r>
-              <a:rPr lang="en-US" sz="2400" b="0" dirty="0" err="1">
-                <a:latin typeface="Courier New" pitchFamily="49" charset="0"/>
-                <a:cs typeface="Courier New" pitchFamily="49" charset="0"/>
-              </a:rPr>
-              <a:t>Character.isDigit</a:t>
-            </a:r>
-            <a:r>
-              <a:rPr lang="en-US" sz="2400" b="0" dirty="0">
-                <a:latin typeface="Courier New" pitchFamily="49" charset="0"/>
-                <a:cs typeface="Courier New" pitchFamily="49" charset="0"/>
-              </a:rPr>
-              <a:t>(</a:t>
-            </a:r>
-            <a:r>
-              <a:rPr lang="en-US" sz="2400" b="0" dirty="0" err="1">
-                <a:latin typeface="Courier New" pitchFamily="49" charset="0"/>
-                <a:cs typeface="Courier New" pitchFamily="49" charset="0"/>
-              </a:rPr>
-              <a:t>s.charAt</a:t>
-            </a:r>
-            <a:r>
-              <a:rPr lang="en-US" sz="2400" b="0" dirty="0">
-                <a:latin typeface="Courier New" pitchFamily="49" charset="0"/>
-                <a:cs typeface="Courier New" pitchFamily="49" charset="0"/>
-              </a:rPr>
-              <a:t>(8)) &amp;&amp;</a:t>
-            </a:r>
-          </a:p>
-          <a:p>
-            <a:pPr marL="342900" indent="-342900">
-              <a:lnSpc>
-                <a:spcPct val="80000"/>
-              </a:lnSpc>
-              <a:defRPr/>
-            </a:pPr>
-            <a:r>
-              <a:rPr lang="en-US" sz="2400" b="0" dirty="0">
-                <a:latin typeface="Courier New" pitchFamily="49" charset="0"/>
-                <a:cs typeface="Courier New" pitchFamily="49" charset="0"/>
-              </a:rPr>
-              <a:t>      </a:t>
-            </a:r>
-            <a:r>
-              <a:rPr lang="en-US" sz="2400" b="0" dirty="0" err="1">
-                <a:latin typeface="Courier New" pitchFamily="49" charset="0"/>
-                <a:cs typeface="Courier New" pitchFamily="49" charset="0"/>
-              </a:rPr>
-              <a:t>Character.isDigit</a:t>
-            </a:r>
-            <a:r>
-              <a:rPr lang="en-US" sz="2400" b="0" dirty="0">
-                <a:latin typeface="Courier New" pitchFamily="49" charset="0"/>
-                <a:cs typeface="Courier New" pitchFamily="49" charset="0"/>
-              </a:rPr>
-              <a:t>(</a:t>
-            </a:r>
-            <a:r>
-              <a:rPr lang="en-US" sz="2400" b="0" dirty="0" err="1">
-                <a:latin typeface="Courier New" pitchFamily="49" charset="0"/>
-                <a:cs typeface="Courier New" pitchFamily="49" charset="0"/>
-              </a:rPr>
-              <a:t>s.charAt</a:t>
-            </a:r>
-            <a:r>
-              <a:rPr lang="en-US" sz="2400" b="0" dirty="0">
-                <a:latin typeface="Courier New" pitchFamily="49" charset="0"/>
-                <a:cs typeface="Courier New" pitchFamily="49" charset="0"/>
-              </a:rPr>
-              <a:t>(9))))</a:t>
-            </a:r>
-          </a:p>
-          <a:p>
-            <a:pPr marL="342900" indent="-342900">
-              <a:lnSpc>
-                <a:spcPct val="80000"/>
-              </a:lnSpc>
-              <a:defRPr/>
-            </a:pPr>
-            <a:r>
-              <a:rPr lang="en-US" sz="2400" b="0" dirty="0">
-                <a:latin typeface="Courier New" pitchFamily="49" charset="0"/>
-                <a:cs typeface="Courier New" pitchFamily="49" charset="0"/>
-              </a:rPr>
-              <a:t>{</a:t>
-            </a:r>
-          </a:p>
-          <a:p>
-            <a:pPr marL="342900" indent="-342900">
-              <a:lnSpc>
-                <a:spcPct val="80000"/>
-              </a:lnSpc>
-              <a:defRPr/>
-            </a:pPr>
-            <a:r>
-              <a:rPr lang="en-US" sz="2400" b="0" dirty="0">
-                <a:latin typeface="Courier New" pitchFamily="49" charset="0"/>
-                <a:cs typeface="Courier New" pitchFamily="49" charset="0"/>
-              </a:rPr>
-              <a:t>  </a:t>
-            </a:r>
-            <a:r>
-              <a:rPr lang="en-US" sz="2400" b="0" dirty="0" err="1">
-                <a:latin typeface="Courier New" pitchFamily="49" charset="0"/>
-                <a:cs typeface="Courier New" pitchFamily="49" charset="0"/>
-              </a:rPr>
-              <a:t>System.out.println</a:t>
-            </a:r>
-            <a:r>
-              <a:rPr lang="en-US" sz="2400" b="0" dirty="0">
-                <a:latin typeface="Courier New" pitchFamily="49" charset="0"/>
-                <a:cs typeface="Courier New" pitchFamily="49" charset="0"/>
-              </a:rPr>
-              <a:t>(</a:t>
-            </a:r>
-          </a:p>
-          <a:p>
-            <a:pPr marL="342900" indent="-342900">
-              <a:lnSpc>
-                <a:spcPct val="80000"/>
-              </a:lnSpc>
-              <a:defRPr/>
-            </a:pPr>
-            <a:r>
-              <a:rPr lang="en-US" sz="2400" b="0" dirty="0">
-                <a:latin typeface="Courier New" pitchFamily="49" charset="0"/>
-                <a:cs typeface="Courier New" pitchFamily="49" charset="0"/>
-              </a:rPr>
-              <a:t>    s + “ is not in the correct format”);</a:t>
-            </a:r>
-          </a:p>
-          <a:p>
-            <a:pPr marL="342900" indent="-342900">
-              <a:lnSpc>
-                <a:spcPct val="80000"/>
-              </a:lnSpc>
-              <a:defRPr/>
-            </a:pPr>
-            <a:r>
-              <a:rPr lang="en-US" sz="2400" b="0" dirty="0">
-                <a:latin typeface="Courier New" pitchFamily="49" charset="0"/>
-                <a:cs typeface="Courier New" pitchFamily="49" charset="0"/>
-              </a:rPr>
-              <a:t>}</a:t>
-            </a:r>
-          </a:p>
-        </p:txBody>
-      </p:sp>
     </p:spTree>
     <p:extLst>
       <p:ext uri="{BB962C8B-B14F-4D97-AF65-F5344CB8AC3E}">
-        <p14:creationId xmlns:p14="http://schemas.microsoft.com/office/powerpoint/2010/main" val="3872076424"/>
+        <p14:creationId xmlns:p14="http://schemas.microsoft.com/office/powerpoint/2010/main" val="213572577"/>
       </p:ext>
     </p:extLst>
   </p:cSld>
@@ -49546,9 +48778,9 @@
       </p:grpSpPr>
       <p:sp>
         <p:nvSpPr>
-          <p:cNvPr id="2" name="Title 1"/>
+          <p:cNvPr id="75778" name="Rectangle 2"/>
           <p:cNvSpPr>
-            <a:spLocks noGrp="1"/>
+            <a:spLocks noGrp="1" noChangeArrowheads="1"/>
           </p:cNvSpPr>
           <p:nvPr>
             <p:ph type="title"/>
@@ -49559,17 +48791,126 @@
           <a:bodyPr/>
           <a:lstStyle/>
           <a:p>
-            <a:r>
-              <a:rPr lang="en-US" dirty="0" smtClean="0"/>
-              <a:t>End</a:t>
-            </a:r>
-            <a:endParaRPr lang="en-US" dirty="0"/>
+            <a:pPr eaLnBrk="1" hangingPunct="1"/>
+            <a:r>
+              <a:rPr lang="en-US" smtClean="0"/>
+              <a:t>Your Turn, One More Time</a:t>
+            </a:r>
           </a:p>
         </p:txBody>
       </p:sp>
       <p:sp>
         <p:nvSpPr>
-          <p:cNvPr id="3" name="Slide Number Placeholder 2"/>
+          <p:cNvPr id="316419" name="Rectangle 3"/>
+          <p:cNvSpPr>
+            <a:spLocks noGrp="1" noChangeArrowheads="1"/>
+          </p:cNvSpPr>
+          <p:nvPr>
+            <p:ph idx="1"/>
+          </p:nvPr>
+        </p:nvSpPr>
+        <p:spPr/>
+        <p:txBody>
+          <a:bodyPr/>
+          <a:lstStyle/>
+          <a:p>
+            <a:pPr eaLnBrk="1" hangingPunct="1"/>
+            <a:r>
+              <a:rPr lang="en-US" dirty="0" smtClean="0"/>
+              <a:t>Given a String, </a:t>
+            </a:r>
+            <a:r>
+              <a:rPr lang="en-US" i="1" dirty="0" smtClean="0"/>
+              <a:t>s</a:t>
+            </a:r>
+            <a:r>
+              <a:rPr lang="en-US" dirty="0" smtClean="0"/>
+              <a:t>, which is meant to hold a date in the </a:t>
+            </a:r>
+            <a:r>
+              <a:rPr lang="en-US" b="1" dirty="0" smtClean="0">
+                <a:latin typeface="Courier New" charset="0"/>
+              </a:rPr>
+              <a:t>mm/</a:t>
+            </a:r>
+            <a:r>
+              <a:rPr lang="en-US" b="1" dirty="0" err="1" smtClean="0">
+                <a:latin typeface="Courier New" charset="0"/>
+              </a:rPr>
+              <a:t>dd</a:t>
+            </a:r>
+            <a:r>
+              <a:rPr lang="en-US" b="1" dirty="0" smtClean="0">
+                <a:latin typeface="Courier New" charset="0"/>
+              </a:rPr>
+              <a:t>/</a:t>
+            </a:r>
+            <a:r>
+              <a:rPr lang="en-US" b="1" dirty="0" err="1" smtClean="0">
+                <a:latin typeface="Courier New" charset="0"/>
+              </a:rPr>
+              <a:t>yyyy</a:t>
+            </a:r>
+            <a:r>
+              <a:rPr lang="en-US" dirty="0" smtClean="0"/>
+              <a:t> format, check that it is in the correct format and print an error message if it is not.</a:t>
+            </a:r>
+          </a:p>
+          <a:p>
+            <a:pPr eaLnBrk="1" hangingPunct="1"/>
+            <a:r>
+              <a:rPr lang="en-US" b="1" dirty="0" err="1" smtClean="0"/>
+              <a:t>boolean</a:t>
+            </a:r>
+            <a:r>
+              <a:rPr lang="en-US" dirty="0" smtClean="0"/>
+              <a:t> </a:t>
+            </a:r>
+            <a:r>
+              <a:rPr lang="en-US" dirty="0" err="1" smtClean="0"/>
+              <a:t>Character.isDigit</a:t>
+            </a:r>
+            <a:r>
+              <a:rPr lang="en-US" dirty="0" smtClean="0"/>
+              <a:t>(</a:t>
+            </a:r>
+            <a:r>
+              <a:rPr lang="en-US" b="1" dirty="0" smtClean="0"/>
+              <a:t>char</a:t>
+            </a:r>
+            <a:r>
+              <a:rPr lang="en-US" dirty="0" smtClean="0"/>
+              <a:t> </a:t>
+            </a:r>
+            <a:r>
+              <a:rPr lang="en-US" dirty="0" err="1" smtClean="0"/>
+              <a:t>ch</a:t>
+            </a:r>
+            <a:r>
+              <a:rPr lang="en-US" dirty="0" smtClean="0"/>
+              <a:t>)</a:t>
+            </a:r>
+            <a:br>
+              <a:rPr lang="en-US" dirty="0" smtClean="0"/>
+            </a:br>
+            <a:r>
+              <a:rPr lang="en-US" dirty="0" smtClean="0"/>
+              <a:t>allows you to check if a given character, </a:t>
+            </a:r>
+            <a:r>
+              <a:rPr lang="en-US" i="1" dirty="0" err="1" smtClean="0"/>
+              <a:t>ch</a:t>
+            </a:r>
+            <a:r>
+              <a:rPr lang="en-US" dirty="0" smtClean="0"/>
+              <a:t>, is a digit (‘0’, ‘1’, ‘2’, ‘3’, ‘4’, ‘5’, ‘6’, ‘7’, ‘8’, ‘9’) or not.</a:t>
+            </a:r>
+          </a:p>
+        </p:txBody>
+      </p:sp>
+      <p:sp>
+        <p:nvSpPr>
+          <p:cNvPr id="6" name="Slide Number Placeholder 5"/>
           <p:cNvSpPr>
             <a:spLocks noGrp="1"/>
           </p:cNvSpPr>
@@ -49580,25 +48921,138 @@
         <p:spPr/>
         <p:txBody>
           <a:bodyPr/>
-          <a:lstStyle/>
-          <a:p>
-            <a:pPr>
-              <a:defRPr/>
-            </a:pPr>
-            <a:fld id="{22E1104D-8DE7-4466-96F7-1A28F3159368}" type="slidenum">
-              <a:rPr lang="en-US" altLang="en-US" smtClean="0">
-                <a:solidFill>
-                  <a:srgbClr val="000000"/>
-                </a:solidFill>
-              </a:rPr>
-              <a:pPr>
-                <a:defRPr/>
-              </a:pPr>
+          <a:lstStyle>
+            <a:lvl1pPr eaLnBrk="0" hangingPunct="0">
+              <a:defRPr sz="2000" b="1">
+                <a:solidFill>
+                  <a:schemeClr val="tx1"/>
+                </a:solidFill>
+                <a:latin typeface="Courier New" charset="0"/>
+              </a:defRPr>
+            </a:lvl1pPr>
+            <a:lvl2pPr marL="742950" indent="-285750" eaLnBrk="0" hangingPunct="0">
+              <a:defRPr sz="2000" b="1">
+                <a:solidFill>
+                  <a:schemeClr val="tx1"/>
+                </a:solidFill>
+                <a:latin typeface="Courier New" charset="0"/>
+              </a:defRPr>
+            </a:lvl2pPr>
+            <a:lvl3pPr marL="1143000" indent="-228600" eaLnBrk="0" hangingPunct="0">
+              <a:defRPr sz="2000" b="1">
+                <a:solidFill>
+                  <a:schemeClr val="tx1"/>
+                </a:solidFill>
+                <a:latin typeface="Courier New" charset="0"/>
+              </a:defRPr>
+            </a:lvl3pPr>
+            <a:lvl4pPr marL="1600200" indent="-228600" eaLnBrk="0" hangingPunct="0">
+              <a:defRPr sz="2000" b="1">
+                <a:solidFill>
+                  <a:schemeClr val="tx1"/>
+                </a:solidFill>
+                <a:latin typeface="Courier New" charset="0"/>
+              </a:defRPr>
+            </a:lvl4pPr>
+            <a:lvl5pPr marL="2057400" indent="-228600" eaLnBrk="0" hangingPunct="0">
+              <a:defRPr sz="2000" b="1">
+                <a:solidFill>
+                  <a:schemeClr val="tx1"/>
+                </a:solidFill>
+                <a:latin typeface="Courier New" charset="0"/>
+              </a:defRPr>
+            </a:lvl5pPr>
+            <a:lvl6pPr marL="2514600" indent="-228600" eaLnBrk="0" fontAlgn="base" hangingPunct="0">
+              <a:spcBef>
+                <a:spcPct val="0"/>
+              </a:spcBef>
+              <a:spcAft>
+                <a:spcPct val="0"/>
+              </a:spcAft>
+              <a:buClr>
+                <a:schemeClr val="tx2"/>
+              </a:buClr>
+              <a:buSzPct val="115000"/>
+              <a:buFont typeface="Wingdings" pitchFamily="2" charset="2"/>
+              <a:defRPr sz="2000" b="1">
+                <a:solidFill>
+                  <a:schemeClr val="tx1"/>
+                </a:solidFill>
+                <a:latin typeface="Courier New" charset="0"/>
+              </a:defRPr>
+            </a:lvl6pPr>
+            <a:lvl7pPr marL="2971800" indent="-228600" eaLnBrk="0" fontAlgn="base" hangingPunct="0">
+              <a:spcBef>
+                <a:spcPct val="0"/>
+              </a:spcBef>
+              <a:spcAft>
+                <a:spcPct val="0"/>
+              </a:spcAft>
+              <a:buClr>
+                <a:schemeClr val="tx2"/>
+              </a:buClr>
+              <a:buSzPct val="115000"/>
+              <a:buFont typeface="Wingdings" pitchFamily="2" charset="2"/>
+              <a:defRPr sz="2000" b="1">
+                <a:solidFill>
+                  <a:schemeClr val="tx1"/>
+                </a:solidFill>
+                <a:latin typeface="Courier New" charset="0"/>
+              </a:defRPr>
+            </a:lvl7pPr>
+            <a:lvl8pPr marL="3429000" indent="-228600" eaLnBrk="0" fontAlgn="base" hangingPunct="0">
+              <a:spcBef>
+                <a:spcPct val="0"/>
+              </a:spcBef>
+              <a:spcAft>
+                <a:spcPct val="0"/>
+              </a:spcAft>
+              <a:buClr>
+                <a:schemeClr val="tx2"/>
+              </a:buClr>
+              <a:buSzPct val="115000"/>
+              <a:buFont typeface="Wingdings" pitchFamily="2" charset="2"/>
+              <a:defRPr sz="2000" b="1">
+                <a:solidFill>
+                  <a:schemeClr val="tx1"/>
+                </a:solidFill>
+                <a:latin typeface="Courier New" charset="0"/>
+              </a:defRPr>
+            </a:lvl8pPr>
+            <a:lvl9pPr marL="3886200" indent="-228600" eaLnBrk="0" fontAlgn="base" hangingPunct="0">
+              <a:spcBef>
+                <a:spcPct val="0"/>
+              </a:spcBef>
+              <a:spcAft>
+                <a:spcPct val="0"/>
+              </a:spcAft>
+              <a:buClr>
+                <a:schemeClr val="tx2"/>
+              </a:buClr>
+              <a:buSzPct val="115000"/>
+              <a:buFont typeface="Wingdings" pitchFamily="2" charset="2"/>
+              <a:defRPr sz="2000" b="1">
+                <a:solidFill>
+                  <a:schemeClr val="tx1"/>
+                </a:solidFill>
+                <a:latin typeface="Courier New" charset="0"/>
+              </a:defRPr>
+            </a:lvl9pPr>
+          </a:lstStyle>
+          <a:p>
+            <a:pPr eaLnBrk="1" hangingPunct="1"/>
+            <a:fld id="{95B8FCC5-9B6F-4EEA-9713-8CA6176EEAEF}" type="slidenum">
+              <a:rPr lang="en-US" sz="1200">
+                <a:solidFill>
+                  <a:srgbClr val="898989"/>
+                </a:solidFill>
+              </a:rPr>
+              <a:pPr eaLnBrk="1" hangingPunct="1"/>
               <a:t>50</a:t>
             </a:fld>
-            <a:endParaRPr lang="en-US" altLang="en-US">
+            <a:endParaRPr lang="en-US" sz="1200">
               <a:solidFill>
-                <a:srgbClr val="000000"/>
+                <a:srgbClr val="898989"/>
               </a:solidFill>
             </a:endParaRPr>
           </a:p>
@@ -49607,17 +49061,776 @@
     </p:spTree>
     <p:extLst>
       <p:ext uri="{BB962C8B-B14F-4D97-AF65-F5344CB8AC3E}">
-        <p14:creationId xmlns:p14="http://schemas.microsoft.com/office/powerpoint/2010/main" val="159561373"/>
+        <p14:creationId xmlns:p14="http://schemas.microsoft.com/office/powerpoint/2010/main" val="168495135"/>
       </p:ext>
     </p:extLst>
   </p:cSld>
   <p:clrMapOvr>
     <a:masterClrMapping/>
   </p:clrMapOvr>
+  <p:timing>
+    <p:tnLst>
+      <p:par>
+        <p:cTn id="1" dur="indefinite" restart="never" nodeType="tmRoot"/>
+      </p:par>
+    </p:tnLst>
+  </p:timing>
 </p:sld>
 </file>
 
 <file path=ppt/slides/slide51.xml><?xml version="1.0" encoding="utf-8"?>
+<p:sld xmlns:a="http://schemas.openxmlformats.org/drawingml/2006/main" xmlns:r="http://schemas.openxmlformats.org/officeDocument/2006/relationships" xmlns:p="http://schemas.openxmlformats.org/presentationml/2006/main">
+  <p:cSld>
+    <p:spTree>
+      <p:nvGrpSpPr>
+        <p:cNvPr id="1" name=""/>
+        <p:cNvGrpSpPr/>
+        <p:nvPr/>
+      </p:nvGrpSpPr>
+      <p:grpSpPr>
+        <a:xfrm>
+          <a:off x="0" y="0"/>
+          <a:ext cx="0" cy="0"/>
+          <a:chOff x="0" y="0"/>
+          <a:chExt cx="0" cy="0"/>
+        </a:xfrm>
+      </p:grpSpPr>
+      <p:sp>
+        <p:nvSpPr>
+          <p:cNvPr id="76802" name="Rectangle 4"/>
+          <p:cNvSpPr>
+            <a:spLocks noGrp="1" noChangeArrowheads="1"/>
+          </p:cNvSpPr>
+          <p:nvPr>
+            <p:ph type="title"/>
+          </p:nvPr>
+        </p:nvSpPr>
+        <p:spPr/>
+        <p:txBody>
+          <a:bodyPr/>
+          <a:lstStyle/>
+          <a:p>
+            <a:pPr eaLnBrk="1" hangingPunct="1"/>
+            <a:r>
+              <a:rPr lang="en-US" smtClean="0"/>
+              <a:t>Check Date Format</a:t>
+            </a:r>
+          </a:p>
+        </p:txBody>
+      </p:sp>
+      <p:sp>
+        <p:nvSpPr>
+          <p:cNvPr id="6" name="Slide Number Placeholder 4"/>
+          <p:cNvSpPr>
+            <a:spLocks noGrp="1"/>
+          </p:cNvSpPr>
+          <p:nvPr>
+            <p:ph type="sldNum" sz="quarter" idx="12"/>
+          </p:nvPr>
+        </p:nvSpPr>
+        <p:spPr/>
+        <p:txBody>
+          <a:bodyPr/>
+          <a:lstStyle>
+            <a:lvl1pPr eaLnBrk="0" hangingPunct="0">
+              <a:defRPr sz="2000" b="1">
+                <a:solidFill>
+                  <a:schemeClr val="tx1"/>
+                </a:solidFill>
+                <a:latin typeface="Courier New" charset="0"/>
+              </a:defRPr>
+            </a:lvl1pPr>
+            <a:lvl2pPr marL="742950" indent="-285750" eaLnBrk="0" hangingPunct="0">
+              <a:defRPr sz="2000" b="1">
+                <a:solidFill>
+                  <a:schemeClr val="tx1"/>
+                </a:solidFill>
+                <a:latin typeface="Courier New" charset="0"/>
+              </a:defRPr>
+            </a:lvl2pPr>
+            <a:lvl3pPr marL="1143000" indent="-228600" eaLnBrk="0" hangingPunct="0">
+              <a:defRPr sz="2000" b="1">
+                <a:solidFill>
+                  <a:schemeClr val="tx1"/>
+                </a:solidFill>
+                <a:latin typeface="Courier New" charset="0"/>
+              </a:defRPr>
+            </a:lvl3pPr>
+            <a:lvl4pPr marL="1600200" indent="-228600" eaLnBrk="0" hangingPunct="0">
+              <a:defRPr sz="2000" b="1">
+                <a:solidFill>
+                  <a:schemeClr val="tx1"/>
+                </a:solidFill>
+                <a:latin typeface="Courier New" charset="0"/>
+              </a:defRPr>
+            </a:lvl4pPr>
+            <a:lvl5pPr marL="2057400" indent="-228600" eaLnBrk="0" hangingPunct="0">
+              <a:defRPr sz="2000" b="1">
+                <a:solidFill>
+                  <a:schemeClr val="tx1"/>
+                </a:solidFill>
+                <a:latin typeface="Courier New" charset="0"/>
+              </a:defRPr>
+            </a:lvl5pPr>
+            <a:lvl6pPr marL="2514600" indent="-228600" eaLnBrk="0" fontAlgn="base" hangingPunct="0">
+              <a:spcBef>
+                <a:spcPct val="0"/>
+              </a:spcBef>
+              <a:spcAft>
+                <a:spcPct val="0"/>
+              </a:spcAft>
+              <a:buClr>
+                <a:schemeClr val="tx2"/>
+              </a:buClr>
+              <a:buSzPct val="115000"/>
+              <a:buFont typeface="Wingdings" pitchFamily="2" charset="2"/>
+              <a:defRPr sz="2000" b="1">
+                <a:solidFill>
+                  <a:schemeClr val="tx1"/>
+                </a:solidFill>
+                <a:latin typeface="Courier New" charset="0"/>
+              </a:defRPr>
+            </a:lvl6pPr>
+            <a:lvl7pPr marL="2971800" indent="-228600" eaLnBrk="0" fontAlgn="base" hangingPunct="0">
+              <a:spcBef>
+                <a:spcPct val="0"/>
+              </a:spcBef>
+              <a:spcAft>
+                <a:spcPct val="0"/>
+              </a:spcAft>
+              <a:buClr>
+                <a:schemeClr val="tx2"/>
+              </a:buClr>
+              <a:buSzPct val="115000"/>
+              <a:buFont typeface="Wingdings" pitchFamily="2" charset="2"/>
+              <a:defRPr sz="2000" b="1">
+                <a:solidFill>
+                  <a:schemeClr val="tx1"/>
+                </a:solidFill>
+                <a:latin typeface="Courier New" charset="0"/>
+              </a:defRPr>
+            </a:lvl7pPr>
+            <a:lvl8pPr marL="3429000" indent="-228600" eaLnBrk="0" fontAlgn="base" hangingPunct="0">
+              <a:spcBef>
+                <a:spcPct val="0"/>
+              </a:spcBef>
+              <a:spcAft>
+                <a:spcPct val="0"/>
+              </a:spcAft>
+              <a:buClr>
+                <a:schemeClr val="tx2"/>
+              </a:buClr>
+              <a:buSzPct val="115000"/>
+              <a:buFont typeface="Wingdings" pitchFamily="2" charset="2"/>
+              <a:defRPr sz="2000" b="1">
+                <a:solidFill>
+                  <a:schemeClr val="tx1"/>
+                </a:solidFill>
+                <a:latin typeface="Courier New" charset="0"/>
+              </a:defRPr>
+            </a:lvl8pPr>
+            <a:lvl9pPr marL="3886200" indent="-228600" eaLnBrk="0" fontAlgn="base" hangingPunct="0">
+              <a:spcBef>
+                <a:spcPct val="0"/>
+              </a:spcBef>
+              <a:spcAft>
+                <a:spcPct val="0"/>
+              </a:spcAft>
+              <a:buClr>
+                <a:schemeClr val="tx2"/>
+              </a:buClr>
+              <a:buSzPct val="115000"/>
+              <a:buFont typeface="Wingdings" pitchFamily="2" charset="2"/>
+              <a:defRPr sz="2000" b="1">
+                <a:solidFill>
+                  <a:schemeClr val="tx1"/>
+                </a:solidFill>
+                <a:latin typeface="Courier New" charset="0"/>
+              </a:defRPr>
+            </a:lvl9pPr>
+          </a:lstStyle>
+          <a:p>
+            <a:pPr eaLnBrk="1" hangingPunct="1"/>
+            <a:fld id="{E25A02E3-D948-4EE2-9897-33DF6EB66310}" type="slidenum">
+              <a:rPr lang="en-US" sz="1200">
+                <a:solidFill>
+                  <a:srgbClr val="898989"/>
+                </a:solidFill>
+              </a:rPr>
+              <a:pPr eaLnBrk="1" hangingPunct="1"/>
+              <a:t>51</a:t>
+            </a:fld>
+            <a:endParaRPr lang="en-US" sz="1200">
+              <a:solidFill>
+                <a:srgbClr val="898989"/>
+              </a:solidFill>
+            </a:endParaRPr>
+          </a:p>
+        </p:txBody>
+      </p:sp>
+      <p:sp>
+        <p:nvSpPr>
+          <p:cNvPr id="318469" name="Rectangle 5"/>
+          <p:cNvSpPr>
+            <a:spLocks noChangeArrowheads="1"/>
+          </p:cNvSpPr>
+          <p:nvPr/>
+        </p:nvSpPr>
+        <p:spPr bwMode="auto">
+          <a:xfrm>
+            <a:off x="685800" y="1524000"/>
+            <a:ext cx="7924800" cy="4419600"/>
+          </a:xfrm>
+          <a:prstGeom prst="rect">
+            <a:avLst/>
+          </a:prstGeom>
+          <a:noFill/>
+          <a:ln w="9525">
+            <a:noFill/>
+            <a:miter lim="800000"/>
+            <a:headEnd/>
+            <a:tailEnd/>
+          </a:ln>
+          <a:effectLst/>
+        </p:spPr>
+        <p:txBody>
+          <a:bodyPr/>
+          <a:lstStyle/>
+          <a:p>
+            <a:pPr marL="342900" indent="-342900">
+              <a:lnSpc>
+                <a:spcPct val="80000"/>
+              </a:lnSpc>
+              <a:defRPr/>
+            </a:pPr>
+            <a:r>
+              <a:rPr lang="en-US" sz="2400" dirty="0">
+                <a:latin typeface="Courier New" pitchFamily="49" charset="0"/>
+                <a:cs typeface="Courier New" pitchFamily="49" charset="0"/>
+              </a:rPr>
+              <a:t>if</a:t>
+            </a:r>
+            <a:r>
+              <a:rPr lang="en-US" sz="2400" b="0" dirty="0">
+                <a:latin typeface="Courier New" pitchFamily="49" charset="0"/>
+                <a:cs typeface="Courier New" pitchFamily="49" charset="0"/>
+              </a:rPr>
+              <a:t> ((</a:t>
+            </a:r>
+            <a:r>
+              <a:rPr lang="en-US" sz="2400" b="0" dirty="0" err="1">
+                <a:latin typeface="Courier New" pitchFamily="49" charset="0"/>
+                <a:cs typeface="Courier New" pitchFamily="49" charset="0"/>
+              </a:rPr>
+              <a:t>s.length</a:t>
+            </a:r>
+            <a:r>
+              <a:rPr lang="en-US" sz="2400" b="0" dirty="0">
+                <a:latin typeface="Courier New" pitchFamily="49" charset="0"/>
+                <a:cs typeface="Courier New" pitchFamily="49" charset="0"/>
+              </a:rPr>
+              <a:t>() != 10) ||</a:t>
+            </a:r>
+          </a:p>
+          <a:p>
+            <a:pPr marL="342900" indent="-342900">
+              <a:lnSpc>
+                <a:spcPct val="80000"/>
+              </a:lnSpc>
+              <a:defRPr/>
+            </a:pPr>
+            <a:r>
+              <a:rPr lang="en-US" sz="2400" b="0" dirty="0">
+                <a:latin typeface="Courier New" pitchFamily="49" charset="0"/>
+                <a:cs typeface="Courier New" pitchFamily="49" charset="0"/>
+              </a:rPr>
+              <a:t>    !(</a:t>
+            </a:r>
+            <a:r>
+              <a:rPr lang="en-US" sz="2400" b="0" dirty="0" err="1">
+                <a:latin typeface="Courier New" pitchFamily="49" charset="0"/>
+                <a:cs typeface="Courier New" pitchFamily="49" charset="0"/>
+              </a:rPr>
+              <a:t>Character.isDigit</a:t>
+            </a:r>
+            <a:r>
+              <a:rPr lang="en-US" sz="2400" b="0" dirty="0">
+                <a:latin typeface="Courier New" pitchFamily="49" charset="0"/>
+                <a:cs typeface="Courier New" pitchFamily="49" charset="0"/>
+              </a:rPr>
+              <a:t>(</a:t>
+            </a:r>
+            <a:r>
+              <a:rPr lang="en-US" sz="2400" b="0" dirty="0" err="1">
+                <a:latin typeface="Courier New" pitchFamily="49" charset="0"/>
+                <a:cs typeface="Courier New" pitchFamily="49" charset="0"/>
+              </a:rPr>
+              <a:t>s.charAt</a:t>
+            </a:r>
+            <a:r>
+              <a:rPr lang="en-US" sz="2400" b="0" dirty="0">
+                <a:latin typeface="Courier New" pitchFamily="49" charset="0"/>
+                <a:cs typeface="Courier New" pitchFamily="49" charset="0"/>
+              </a:rPr>
+              <a:t>(0)) &amp;&amp;</a:t>
+            </a:r>
+          </a:p>
+          <a:p>
+            <a:pPr marL="342900" indent="-342900">
+              <a:lnSpc>
+                <a:spcPct val="80000"/>
+              </a:lnSpc>
+              <a:defRPr/>
+            </a:pPr>
+            <a:r>
+              <a:rPr lang="en-US" sz="2400" b="0" dirty="0">
+                <a:latin typeface="Courier New" pitchFamily="49" charset="0"/>
+                <a:cs typeface="Courier New" pitchFamily="49" charset="0"/>
+              </a:rPr>
+              <a:t>      </a:t>
+            </a:r>
+            <a:r>
+              <a:rPr lang="en-US" sz="2400" b="0" dirty="0" err="1">
+                <a:latin typeface="Courier New" pitchFamily="49" charset="0"/>
+                <a:cs typeface="Courier New" pitchFamily="49" charset="0"/>
+              </a:rPr>
+              <a:t>Character.isDigit</a:t>
+            </a:r>
+            <a:r>
+              <a:rPr lang="en-US" sz="2400" b="0" dirty="0">
+                <a:latin typeface="Courier New" pitchFamily="49" charset="0"/>
+                <a:cs typeface="Courier New" pitchFamily="49" charset="0"/>
+              </a:rPr>
+              <a:t>(</a:t>
+            </a:r>
+            <a:r>
+              <a:rPr lang="en-US" sz="2400" b="0" dirty="0" err="1">
+                <a:latin typeface="Courier New" pitchFamily="49" charset="0"/>
+                <a:cs typeface="Courier New" pitchFamily="49" charset="0"/>
+              </a:rPr>
+              <a:t>s.charAt</a:t>
+            </a:r>
+            <a:r>
+              <a:rPr lang="en-US" sz="2400" b="0" dirty="0">
+                <a:latin typeface="Courier New" pitchFamily="49" charset="0"/>
+                <a:cs typeface="Courier New" pitchFamily="49" charset="0"/>
+              </a:rPr>
+              <a:t>(1)) &amp;&amp;</a:t>
+            </a:r>
+          </a:p>
+          <a:p>
+            <a:pPr marL="342900" indent="-342900">
+              <a:lnSpc>
+                <a:spcPct val="80000"/>
+              </a:lnSpc>
+              <a:defRPr/>
+            </a:pPr>
+            <a:r>
+              <a:rPr lang="en-US" sz="2400" b="0" dirty="0">
+                <a:latin typeface="Courier New" pitchFamily="49" charset="0"/>
+                <a:cs typeface="Courier New" pitchFamily="49" charset="0"/>
+              </a:rPr>
+              <a:t>      (</a:t>
+            </a:r>
+            <a:r>
+              <a:rPr lang="en-US" sz="2400" b="0" dirty="0" err="1">
+                <a:latin typeface="Courier New" pitchFamily="49" charset="0"/>
+                <a:cs typeface="Courier New" pitchFamily="49" charset="0"/>
+              </a:rPr>
+              <a:t>s.charAt</a:t>
+            </a:r>
+            <a:r>
+              <a:rPr lang="en-US" sz="2400" b="0" dirty="0">
+                <a:latin typeface="Courier New" pitchFamily="49" charset="0"/>
+                <a:cs typeface="Courier New" pitchFamily="49" charset="0"/>
+              </a:rPr>
+              <a:t>(2) == ‘/’) &amp;&amp;</a:t>
+            </a:r>
+          </a:p>
+          <a:p>
+            <a:pPr marL="342900" indent="-342900">
+              <a:lnSpc>
+                <a:spcPct val="80000"/>
+              </a:lnSpc>
+              <a:defRPr/>
+            </a:pPr>
+            <a:r>
+              <a:rPr lang="en-US" sz="2400" b="0" dirty="0">
+                <a:latin typeface="Courier New" pitchFamily="49" charset="0"/>
+                <a:cs typeface="Courier New" pitchFamily="49" charset="0"/>
+              </a:rPr>
+              <a:t>      </a:t>
+            </a:r>
+            <a:r>
+              <a:rPr lang="en-US" sz="2400" b="0" dirty="0" err="1">
+                <a:latin typeface="Courier New" pitchFamily="49" charset="0"/>
+                <a:cs typeface="Courier New" pitchFamily="49" charset="0"/>
+              </a:rPr>
+              <a:t>Character.isDigit</a:t>
+            </a:r>
+            <a:r>
+              <a:rPr lang="en-US" sz="2400" b="0" dirty="0">
+                <a:latin typeface="Courier New" pitchFamily="49" charset="0"/>
+                <a:cs typeface="Courier New" pitchFamily="49" charset="0"/>
+              </a:rPr>
+              <a:t>(</a:t>
+            </a:r>
+            <a:r>
+              <a:rPr lang="en-US" sz="2400" b="0" dirty="0" err="1">
+                <a:latin typeface="Courier New" pitchFamily="49" charset="0"/>
+                <a:cs typeface="Courier New" pitchFamily="49" charset="0"/>
+              </a:rPr>
+              <a:t>s.charAt</a:t>
+            </a:r>
+            <a:r>
+              <a:rPr lang="en-US" sz="2400" b="0" dirty="0">
+                <a:latin typeface="Courier New" pitchFamily="49" charset="0"/>
+                <a:cs typeface="Courier New" pitchFamily="49" charset="0"/>
+              </a:rPr>
+              <a:t>(3)) &amp;&amp;</a:t>
+            </a:r>
+          </a:p>
+          <a:p>
+            <a:pPr marL="342900" indent="-342900">
+              <a:lnSpc>
+                <a:spcPct val="80000"/>
+              </a:lnSpc>
+              <a:defRPr/>
+            </a:pPr>
+            <a:r>
+              <a:rPr lang="en-US" sz="2400" b="0" dirty="0">
+                <a:latin typeface="Courier New" pitchFamily="49" charset="0"/>
+                <a:cs typeface="Courier New" pitchFamily="49" charset="0"/>
+              </a:rPr>
+              <a:t>      </a:t>
+            </a:r>
+            <a:r>
+              <a:rPr lang="en-US" sz="2400" b="0" dirty="0" err="1">
+                <a:latin typeface="Courier New" pitchFamily="49" charset="0"/>
+                <a:cs typeface="Courier New" pitchFamily="49" charset="0"/>
+              </a:rPr>
+              <a:t>Character.isDigit</a:t>
+            </a:r>
+            <a:r>
+              <a:rPr lang="en-US" sz="2400" b="0" dirty="0">
+                <a:latin typeface="Courier New" pitchFamily="49" charset="0"/>
+                <a:cs typeface="Courier New" pitchFamily="49" charset="0"/>
+              </a:rPr>
+              <a:t>(</a:t>
+            </a:r>
+            <a:r>
+              <a:rPr lang="en-US" sz="2400" b="0" dirty="0" err="1">
+                <a:latin typeface="Courier New" pitchFamily="49" charset="0"/>
+                <a:cs typeface="Courier New" pitchFamily="49" charset="0"/>
+              </a:rPr>
+              <a:t>s.charAt</a:t>
+            </a:r>
+            <a:r>
+              <a:rPr lang="en-US" sz="2400" b="0" dirty="0">
+                <a:latin typeface="Courier New" pitchFamily="49" charset="0"/>
+                <a:cs typeface="Courier New" pitchFamily="49" charset="0"/>
+              </a:rPr>
+              <a:t>(4)) &amp;&amp;</a:t>
+            </a:r>
+          </a:p>
+          <a:p>
+            <a:pPr marL="342900" indent="-342900">
+              <a:lnSpc>
+                <a:spcPct val="80000"/>
+              </a:lnSpc>
+              <a:defRPr/>
+            </a:pPr>
+            <a:r>
+              <a:rPr lang="en-US" sz="2400" b="0" dirty="0">
+                <a:latin typeface="Courier New" pitchFamily="49" charset="0"/>
+                <a:cs typeface="Courier New" pitchFamily="49" charset="0"/>
+              </a:rPr>
+              <a:t>      (</a:t>
+            </a:r>
+            <a:r>
+              <a:rPr lang="en-US" sz="2400" b="0" dirty="0" err="1">
+                <a:latin typeface="Courier New" pitchFamily="49" charset="0"/>
+                <a:cs typeface="Courier New" pitchFamily="49" charset="0"/>
+              </a:rPr>
+              <a:t>s.charAt</a:t>
+            </a:r>
+            <a:r>
+              <a:rPr lang="en-US" sz="2400" b="0" dirty="0">
+                <a:latin typeface="Courier New" pitchFamily="49" charset="0"/>
+                <a:cs typeface="Courier New" pitchFamily="49" charset="0"/>
+              </a:rPr>
+              <a:t>(5) == ‘/’) &amp;&amp;</a:t>
+            </a:r>
+          </a:p>
+          <a:p>
+            <a:pPr marL="342900" indent="-342900">
+              <a:lnSpc>
+                <a:spcPct val="80000"/>
+              </a:lnSpc>
+              <a:defRPr/>
+            </a:pPr>
+            <a:r>
+              <a:rPr lang="en-US" sz="2400" b="0" dirty="0">
+                <a:latin typeface="Courier New" pitchFamily="49" charset="0"/>
+                <a:cs typeface="Courier New" pitchFamily="49" charset="0"/>
+              </a:rPr>
+              <a:t>      </a:t>
+            </a:r>
+            <a:r>
+              <a:rPr lang="en-US" sz="2400" b="0" dirty="0" err="1">
+                <a:latin typeface="Courier New" pitchFamily="49" charset="0"/>
+                <a:cs typeface="Courier New" pitchFamily="49" charset="0"/>
+              </a:rPr>
+              <a:t>Character.isDigit</a:t>
+            </a:r>
+            <a:r>
+              <a:rPr lang="en-US" sz="2400" b="0" dirty="0">
+                <a:latin typeface="Courier New" pitchFamily="49" charset="0"/>
+                <a:cs typeface="Courier New" pitchFamily="49" charset="0"/>
+              </a:rPr>
+              <a:t>(</a:t>
+            </a:r>
+            <a:r>
+              <a:rPr lang="en-US" sz="2400" b="0" dirty="0" err="1">
+                <a:latin typeface="Courier New" pitchFamily="49" charset="0"/>
+                <a:cs typeface="Courier New" pitchFamily="49" charset="0"/>
+              </a:rPr>
+              <a:t>s.charAt</a:t>
+            </a:r>
+            <a:r>
+              <a:rPr lang="en-US" sz="2400" b="0" dirty="0">
+                <a:latin typeface="Courier New" pitchFamily="49" charset="0"/>
+                <a:cs typeface="Courier New" pitchFamily="49" charset="0"/>
+              </a:rPr>
+              <a:t>(6)) &amp;&amp;</a:t>
+            </a:r>
+          </a:p>
+          <a:p>
+            <a:pPr marL="342900" indent="-342900">
+              <a:lnSpc>
+                <a:spcPct val="80000"/>
+              </a:lnSpc>
+              <a:defRPr/>
+            </a:pPr>
+            <a:r>
+              <a:rPr lang="en-US" sz="2400" b="0" dirty="0">
+                <a:latin typeface="Courier New" pitchFamily="49" charset="0"/>
+                <a:cs typeface="Courier New" pitchFamily="49" charset="0"/>
+              </a:rPr>
+              <a:t>      </a:t>
+            </a:r>
+            <a:r>
+              <a:rPr lang="en-US" sz="2400" b="0" dirty="0" err="1">
+                <a:latin typeface="Courier New" pitchFamily="49" charset="0"/>
+                <a:cs typeface="Courier New" pitchFamily="49" charset="0"/>
+              </a:rPr>
+              <a:t>Character.isDigit</a:t>
+            </a:r>
+            <a:r>
+              <a:rPr lang="en-US" sz="2400" b="0" dirty="0">
+                <a:latin typeface="Courier New" pitchFamily="49" charset="0"/>
+                <a:cs typeface="Courier New" pitchFamily="49" charset="0"/>
+              </a:rPr>
+              <a:t>(</a:t>
+            </a:r>
+            <a:r>
+              <a:rPr lang="en-US" sz="2400" b="0" dirty="0" err="1">
+                <a:latin typeface="Courier New" pitchFamily="49" charset="0"/>
+                <a:cs typeface="Courier New" pitchFamily="49" charset="0"/>
+              </a:rPr>
+              <a:t>s.charAt</a:t>
+            </a:r>
+            <a:r>
+              <a:rPr lang="en-US" sz="2400" b="0" dirty="0">
+                <a:latin typeface="Courier New" pitchFamily="49" charset="0"/>
+                <a:cs typeface="Courier New" pitchFamily="49" charset="0"/>
+              </a:rPr>
+              <a:t>(7)) &amp;&amp;</a:t>
+            </a:r>
+          </a:p>
+          <a:p>
+            <a:pPr marL="342900" indent="-342900">
+              <a:lnSpc>
+                <a:spcPct val="80000"/>
+              </a:lnSpc>
+              <a:defRPr/>
+            </a:pPr>
+            <a:r>
+              <a:rPr lang="en-US" sz="2400" b="0" dirty="0">
+                <a:latin typeface="Courier New" pitchFamily="49" charset="0"/>
+                <a:cs typeface="Courier New" pitchFamily="49" charset="0"/>
+              </a:rPr>
+              <a:t>      </a:t>
+            </a:r>
+            <a:r>
+              <a:rPr lang="en-US" sz="2400" b="0" dirty="0" err="1">
+                <a:latin typeface="Courier New" pitchFamily="49" charset="0"/>
+                <a:cs typeface="Courier New" pitchFamily="49" charset="0"/>
+              </a:rPr>
+              <a:t>Character.isDigit</a:t>
+            </a:r>
+            <a:r>
+              <a:rPr lang="en-US" sz="2400" b="0" dirty="0">
+                <a:latin typeface="Courier New" pitchFamily="49" charset="0"/>
+                <a:cs typeface="Courier New" pitchFamily="49" charset="0"/>
+              </a:rPr>
+              <a:t>(</a:t>
+            </a:r>
+            <a:r>
+              <a:rPr lang="en-US" sz="2400" b="0" dirty="0" err="1">
+                <a:latin typeface="Courier New" pitchFamily="49" charset="0"/>
+                <a:cs typeface="Courier New" pitchFamily="49" charset="0"/>
+              </a:rPr>
+              <a:t>s.charAt</a:t>
+            </a:r>
+            <a:r>
+              <a:rPr lang="en-US" sz="2400" b="0" dirty="0">
+                <a:latin typeface="Courier New" pitchFamily="49" charset="0"/>
+                <a:cs typeface="Courier New" pitchFamily="49" charset="0"/>
+              </a:rPr>
+              <a:t>(8)) &amp;&amp;</a:t>
+            </a:r>
+          </a:p>
+          <a:p>
+            <a:pPr marL="342900" indent="-342900">
+              <a:lnSpc>
+                <a:spcPct val="80000"/>
+              </a:lnSpc>
+              <a:defRPr/>
+            </a:pPr>
+            <a:r>
+              <a:rPr lang="en-US" sz="2400" b="0" dirty="0">
+                <a:latin typeface="Courier New" pitchFamily="49" charset="0"/>
+                <a:cs typeface="Courier New" pitchFamily="49" charset="0"/>
+              </a:rPr>
+              <a:t>      </a:t>
+            </a:r>
+            <a:r>
+              <a:rPr lang="en-US" sz="2400" b="0" dirty="0" err="1">
+                <a:latin typeface="Courier New" pitchFamily="49" charset="0"/>
+                <a:cs typeface="Courier New" pitchFamily="49" charset="0"/>
+              </a:rPr>
+              <a:t>Character.isDigit</a:t>
+            </a:r>
+            <a:r>
+              <a:rPr lang="en-US" sz="2400" b="0" dirty="0">
+                <a:latin typeface="Courier New" pitchFamily="49" charset="0"/>
+                <a:cs typeface="Courier New" pitchFamily="49" charset="0"/>
+              </a:rPr>
+              <a:t>(</a:t>
+            </a:r>
+            <a:r>
+              <a:rPr lang="en-US" sz="2400" b="0" dirty="0" err="1">
+                <a:latin typeface="Courier New" pitchFamily="49" charset="0"/>
+                <a:cs typeface="Courier New" pitchFamily="49" charset="0"/>
+              </a:rPr>
+              <a:t>s.charAt</a:t>
+            </a:r>
+            <a:r>
+              <a:rPr lang="en-US" sz="2400" b="0" dirty="0">
+                <a:latin typeface="Courier New" pitchFamily="49" charset="0"/>
+                <a:cs typeface="Courier New" pitchFamily="49" charset="0"/>
+              </a:rPr>
+              <a:t>(9))))</a:t>
+            </a:r>
+          </a:p>
+          <a:p>
+            <a:pPr marL="342900" indent="-342900">
+              <a:lnSpc>
+                <a:spcPct val="80000"/>
+              </a:lnSpc>
+              <a:defRPr/>
+            </a:pPr>
+            <a:r>
+              <a:rPr lang="en-US" sz="2400" b="0" dirty="0">
+                <a:latin typeface="Courier New" pitchFamily="49" charset="0"/>
+                <a:cs typeface="Courier New" pitchFamily="49" charset="0"/>
+              </a:rPr>
+              <a:t>{</a:t>
+            </a:r>
+          </a:p>
+          <a:p>
+            <a:pPr marL="342900" indent="-342900">
+              <a:lnSpc>
+                <a:spcPct val="80000"/>
+              </a:lnSpc>
+              <a:defRPr/>
+            </a:pPr>
+            <a:r>
+              <a:rPr lang="en-US" sz="2400" b="0" dirty="0">
+                <a:latin typeface="Courier New" pitchFamily="49" charset="0"/>
+                <a:cs typeface="Courier New" pitchFamily="49" charset="0"/>
+              </a:rPr>
+              <a:t>  </a:t>
+            </a:r>
+            <a:r>
+              <a:rPr lang="en-US" sz="2400" b="0" dirty="0" err="1">
+                <a:latin typeface="Courier New" pitchFamily="49" charset="0"/>
+                <a:cs typeface="Courier New" pitchFamily="49" charset="0"/>
+              </a:rPr>
+              <a:t>System.out.println</a:t>
+            </a:r>
+            <a:r>
+              <a:rPr lang="en-US" sz="2400" b="0" dirty="0">
+                <a:latin typeface="Courier New" pitchFamily="49" charset="0"/>
+                <a:cs typeface="Courier New" pitchFamily="49" charset="0"/>
+              </a:rPr>
+              <a:t>(</a:t>
+            </a:r>
+          </a:p>
+          <a:p>
+            <a:pPr marL="342900" indent="-342900">
+              <a:lnSpc>
+                <a:spcPct val="80000"/>
+              </a:lnSpc>
+              <a:defRPr/>
+            </a:pPr>
+            <a:r>
+              <a:rPr lang="en-US" sz="2400" b="0" dirty="0">
+                <a:latin typeface="Courier New" pitchFamily="49" charset="0"/>
+                <a:cs typeface="Courier New" pitchFamily="49" charset="0"/>
+              </a:rPr>
+              <a:t>    s + “ is not in the correct format”);</a:t>
+            </a:r>
+          </a:p>
+          <a:p>
+            <a:pPr marL="342900" indent="-342900">
+              <a:lnSpc>
+                <a:spcPct val="80000"/>
+              </a:lnSpc>
+              <a:defRPr/>
+            </a:pPr>
+            <a:r>
+              <a:rPr lang="en-US" sz="2400" b="0" dirty="0">
+                <a:latin typeface="Courier New" pitchFamily="49" charset="0"/>
+                <a:cs typeface="Courier New" pitchFamily="49" charset="0"/>
+              </a:rPr>
+              <a:t>}</a:t>
+            </a:r>
+          </a:p>
+        </p:txBody>
+      </p:sp>
+    </p:spTree>
+    <p:extLst>
+      <p:ext uri="{BB962C8B-B14F-4D97-AF65-F5344CB8AC3E}">
+        <p14:creationId xmlns:p14="http://schemas.microsoft.com/office/powerpoint/2010/main" val="3872076424"/>
+      </p:ext>
+    </p:extLst>
+  </p:cSld>
+  <p:clrMapOvr>
+    <a:masterClrMapping/>
+  </p:clrMapOvr>
+  <p:timing>
+    <p:tnLst>
+      <p:par>
+        <p:cTn id="1" dur="indefinite" restart="never" nodeType="tmRoot"/>
+      </p:par>
+    </p:tnLst>
+  </p:timing>
+</p:sld>
+</file>
+
+<file path=ppt/slides/slide52.xml><?xml version="1.0" encoding="utf-8"?>
 <p:sld xmlns:a="http://schemas.openxmlformats.org/drawingml/2006/main" xmlns:r="http://schemas.openxmlformats.org/officeDocument/2006/relationships" xmlns:p="http://schemas.openxmlformats.org/presentationml/2006/main">
   <p:cSld>
     <p:spTree>
@@ -49651,7 +49864,7 @@
           <a:p>
             <a:r>
               <a:rPr lang="en-US" dirty="0" smtClean="0"/>
-              <a:t>Leadership Retreat</a:t>
+              <a:t>End</a:t>
             </a:r>
             <a:endParaRPr lang="en-US" dirty="0"/>
           </a:p>
@@ -49659,85 +49872,7 @@
       </p:sp>
       <p:sp>
         <p:nvSpPr>
-          <p:cNvPr id="3" name="Content Placeholder 2"/>
-          <p:cNvSpPr>
-            <a:spLocks noGrp="1"/>
-          </p:cNvSpPr>
-          <p:nvPr>
-            <p:ph idx="1"/>
-          </p:nvPr>
-        </p:nvSpPr>
-        <p:spPr>
-          <a:xfrm>
-            <a:off x="457200" y="1417638"/>
-            <a:ext cx="8229600" cy="5059362"/>
-          </a:xfrm>
-        </p:spPr>
-        <p:txBody>
-          <a:bodyPr/>
-          <a:lstStyle/>
-          <a:p>
-            <a:r>
-              <a:rPr lang="en-US" dirty="0"/>
-              <a:t>The Ohio State </a:t>
-            </a:r>
-            <a:r>
-              <a:rPr lang="en-US" i="1" dirty="0"/>
-              <a:t>Art of Living Club </a:t>
-            </a:r>
-            <a:r>
-              <a:rPr lang="en-US" dirty="0"/>
-              <a:t>is hosting the </a:t>
-            </a:r>
-            <a:r>
-              <a:rPr lang="en-US" dirty="0" err="1"/>
-              <a:t>Yesplus</a:t>
-            </a:r>
-            <a:r>
-              <a:rPr lang="en-US" dirty="0"/>
-              <a:t> Leadership Retreat</a:t>
-            </a:r>
-            <a:r>
-              <a:rPr lang="en-US" dirty="0" smtClean="0"/>
-              <a:t>. It involves Meditation, Stress-Management and Leadership skills.</a:t>
-            </a:r>
-          </a:p>
-          <a:p>
-            <a:endParaRPr lang="en-US" dirty="0"/>
-          </a:p>
-          <a:p>
-            <a:r>
-              <a:rPr lang="en-US" dirty="0" smtClean="0"/>
-              <a:t>Introductory Seminar</a:t>
-            </a:r>
-          </a:p>
-          <a:p>
-            <a:pPr lvl="1"/>
-            <a:r>
-              <a:rPr lang="en-US" dirty="0" smtClean="0"/>
-              <a:t>Relieve your stress, and try out some Breath-based and Meditation techniques.</a:t>
-            </a:r>
-          </a:p>
-          <a:p>
-            <a:pPr lvl="1"/>
-            <a:r>
-              <a:rPr lang="en-US" dirty="0" smtClean="0"/>
-              <a:t>Where: Creative Arts Room, Ohio Union</a:t>
-            </a:r>
-          </a:p>
-          <a:p>
-            <a:pPr lvl="1"/>
-            <a:r>
-              <a:rPr lang="en-US" dirty="0" smtClean="0"/>
-              <a:t>When: Today, 7 pm to 8 pm</a:t>
-            </a:r>
-            <a:endParaRPr lang="en-US" dirty="0"/>
-          </a:p>
-        </p:txBody>
-      </p:sp>
-      <p:sp>
-        <p:nvSpPr>
-          <p:cNvPr id="4" name="Slide Number Placeholder 3"/>
+          <p:cNvPr id="3" name="Slide Number Placeholder 2"/>
           <p:cNvSpPr>
             <a:spLocks noGrp="1"/>
           </p:cNvSpPr>
@@ -49753,7 +49888,7 @@
             <a:pPr>
               <a:defRPr/>
             </a:pPr>
-            <a:fld id="{FA53CC0E-EF58-405B-98C5-DD40AE2CBF19}" type="slidenum">
+            <a:fld id="{22E1104D-8DE7-4466-96F7-1A28F3159368}" type="slidenum">
               <a:rPr lang="en-US" altLang="en-US" smtClean="0">
                 <a:solidFill>
                   <a:srgbClr val="000000"/>
@@ -49762,7 +49897,7 @@
               <a:pPr>
                 <a:defRPr/>
               </a:pPr>
-              <a:t>51</a:t>
+              <a:t>52</a:t>
             </a:fld>
             <a:endParaRPr lang="en-US" altLang="en-US">
               <a:solidFill>
@@ -49775,20 +49910,13 @@
     </p:spTree>
     <p:extLst>
       <p:ext uri="{BB962C8B-B14F-4D97-AF65-F5344CB8AC3E}">
-        <p14:creationId xmlns:p14="http://schemas.microsoft.com/office/powerpoint/2010/main" val="664836021"/>
+        <p14:creationId xmlns:p14="http://schemas.microsoft.com/office/powerpoint/2010/main" val="159561373"/>
       </p:ext>
     </p:extLst>
   </p:cSld>
   <p:clrMapOvr>
     <a:masterClrMapping/>
   </p:clrMapOvr>
-  <p:timing>
-    <p:tnLst>
-      <p:par>
-        <p:cTn id="1" dur="indefinite" restart="never" nodeType="tmRoot"/>
-      </p:par>
-    </p:tnLst>
-  </p:timing>
 </p:sld>
 </file>
 
